--- a/input/images/source/DEQM Resource Diagram - COL.pptx
+++ b/input/images/source/DEQM Resource Diagram - COL.pptx
@@ -312,7 +312,7 @@
           <a:p>
             <a:fld id="{7D2F21E0-95B6-4C5C-A55D-C5056E4C25C4}" type="datetimeFigureOut">
               <a:rPr lang="en-US" smtClean="0"/>
-              <a:t>5/17/19</a:t>
+              <a:t>4/14/2021</a:t>
             </a:fld>
             <a:endParaRPr lang="en-US"/>
           </a:p>
@@ -480,7 +480,7 @@
           <a:p>
             <a:fld id="{7D2F21E0-95B6-4C5C-A55D-C5056E4C25C4}" type="datetimeFigureOut">
               <a:rPr lang="en-US" smtClean="0"/>
-              <a:t>5/17/19</a:t>
+              <a:t>4/14/2021</a:t>
             </a:fld>
             <a:endParaRPr lang="en-US"/>
           </a:p>
@@ -658,7 +658,7 @@
           <a:p>
             <a:fld id="{7D2F21E0-95B6-4C5C-A55D-C5056E4C25C4}" type="datetimeFigureOut">
               <a:rPr lang="en-US" smtClean="0"/>
-              <a:t>5/17/19</a:t>
+              <a:t>4/14/2021</a:t>
             </a:fld>
             <a:endParaRPr lang="en-US"/>
           </a:p>
@@ -826,7 +826,7 @@
           <a:p>
             <a:fld id="{7D2F21E0-95B6-4C5C-A55D-C5056E4C25C4}" type="datetimeFigureOut">
               <a:rPr lang="en-US" smtClean="0"/>
-              <a:t>5/17/19</a:t>
+              <a:t>4/14/2021</a:t>
             </a:fld>
             <a:endParaRPr lang="en-US"/>
           </a:p>
@@ -1071,7 +1071,7 @@
           <a:p>
             <a:fld id="{7D2F21E0-95B6-4C5C-A55D-C5056E4C25C4}" type="datetimeFigureOut">
               <a:rPr lang="en-US" smtClean="0"/>
-              <a:t>5/17/19</a:t>
+              <a:t>4/14/2021</a:t>
             </a:fld>
             <a:endParaRPr lang="en-US"/>
           </a:p>
@@ -1356,7 +1356,7 @@
           <a:p>
             <a:fld id="{7D2F21E0-95B6-4C5C-A55D-C5056E4C25C4}" type="datetimeFigureOut">
               <a:rPr lang="en-US" smtClean="0"/>
-              <a:t>5/17/19</a:t>
+              <a:t>4/14/2021</a:t>
             </a:fld>
             <a:endParaRPr lang="en-US"/>
           </a:p>
@@ -1775,7 +1775,7 @@
           <a:p>
             <a:fld id="{7D2F21E0-95B6-4C5C-A55D-C5056E4C25C4}" type="datetimeFigureOut">
               <a:rPr lang="en-US" smtClean="0"/>
-              <a:t>5/17/19</a:t>
+              <a:t>4/14/2021</a:t>
             </a:fld>
             <a:endParaRPr lang="en-US"/>
           </a:p>
@@ -1892,7 +1892,7 @@
           <a:p>
             <a:fld id="{7D2F21E0-95B6-4C5C-A55D-C5056E4C25C4}" type="datetimeFigureOut">
               <a:rPr lang="en-US" smtClean="0"/>
-              <a:t>5/17/19</a:t>
+              <a:t>4/14/2021</a:t>
             </a:fld>
             <a:endParaRPr lang="en-US"/>
           </a:p>
@@ -1987,7 +1987,7 @@
           <a:p>
             <a:fld id="{7D2F21E0-95B6-4C5C-A55D-C5056E4C25C4}" type="datetimeFigureOut">
               <a:rPr lang="en-US" smtClean="0"/>
-              <a:t>5/17/19</a:t>
+              <a:t>4/14/2021</a:t>
             </a:fld>
             <a:endParaRPr lang="en-US"/>
           </a:p>
@@ -2262,7 +2262,7 @@
           <a:p>
             <a:fld id="{7D2F21E0-95B6-4C5C-A55D-C5056E4C25C4}" type="datetimeFigureOut">
               <a:rPr lang="en-US" smtClean="0"/>
-              <a:t>5/17/19</a:t>
+              <a:t>4/14/2021</a:t>
             </a:fld>
             <a:endParaRPr lang="en-US"/>
           </a:p>
@@ -2514,7 +2514,7 @@
           <a:p>
             <a:fld id="{7D2F21E0-95B6-4C5C-A55D-C5056E4C25C4}" type="datetimeFigureOut">
               <a:rPr lang="en-US" smtClean="0"/>
-              <a:t>5/17/19</a:t>
+              <a:t>4/14/2021</a:t>
             </a:fld>
             <a:endParaRPr lang="en-US"/>
           </a:p>
@@ -2725,7 +2725,7 @@
           <a:p>
             <a:fld id="{7D2F21E0-95B6-4C5C-A55D-C5056E4C25C4}" type="datetimeFigureOut">
               <a:rPr lang="en-US" smtClean="0"/>
-              <a:t>5/17/19</a:t>
+              <a:t>4/14/2021</a:t>
             </a:fld>
             <a:endParaRPr lang="en-US"/>
           </a:p>
@@ -3779,7 +3779,7 @@
         </p:nvSpPr>
         <p:spPr>
           <a:xfrm>
-            <a:off x="3124200" y="2559185"/>
+            <a:off x="3015202" y="2642962"/>
             <a:ext cx="1676400" cy="261610"/>
           </a:xfrm>
           <a:prstGeom prst="rect">
@@ -3798,7 +3798,7 @@
             <a:pPr algn="ctr"/>
             <a:r>
               <a:rPr lang="en-US" sz="1100" b="1" dirty="0"/>
-              <a:t>supportingOrganization</a:t>
+              <a:t>reporter</a:t>
             </a:r>
           </a:p>
         </p:txBody>
@@ -3862,7 +3862,7 @@
             <a:pPr algn="ctr"/>
             <a:r>
               <a:rPr lang="en-US" sz="1100" b="1" dirty="0"/>
-              <a:t>patient</a:t>
+              <a:t>subject</a:t>
             </a:r>
           </a:p>
         </p:txBody>
@@ -4130,7 +4130,7 @@
         </p:nvSpPr>
         <p:spPr>
           <a:xfrm>
-            <a:off x="3219449" y="5410200"/>
+            <a:off x="3086100" y="5343231"/>
             <a:ext cx="1143000" cy="261610"/>
           </a:xfrm>
           <a:prstGeom prst="rect">
@@ -4181,7 +4181,7 @@
             <a:pPr algn="ctr"/>
             <a:r>
               <a:rPr lang="en-US" sz="1100" b="1" dirty="0"/>
-              <a:t>context</a:t>
+              <a:t>encounter</a:t>
             </a:r>
           </a:p>
         </p:txBody>
@@ -5379,7 +5379,7 @@
             <a:pPr algn="ctr"/>
             <a:r>
               <a:rPr lang="en-US" sz="1100" b="1" dirty="0"/>
-              <a:t>supportingOrganization</a:t>
+              <a:t>reporter</a:t>
             </a:r>
           </a:p>
         </p:txBody>
@@ -5443,7 +5443,7 @@
             <a:pPr algn="ctr"/>
             <a:r>
               <a:rPr lang="en-US" sz="1100" b="1" dirty="0"/>
-              <a:t>patient</a:t>
+              <a:t>subject</a:t>
             </a:r>
           </a:p>
         </p:txBody>
@@ -6865,7 +6865,7 @@
             <a:pPr algn="ctr"/>
             <a:r>
               <a:rPr lang="en-US" sz="1100" b="1" dirty="0"/>
-              <a:t>supportingOrganization</a:t>
+              <a:t>reporter</a:t>
             </a:r>
           </a:p>
         </p:txBody>
@@ -6929,7 +6929,7 @@
             <a:pPr algn="ctr"/>
             <a:r>
               <a:rPr lang="en-US" sz="1100" b="1" dirty="0"/>
-              <a:t>patient</a:t>
+              <a:t>subject</a:t>
             </a:r>
           </a:p>
         </p:txBody>
@@ -7197,7 +7197,7 @@
         </p:nvSpPr>
         <p:spPr>
           <a:xfrm>
-            <a:off x="3124200" y="5410200"/>
+            <a:off x="3105149" y="5284611"/>
             <a:ext cx="1238249" cy="261610"/>
           </a:xfrm>
           <a:prstGeom prst="rect">
@@ -7216,7 +7216,7 @@
             <a:pPr algn="ctr"/>
             <a:r>
               <a:rPr lang="en-US" sz="1100" b="1" dirty="0"/>
-              <a:t>performer&gt;actor</a:t>
+              <a:t>performer</a:t>
             </a:r>
           </a:p>
         </p:txBody>
@@ -7229,8 +7229,8 @@
         </p:nvSpPr>
         <p:spPr>
           <a:xfrm>
-            <a:off x="2835609" y="4815333"/>
-            <a:ext cx="1499278" cy="430887"/>
+            <a:off x="3105149" y="4841958"/>
+            <a:ext cx="1207515" cy="261610"/>
           </a:xfrm>
           <a:prstGeom prst="rect">
             <a:avLst/>
@@ -7247,10 +7247,9 @@
           <a:p>
             <a:pPr algn="ctr"/>
             <a:r>
-              <a:rPr lang="en-US" sz="1100" b="1" dirty="0" err="1"/>
-              <a:t>diagnosticReport-locationPerformed</a:t>
-            </a:r>
-            <a:endParaRPr lang="en-US" sz="1100" b="1" dirty="0"/>
+              <a:rPr lang="en-US" sz="1100" b="1" dirty="0"/>
+              <a:t>encounter</a:t>
+            </a:r>
           </a:p>
         </p:txBody>
       </p:sp>
@@ -7262,7 +7261,7 @@
         </p:nvSpPr>
         <p:spPr>
           <a:xfrm>
-            <a:off x="7543800" y="3334673"/>
+            <a:off x="6865856" y="2859480"/>
             <a:ext cx="1524000" cy="609600"/>
           </a:xfrm>
           <a:prstGeom prst="flowChartAlternateProcess">
@@ -7317,8 +7316,8 @@
         </p:nvCxnSpPr>
         <p:spPr>
           <a:xfrm flipH="1">
-            <a:off x="6256506" y="3639473"/>
-            <a:ext cx="1287294" cy="524961"/>
+            <a:off x="6256506" y="3164280"/>
+            <a:ext cx="609350" cy="1000154"/>
           </a:xfrm>
           <a:prstGeom prst="straightConnector1">
             <a:avLst/>
@@ -7354,7 +7353,7 @@
         </p:nvSpPr>
         <p:spPr>
           <a:xfrm>
-            <a:off x="6484495" y="3752025"/>
+            <a:off x="6248400" y="3498834"/>
             <a:ext cx="901837" cy="261610"/>
           </a:xfrm>
           <a:prstGeom prst="rect">
@@ -7478,8 +7477,8 @@
         </p:nvSpPr>
         <p:spPr>
           <a:xfrm>
-            <a:off x="1724025" y="5355595"/>
-            <a:ext cx="1238249" cy="261610"/>
+            <a:off x="1638297" y="5301779"/>
+            <a:ext cx="1104900" cy="261610"/>
           </a:xfrm>
           <a:prstGeom prst="rect">
             <a:avLst/>
@@ -7497,7 +7496,7 @@
             <a:pPr algn="ctr"/>
             <a:r>
               <a:rPr lang="en-US" sz="1100" b="1" dirty="0"/>
-              <a:t>report</a:t>
+              <a:t>result</a:t>
             </a:r>
           </a:p>
         </p:txBody>
@@ -8501,7 +8500,7 @@
         </p:nvSpPr>
         <p:spPr>
           <a:xfrm>
-            <a:off x="3048000" y="5410200"/>
+            <a:off x="3046379" y="5290879"/>
             <a:ext cx="1314449" cy="261610"/>
           </a:xfrm>
           <a:prstGeom prst="rect">
@@ -8520,7 +8519,7 @@
             <a:pPr algn="ctr"/>
             <a:r>
               <a:rPr lang="en-US" sz="1100" b="1" dirty="0"/>
-              <a:t>performer&gt;actor</a:t>
+              <a:t>performer</a:t>
             </a:r>
           </a:p>
         </p:txBody>
@@ -8552,7 +8551,7 @@
             <a:pPr algn="ctr"/>
             <a:r>
               <a:rPr lang="en-US" sz="1100" b="1" dirty="0"/>
-              <a:t>context</a:t>
+              <a:t>encounter</a:t>
             </a:r>
           </a:p>
         </p:txBody>
@@ -8657,7 +8656,7 @@
         </p:nvSpPr>
         <p:spPr>
           <a:xfrm>
-            <a:off x="7543800" y="3334673"/>
+            <a:off x="7010400" y="2937690"/>
             <a:ext cx="1524000" cy="609600"/>
           </a:xfrm>
           <a:prstGeom prst="flowChartAlternateProcess">
@@ -8712,8 +8711,8 @@
         </p:nvCxnSpPr>
         <p:spPr>
           <a:xfrm flipH="1">
-            <a:off x="6256506" y="3639473"/>
-            <a:ext cx="1287294" cy="524961"/>
+            <a:off x="6256506" y="3242490"/>
+            <a:ext cx="753894" cy="921944"/>
           </a:xfrm>
           <a:prstGeom prst="straightConnector1">
             <a:avLst/>
@@ -8749,7 +8748,7 @@
         </p:nvSpPr>
         <p:spPr>
           <a:xfrm>
-            <a:off x="6484495" y="3752025"/>
+            <a:off x="6248400" y="3506743"/>
             <a:ext cx="901837" cy="261610"/>
           </a:xfrm>
           <a:prstGeom prst="rect">

--- a/input/images/source/DEQM Resource Diagram - COL.pptx
+++ b/input/images/source/DEQM Resource Diagram - COL.pptx
@@ -4,6 +4,9 @@
   <p:sldMasterIdLst>
     <p:sldMasterId id="2147483648" r:id="rId1"/>
   </p:sldMasterIdLst>
+  <p:notesMasterIdLst>
+    <p:notesMasterId r:id="rId13"/>
+  </p:notesMasterIdLst>
   <p:sldIdLst>
     <p:sldId id="256" r:id="rId2"/>
     <p:sldId id="261" r:id="rId3"/>
@@ -133,6 +136,439 @@
 </p:presentation>
 </file>
 
+<file path=ppt/notesMasters/notesMaster1.xml><?xml version="1.0" encoding="utf-8"?>
+<p:notesMaster xmlns:a="http://schemas.openxmlformats.org/drawingml/2006/main" xmlns:r="http://schemas.openxmlformats.org/officeDocument/2006/relationships" xmlns:p="http://schemas.openxmlformats.org/presentationml/2006/main">
+  <p:cSld>
+    <p:bg>
+      <p:bgRef idx="1001">
+        <a:schemeClr val="bg1"/>
+      </p:bgRef>
+    </p:bg>
+    <p:spTree>
+      <p:nvGrpSpPr>
+        <p:cNvPr id="1" name=""/>
+        <p:cNvGrpSpPr/>
+        <p:nvPr/>
+      </p:nvGrpSpPr>
+      <p:grpSpPr>
+        <a:xfrm>
+          <a:off x="0" y="0"/>
+          <a:ext cx="0" cy="0"/>
+          <a:chOff x="0" y="0"/>
+          <a:chExt cx="0" cy="0"/>
+        </a:xfrm>
+      </p:grpSpPr>
+      <p:sp>
+        <p:nvSpPr>
+          <p:cNvPr id="2" name="Header Placeholder 1"/>
+          <p:cNvSpPr>
+            <a:spLocks noGrp="1"/>
+          </p:cNvSpPr>
+          <p:nvPr>
+            <p:ph type="hdr" sz="quarter"/>
+          </p:nvPr>
+        </p:nvSpPr>
+        <p:spPr>
+          <a:xfrm>
+            <a:off x="0" y="0"/>
+            <a:ext cx="2971800" cy="458788"/>
+          </a:xfrm>
+          <a:prstGeom prst="rect">
+            <a:avLst/>
+          </a:prstGeom>
+        </p:spPr>
+        <p:txBody>
+          <a:bodyPr vert="horz" lIns="91440" tIns="45720" rIns="91440" bIns="45720" rtlCol="0"/>
+          <a:lstStyle>
+            <a:lvl1pPr algn="l">
+              <a:defRPr sz="1200"/>
+            </a:lvl1pPr>
+          </a:lstStyle>
+          <a:p>
+            <a:endParaRPr lang="en-US"/>
+          </a:p>
+        </p:txBody>
+      </p:sp>
+      <p:sp>
+        <p:nvSpPr>
+          <p:cNvPr id="3" name="Date Placeholder 2"/>
+          <p:cNvSpPr>
+            <a:spLocks noGrp="1"/>
+          </p:cNvSpPr>
+          <p:nvPr>
+            <p:ph type="dt" idx="1"/>
+          </p:nvPr>
+        </p:nvSpPr>
+        <p:spPr>
+          <a:xfrm>
+            <a:off x="3884613" y="0"/>
+            <a:ext cx="2971800" cy="458788"/>
+          </a:xfrm>
+          <a:prstGeom prst="rect">
+            <a:avLst/>
+          </a:prstGeom>
+        </p:spPr>
+        <p:txBody>
+          <a:bodyPr vert="horz" lIns="91440" tIns="45720" rIns="91440" bIns="45720" rtlCol="0"/>
+          <a:lstStyle>
+            <a:lvl1pPr algn="r">
+              <a:defRPr sz="1200"/>
+            </a:lvl1pPr>
+          </a:lstStyle>
+          <a:p>
+            <a:fld id="{E4DBADE4-2274-4EE8-A620-14FD8D79FEDD}" type="datetimeFigureOut">
+              <a:rPr lang="en-US" smtClean="0"/>
+              <a:t>4/15/2021</a:t>
+            </a:fld>
+            <a:endParaRPr lang="en-US"/>
+          </a:p>
+        </p:txBody>
+      </p:sp>
+      <p:sp>
+        <p:nvSpPr>
+          <p:cNvPr id="4" name="Slide Image Placeholder 3"/>
+          <p:cNvSpPr>
+            <a:spLocks noGrp="1" noRot="1" noChangeAspect="1"/>
+          </p:cNvSpPr>
+          <p:nvPr>
+            <p:ph type="sldImg" idx="2"/>
+          </p:nvPr>
+        </p:nvSpPr>
+        <p:spPr>
+          <a:xfrm>
+            <a:off x="1371600" y="1143000"/>
+            <a:ext cx="4114800" cy="3086100"/>
+          </a:xfrm>
+          <a:prstGeom prst="rect">
+            <a:avLst/>
+          </a:prstGeom>
+          <a:noFill/>
+          <a:ln w="12700">
+            <a:solidFill>
+              <a:prstClr val="black"/>
+            </a:solidFill>
+          </a:ln>
+        </p:spPr>
+        <p:txBody>
+          <a:bodyPr vert="horz" lIns="91440" tIns="45720" rIns="91440" bIns="45720" rtlCol="0" anchor="ctr"/>
+          <a:lstStyle/>
+          <a:p>
+            <a:endParaRPr lang="en-US"/>
+          </a:p>
+        </p:txBody>
+      </p:sp>
+      <p:sp>
+        <p:nvSpPr>
+          <p:cNvPr id="5" name="Notes Placeholder 4"/>
+          <p:cNvSpPr>
+            <a:spLocks noGrp="1"/>
+          </p:cNvSpPr>
+          <p:nvPr>
+            <p:ph type="body" sz="quarter" idx="3"/>
+          </p:nvPr>
+        </p:nvSpPr>
+        <p:spPr>
+          <a:xfrm>
+            <a:off x="685800" y="4400550"/>
+            <a:ext cx="5486400" cy="3600450"/>
+          </a:xfrm>
+          <a:prstGeom prst="rect">
+            <a:avLst/>
+          </a:prstGeom>
+        </p:spPr>
+        <p:txBody>
+          <a:bodyPr vert="horz" lIns="91440" tIns="45720" rIns="91440" bIns="45720" rtlCol="0"/>
+          <a:lstStyle/>
+          <a:p>
+            <a:pPr lvl="0"/>
+            <a:r>
+              <a:rPr lang="en-US"/>
+              <a:t>Click to edit Master text styles</a:t>
+            </a:r>
+          </a:p>
+          <a:p>
+            <a:pPr lvl="1"/>
+            <a:r>
+              <a:rPr lang="en-US"/>
+              <a:t>Second level</a:t>
+            </a:r>
+          </a:p>
+          <a:p>
+            <a:pPr lvl="2"/>
+            <a:r>
+              <a:rPr lang="en-US"/>
+              <a:t>Third level</a:t>
+            </a:r>
+          </a:p>
+          <a:p>
+            <a:pPr lvl="3"/>
+            <a:r>
+              <a:rPr lang="en-US"/>
+              <a:t>Fourth level</a:t>
+            </a:r>
+          </a:p>
+          <a:p>
+            <a:pPr lvl="4"/>
+            <a:r>
+              <a:rPr lang="en-US"/>
+              <a:t>Fifth level</a:t>
+            </a:r>
+          </a:p>
+        </p:txBody>
+      </p:sp>
+      <p:sp>
+        <p:nvSpPr>
+          <p:cNvPr id="6" name="Footer Placeholder 5"/>
+          <p:cNvSpPr>
+            <a:spLocks noGrp="1"/>
+          </p:cNvSpPr>
+          <p:nvPr>
+            <p:ph type="ftr" sz="quarter" idx="4"/>
+          </p:nvPr>
+        </p:nvSpPr>
+        <p:spPr>
+          <a:xfrm>
+            <a:off x="0" y="8685213"/>
+            <a:ext cx="2971800" cy="458787"/>
+          </a:xfrm>
+          <a:prstGeom prst="rect">
+            <a:avLst/>
+          </a:prstGeom>
+        </p:spPr>
+        <p:txBody>
+          <a:bodyPr vert="horz" lIns="91440" tIns="45720" rIns="91440" bIns="45720" rtlCol="0" anchor="b"/>
+          <a:lstStyle>
+            <a:lvl1pPr algn="l">
+              <a:defRPr sz="1200"/>
+            </a:lvl1pPr>
+          </a:lstStyle>
+          <a:p>
+            <a:endParaRPr lang="en-US"/>
+          </a:p>
+        </p:txBody>
+      </p:sp>
+      <p:sp>
+        <p:nvSpPr>
+          <p:cNvPr id="7" name="Slide Number Placeholder 6"/>
+          <p:cNvSpPr>
+            <a:spLocks noGrp="1"/>
+          </p:cNvSpPr>
+          <p:nvPr>
+            <p:ph type="sldNum" sz="quarter" idx="5"/>
+          </p:nvPr>
+        </p:nvSpPr>
+        <p:spPr>
+          <a:xfrm>
+            <a:off x="3884613" y="8685213"/>
+            <a:ext cx="2971800" cy="458787"/>
+          </a:xfrm>
+          <a:prstGeom prst="rect">
+            <a:avLst/>
+          </a:prstGeom>
+        </p:spPr>
+        <p:txBody>
+          <a:bodyPr vert="horz" lIns="91440" tIns="45720" rIns="91440" bIns="45720" rtlCol="0" anchor="b"/>
+          <a:lstStyle>
+            <a:lvl1pPr algn="r">
+              <a:defRPr sz="1200"/>
+            </a:lvl1pPr>
+          </a:lstStyle>
+          <a:p>
+            <a:fld id="{1F45EF11-D57E-4967-A0FC-24707718A1EA}" type="slidenum">
+              <a:rPr lang="en-US" smtClean="0"/>
+              <a:t>‹#›</a:t>
+            </a:fld>
+            <a:endParaRPr lang="en-US"/>
+          </a:p>
+        </p:txBody>
+      </p:sp>
+    </p:spTree>
+    <p:extLst>
+      <p:ext uri="{BB962C8B-B14F-4D97-AF65-F5344CB8AC3E}">
+        <p14:creationId xmlns:p14="http://schemas.microsoft.com/office/powerpoint/2010/main" val="1405209149"/>
+      </p:ext>
+    </p:extLst>
+  </p:cSld>
+  <p:clrMap bg1="lt1" tx1="dk1" bg2="lt2" tx2="dk2" accent1="accent1" accent2="accent2" accent3="accent3" accent4="accent4" accent5="accent5" accent6="accent6" hlink="hlink" folHlink="folHlink"/>
+  <p:notesStyle>
+    <a:lvl1pPr marL="0" algn="l" defTabSz="914400" rtl="0" eaLnBrk="1" latinLnBrk="0" hangingPunct="1">
+      <a:defRPr sz="1200" kern="1200">
+        <a:solidFill>
+          <a:schemeClr val="tx1"/>
+        </a:solidFill>
+        <a:latin typeface="+mn-lt"/>
+        <a:ea typeface="+mn-ea"/>
+        <a:cs typeface="+mn-cs"/>
+      </a:defRPr>
+    </a:lvl1pPr>
+    <a:lvl2pPr marL="457200" algn="l" defTabSz="914400" rtl="0" eaLnBrk="1" latinLnBrk="0" hangingPunct="1">
+      <a:defRPr sz="1200" kern="1200">
+        <a:solidFill>
+          <a:schemeClr val="tx1"/>
+        </a:solidFill>
+        <a:latin typeface="+mn-lt"/>
+        <a:ea typeface="+mn-ea"/>
+        <a:cs typeface="+mn-cs"/>
+      </a:defRPr>
+    </a:lvl2pPr>
+    <a:lvl3pPr marL="914400" algn="l" defTabSz="914400" rtl="0" eaLnBrk="1" latinLnBrk="0" hangingPunct="1">
+      <a:defRPr sz="1200" kern="1200">
+        <a:solidFill>
+          <a:schemeClr val="tx1"/>
+        </a:solidFill>
+        <a:latin typeface="+mn-lt"/>
+        <a:ea typeface="+mn-ea"/>
+        <a:cs typeface="+mn-cs"/>
+      </a:defRPr>
+    </a:lvl3pPr>
+    <a:lvl4pPr marL="1371600" algn="l" defTabSz="914400" rtl="0" eaLnBrk="1" latinLnBrk="0" hangingPunct="1">
+      <a:defRPr sz="1200" kern="1200">
+        <a:solidFill>
+          <a:schemeClr val="tx1"/>
+        </a:solidFill>
+        <a:latin typeface="+mn-lt"/>
+        <a:ea typeface="+mn-ea"/>
+        <a:cs typeface="+mn-cs"/>
+      </a:defRPr>
+    </a:lvl4pPr>
+    <a:lvl5pPr marL="1828800" algn="l" defTabSz="914400" rtl="0" eaLnBrk="1" latinLnBrk="0" hangingPunct="1">
+      <a:defRPr sz="1200" kern="1200">
+        <a:solidFill>
+          <a:schemeClr val="tx1"/>
+        </a:solidFill>
+        <a:latin typeface="+mn-lt"/>
+        <a:ea typeface="+mn-ea"/>
+        <a:cs typeface="+mn-cs"/>
+      </a:defRPr>
+    </a:lvl5pPr>
+    <a:lvl6pPr marL="2286000" algn="l" defTabSz="914400" rtl="0" eaLnBrk="1" latinLnBrk="0" hangingPunct="1">
+      <a:defRPr sz="1200" kern="1200">
+        <a:solidFill>
+          <a:schemeClr val="tx1"/>
+        </a:solidFill>
+        <a:latin typeface="+mn-lt"/>
+        <a:ea typeface="+mn-ea"/>
+        <a:cs typeface="+mn-cs"/>
+      </a:defRPr>
+    </a:lvl6pPr>
+    <a:lvl7pPr marL="2743200" algn="l" defTabSz="914400" rtl="0" eaLnBrk="1" latinLnBrk="0" hangingPunct="1">
+      <a:defRPr sz="1200" kern="1200">
+        <a:solidFill>
+          <a:schemeClr val="tx1"/>
+        </a:solidFill>
+        <a:latin typeface="+mn-lt"/>
+        <a:ea typeface="+mn-ea"/>
+        <a:cs typeface="+mn-cs"/>
+      </a:defRPr>
+    </a:lvl7pPr>
+    <a:lvl8pPr marL="3200400" algn="l" defTabSz="914400" rtl="0" eaLnBrk="1" latinLnBrk="0" hangingPunct="1">
+      <a:defRPr sz="1200" kern="1200">
+        <a:solidFill>
+          <a:schemeClr val="tx1"/>
+        </a:solidFill>
+        <a:latin typeface="+mn-lt"/>
+        <a:ea typeface="+mn-ea"/>
+        <a:cs typeface="+mn-cs"/>
+      </a:defRPr>
+    </a:lvl8pPr>
+    <a:lvl9pPr marL="3657600" algn="l" defTabSz="914400" rtl="0" eaLnBrk="1" latinLnBrk="0" hangingPunct="1">
+      <a:defRPr sz="1200" kern="1200">
+        <a:solidFill>
+          <a:schemeClr val="tx1"/>
+        </a:solidFill>
+        <a:latin typeface="+mn-lt"/>
+        <a:ea typeface="+mn-ea"/>
+        <a:cs typeface="+mn-cs"/>
+      </a:defRPr>
+    </a:lvl9pPr>
+  </p:notesStyle>
+</p:notesMaster>
+</file>
+
+<file path=ppt/notesSlides/notesSlide1.xml><?xml version="1.0" encoding="utf-8"?>
+<p:notes xmlns:a="http://schemas.openxmlformats.org/drawingml/2006/main" xmlns:r="http://schemas.openxmlformats.org/officeDocument/2006/relationships" xmlns:p="http://schemas.openxmlformats.org/presentationml/2006/main">
+  <p:cSld>
+    <p:spTree>
+      <p:nvGrpSpPr>
+        <p:cNvPr id="1" name=""/>
+        <p:cNvGrpSpPr/>
+        <p:nvPr/>
+      </p:nvGrpSpPr>
+      <p:grpSpPr>
+        <a:xfrm>
+          <a:off x="0" y="0"/>
+          <a:ext cx="0" cy="0"/>
+          <a:chOff x="0" y="0"/>
+          <a:chExt cx="0" cy="0"/>
+        </a:xfrm>
+      </p:grpSpPr>
+      <p:sp>
+        <p:nvSpPr>
+          <p:cNvPr id="2" name="Slide Image Placeholder 1"/>
+          <p:cNvSpPr>
+            <a:spLocks noGrp="1" noRot="1" noChangeAspect="1"/>
+          </p:cNvSpPr>
+          <p:nvPr>
+            <p:ph type="sldImg"/>
+          </p:nvPr>
+        </p:nvSpPr>
+        <p:spPr/>
+      </p:sp>
+      <p:sp>
+        <p:nvSpPr>
+          <p:cNvPr id="3" name="Notes Placeholder 2"/>
+          <p:cNvSpPr>
+            <a:spLocks noGrp="1"/>
+          </p:cNvSpPr>
+          <p:nvPr>
+            <p:ph type="body" idx="1"/>
+          </p:nvPr>
+        </p:nvSpPr>
+        <p:spPr/>
+        <p:txBody>
+          <a:bodyPr/>
+          <a:lstStyle/>
+          <a:p>
+            <a:endParaRPr lang="en-US" dirty="0"/>
+          </a:p>
+        </p:txBody>
+      </p:sp>
+      <p:sp>
+        <p:nvSpPr>
+          <p:cNvPr id="4" name="Slide Number Placeholder 3"/>
+          <p:cNvSpPr>
+            <a:spLocks noGrp="1"/>
+          </p:cNvSpPr>
+          <p:nvPr>
+            <p:ph type="sldNum" sz="quarter" idx="5"/>
+          </p:nvPr>
+        </p:nvSpPr>
+        <p:spPr/>
+        <p:txBody>
+          <a:bodyPr/>
+          <a:lstStyle/>
+          <a:p>
+            <a:fld id="{1F45EF11-D57E-4967-A0FC-24707718A1EA}" type="slidenum">
+              <a:rPr lang="en-US" smtClean="0"/>
+              <a:t>11</a:t>
+            </a:fld>
+            <a:endParaRPr lang="en-US"/>
+          </a:p>
+        </p:txBody>
+      </p:sp>
+    </p:spTree>
+    <p:extLst>
+      <p:ext uri="{BB962C8B-B14F-4D97-AF65-F5344CB8AC3E}">
+        <p14:creationId xmlns:p14="http://schemas.microsoft.com/office/powerpoint/2010/main" val="2220470618"/>
+      </p:ext>
+    </p:extLst>
+  </p:cSld>
+  <p:clrMapOvr>
+    <a:masterClrMapping/>
+  </p:clrMapOvr>
+</p:notes>
+</file>
+
 <file path=ppt/slideLayouts/slideLayout1.xml><?xml version="1.0" encoding="utf-8"?>
 <p:sldLayout xmlns:a="http://schemas.openxmlformats.org/drawingml/2006/main" xmlns:r="http://schemas.openxmlformats.org/officeDocument/2006/relationships" xmlns:p="http://schemas.openxmlformats.org/presentationml/2006/main" type="title" preserve="1">
   <p:cSld name="Title Slide">
@@ -312,7 +748,7 @@
           <a:p>
             <a:fld id="{7D2F21E0-95B6-4C5C-A55D-C5056E4C25C4}" type="datetimeFigureOut">
               <a:rPr lang="en-US" smtClean="0"/>
-              <a:t>4/14/2021</a:t>
+              <a:t>4/15/2021</a:t>
             </a:fld>
             <a:endParaRPr lang="en-US"/>
           </a:p>
@@ -480,7 +916,7 @@
           <a:p>
             <a:fld id="{7D2F21E0-95B6-4C5C-A55D-C5056E4C25C4}" type="datetimeFigureOut">
               <a:rPr lang="en-US" smtClean="0"/>
-              <a:t>4/14/2021</a:t>
+              <a:t>4/15/2021</a:t>
             </a:fld>
             <a:endParaRPr lang="en-US"/>
           </a:p>
@@ -658,7 +1094,7 @@
           <a:p>
             <a:fld id="{7D2F21E0-95B6-4C5C-A55D-C5056E4C25C4}" type="datetimeFigureOut">
               <a:rPr lang="en-US" smtClean="0"/>
-              <a:t>4/14/2021</a:t>
+              <a:t>4/15/2021</a:t>
             </a:fld>
             <a:endParaRPr lang="en-US"/>
           </a:p>
@@ -826,7 +1262,7 @@
           <a:p>
             <a:fld id="{7D2F21E0-95B6-4C5C-A55D-C5056E4C25C4}" type="datetimeFigureOut">
               <a:rPr lang="en-US" smtClean="0"/>
-              <a:t>4/14/2021</a:t>
+              <a:t>4/15/2021</a:t>
             </a:fld>
             <a:endParaRPr lang="en-US"/>
           </a:p>
@@ -1071,7 +1507,7 @@
           <a:p>
             <a:fld id="{7D2F21E0-95B6-4C5C-A55D-C5056E4C25C4}" type="datetimeFigureOut">
               <a:rPr lang="en-US" smtClean="0"/>
-              <a:t>4/14/2021</a:t>
+              <a:t>4/15/2021</a:t>
             </a:fld>
             <a:endParaRPr lang="en-US"/>
           </a:p>
@@ -1356,7 +1792,7 @@
           <a:p>
             <a:fld id="{7D2F21E0-95B6-4C5C-A55D-C5056E4C25C4}" type="datetimeFigureOut">
               <a:rPr lang="en-US" smtClean="0"/>
-              <a:t>4/14/2021</a:t>
+              <a:t>4/15/2021</a:t>
             </a:fld>
             <a:endParaRPr lang="en-US"/>
           </a:p>
@@ -1775,7 +2211,7 @@
           <a:p>
             <a:fld id="{7D2F21E0-95B6-4C5C-A55D-C5056E4C25C4}" type="datetimeFigureOut">
               <a:rPr lang="en-US" smtClean="0"/>
-              <a:t>4/14/2021</a:t>
+              <a:t>4/15/2021</a:t>
             </a:fld>
             <a:endParaRPr lang="en-US"/>
           </a:p>
@@ -1892,7 +2328,7 @@
           <a:p>
             <a:fld id="{7D2F21E0-95B6-4C5C-A55D-C5056E4C25C4}" type="datetimeFigureOut">
               <a:rPr lang="en-US" smtClean="0"/>
-              <a:t>4/14/2021</a:t>
+              <a:t>4/15/2021</a:t>
             </a:fld>
             <a:endParaRPr lang="en-US"/>
           </a:p>
@@ -1987,7 +2423,7 @@
           <a:p>
             <a:fld id="{7D2F21E0-95B6-4C5C-A55D-C5056E4C25C4}" type="datetimeFigureOut">
               <a:rPr lang="en-US" smtClean="0"/>
-              <a:t>4/14/2021</a:t>
+              <a:t>4/15/2021</a:t>
             </a:fld>
             <a:endParaRPr lang="en-US"/>
           </a:p>
@@ -2262,7 +2698,7 @@
           <a:p>
             <a:fld id="{7D2F21E0-95B6-4C5C-A55D-C5056E4C25C4}" type="datetimeFigureOut">
               <a:rPr lang="en-US" smtClean="0"/>
-              <a:t>4/14/2021</a:t>
+              <a:t>4/15/2021</a:t>
             </a:fld>
             <a:endParaRPr lang="en-US"/>
           </a:p>
@@ -2514,7 +2950,7 @@
           <a:p>
             <a:fld id="{7D2F21E0-95B6-4C5C-A55D-C5056E4C25C4}" type="datetimeFigureOut">
               <a:rPr lang="en-US" smtClean="0"/>
-              <a:t>4/14/2021</a:t>
+              <a:t>4/15/2021</a:t>
             </a:fld>
             <a:endParaRPr lang="en-US"/>
           </a:p>
@@ -2725,7 +3161,7 @@
           <a:p>
             <a:fld id="{7D2F21E0-95B6-4C5C-A55D-C5056E4C25C4}" type="datetimeFigureOut">
               <a:rPr lang="en-US" smtClean="0"/>
-              <a:t>4/14/2021</a:t>
+              <a:t>4/15/2021</a:t>
             </a:fld>
             <a:endParaRPr lang="en-US"/>
           </a:p>
@@ -4238,45 +4674,6 @@
           </a:p>
         </p:txBody>
       </p:sp>
-      <p:sp>
-        <p:nvSpPr>
-          <p:cNvPr id="31" name="TextBox 30"/>
-          <p:cNvSpPr txBox="1"/>
-          <p:nvPr/>
-        </p:nvSpPr>
-        <p:spPr>
-          <a:xfrm>
-            <a:off x="6489563" y="4795715"/>
-            <a:ext cx="796047" cy="430887"/>
-          </a:xfrm>
-          <a:prstGeom prst="rect">
-            <a:avLst/>
-          </a:prstGeom>
-          <a:solidFill>
-            <a:schemeClr val="bg1"/>
-          </a:solidFill>
-        </p:spPr>
-        <p:txBody>
-          <a:bodyPr wrap="square" rtlCol="0">
-            <a:spAutoFit/>
-          </a:bodyPr>
-          <a:lstStyle/>
-          <a:p>
-            <a:pPr algn="ctr"/>
-            <a:r>
-              <a:rPr lang="en-US" sz="1100" b="1" dirty="0"/>
-              <a:t>location&gt;</a:t>
-            </a:r>
-          </a:p>
-          <a:p>
-            <a:pPr algn="ctr"/>
-            <a:r>
-              <a:rPr lang="en-US" sz="1100" b="1" dirty="0"/>
-              <a:t>location</a:t>
-            </a:r>
-          </a:p>
-        </p:txBody>
-      </p:sp>
       <p:cxnSp>
         <p:nvCxnSpPr>
           <p:cNvPr id="16" name="Straight Arrow Connector 15"/>
@@ -4434,6 +4831,45 @@
             <a:r>
               <a:rPr lang="en-US" sz="1100" b="1" dirty="0"/>
               <a:t>beneficiary</a:t>
+            </a:r>
+          </a:p>
+        </p:txBody>
+      </p:sp>
+      <p:sp>
+        <p:nvSpPr>
+          <p:cNvPr id="31" name="TextBox 30"/>
+          <p:cNvSpPr txBox="1"/>
+          <p:nvPr/>
+        </p:nvSpPr>
+        <p:spPr>
+          <a:xfrm>
+            <a:off x="6489563" y="4795715"/>
+            <a:ext cx="796047" cy="430887"/>
+          </a:xfrm>
+          <a:prstGeom prst="rect">
+            <a:avLst/>
+          </a:prstGeom>
+          <a:solidFill>
+            <a:schemeClr val="bg1"/>
+          </a:solidFill>
+        </p:spPr>
+        <p:txBody>
+          <a:bodyPr wrap="square" rtlCol="0">
+            <a:spAutoFit/>
+          </a:bodyPr>
+          <a:lstStyle/>
+          <a:p>
+            <a:pPr algn="ctr"/>
+            <a:r>
+              <a:rPr lang="en-US" sz="1100" b="1" dirty="0"/>
+              <a:t>location&gt;</a:t>
+            </a:r>
+          </a:p>
+          <a:p>
+            <a:pPr algn="ctr"/>
+            <a:r>
+              <a:rPr lang="en-US" sz="1100" b="1" dirty="0"/>
+              <a:t>location</a:t>
             </a:r>
           </a:p>
         </p:txBody>
@@ -9100,4 +9536,299 @@
   <a:objectDefaults/>
   <a:extraClrSchemeLst/>
 </a:theme>
+</file>
+
+<file path=ppt/theme/theme2.xml><?xml version="1.0" encoding="utf-8"?>
+<a:theme xmlns:a="http://schemas.openxmlformats.org/drawingml/2006/main" name="Office Theme">
+  <a:themeElements>
+    <a:clrScheme name="Office">
+      <a:dk1>
+        <a:sysClr val="windowText" lastClr="000000"/>
+      </a:dk1>
+      <a:lt1>
+        <a:sysClr val="window" lastClr="FFFFFF"/>
+      </a:lt1>
+      <a:dk2>
+        <a:srgbClr val="44546A"/>
+      </a:dk2>
+      <a:lt2>
+        <a:srgbClr val="E7E6E6"/>
+      </a:lt2>
+      <a:accent1>
+        <a:srgbClr val="4472C4"/>
+      </a:accent1>
+      <a:accent2>
+        <a:srgbClr val="ED7D31"/>
+      </a:accent2>
+      <a:accent3>
+        <a:srgbClr val="A5A5A5"/>
+      </a:accent3>
+      <a:accent4>
+        <a:srgbClr val="FFC000"/>
+      </a:accent4>
+      <a:accent5>
+        <a:srgbClr val="5B9BD5"/>
+      </a:accent5>
+      <a:accent6>
+        <a:srgbClr val="70AD47"/>
+      </a:accent6>
+      <a:hlink>
+        <a:srgbClr val="0563C1"/>
+      </a:hlink>
+      <a:folHlink>
+        <a:srgbClr val="954F72"/>
+      </a:folHlink>
+    </a:clrScheme>
+    <a:fontScheme name="Office">
+      <a:majorFont>
+        <a:latin typeface="Calibri Light" panose="020F0302020204030204"/>
+        <a:ea typeface=""/>
+        <a:cs typeface=""/>
+        <a:font script="Jpan" typeface="游ゴシック Light"/>
+        <a:font script="Hang" typeface="맑은 고딕"/>
+        <a:font script="Hans" typeface="等线 Light"/>
+        <a:font script="Hant" typeface="新細明體"/>
+        <a:font script="Arab" typeface="Times New Roman"/>
+        <a:font script="Hebr" typeface="Times New Roman"/>
+        <a:font script="Thai" typeface="Angsana New"/>
+        <a:font script="Ethi" typeface="Nyala"/>
+        <a:font script="Beng" typeface="Vrinda"/>
+        <a:font script="Gujr" typeface="Shruti"/>
+        <a:font script="Khmr" typeface="MoolBoran"/>
+        <a:font script="Knda" typeface="Tunga"/>
+        <a:font script="Guru" typeface="Raavi"/>
+        <a:font script="Cans" typeface="Euphemia"/>
+        <a:font script="Cher" typeface="Plantagenet Cherokee"/>
+        <a:font script="Yiii" typeface="Microsoft Yi Baiti"/>
+        <a:font script="Tibt" typeface="Microsoft Himalaya"/>
+        <a:font script="Thaa" typeface="MV Boli"/>
+        <a:font script="Deva" typeface="Mangal"/>
+        <a:font script="Telu" typeface="Gautami"/>
+        <a:font script="Taml" typeface="Latha"/>
+        <a:font script="Syrc" typeface="Estrangelo Edessa"/>
+        <a:font script="Orya" typeface="Kalinga"/>
+        <a:font script="Mlym" typeface="Kartika"/>
+        <a:font script="Laoo" typeface="DokChampa"/>
+        <a:font script="Sinh" typeface="Iskoola Pota"/>
+        <a:font script="Mong" typeface="Mongolian Baiti"/>
+        <a:font script="Viet" typeface="Times New Roman"/>
+        <a:font script="Uigh" typeface="Microsoft Uighur"/>
+        <a:font script="Geor" typeface="Sylfaen"/>
+        <a:font script="Armn" typeface="Arial"/>
+        <a:font script="Bugi" typeface="Leelawadee UI"/>
+        <a:font script="Bopo" typeface="Microsoft JhengHei"/>
+        <a:font script="Java" typeface="Javanese Text"/>
+        <a:font script="Lisu" typeface="Segoe UI"/>
+        <a:font script="Mymr" typeface="Myanmar Text"/>
+        <a:font script="Nkoo" typeface="Ebrima"/>
+        <a:font script="Olck" typeface="Nirmala UI"/>
+        <a:font script="Osma" typeface="Ebrima"/>
+        <a:font script="Phag" typeface="Phagspa"/>
+        <a:font script="Syrn" typeface="Estrangelo Edessa"/>
+        <a:font script="Syrj" typeface="Estrangelo Edessa"/>
+        <a:font script="Syre" typeface="Estrangelo Edessa"/>
+        <a:font script="Sora" typeface="Nirmala UI"/>
+        <a:font script="Tale" typeface="Microsoft Tai Le"/>
+        <a:font script="Talu" typeface="Microsoft New Tai Lue"/>
+        <a:font script="Tfng" typeface="Ebrima"/>
+      </a:majorFont>
+      <a:minorFont>
+        <a:latin typeface="Calibri" panose="020F0502020204030204"/>
+        <a:ea typeface=""/>
+        <a:cs typeface=""/>
+        <a:font script="Jpan" typeface="游ゴシック"/>
+        <a:font script="Hang" typeface="맑은 고딕"/>
+        <a:font script="Hans" typeface="等线"/>
+        <a:font script="Hant" typeface="新細明體"/>
+        <a:font script="Arab" typeface="Arial"/>
+        <a:font script="Hebr" typeface="Arial"/>
+        <a:font script="Thai" typeface="Cordia New"/>
+        <a:font script="Ethi" typeface="Nyala"/>
+        <a:font script="Beng" typeface="Vrinda"/>
+        <a:font script="Gujr" typeface="Shruti"/>
+        <a:font script="Khmr" typeface="DaunPenh"/>
+        <a:font script="Knda" typeface="Tunga"/>
+        <a:font script="Guru" typeface="Raavi"/>
+        <a:font script="Cans" typeface="Euphemia"/>
+        <a:font script="Cher" typeface="Plantagenet Cherokee"/>
+        <a:font script="Yiii" typeface="Microsoft Yi Baiti"/>
+        <a:font script="Tibt" typeface="Microsoft Himalaya"/>
+        <a:font script="Thaa" typeface="MV Boli"/>
+        <a:font script="Deva" typeface="Mangal"/>
+        <a:font script="Telu" typeface="Gautami"/>
+        <a:font script="Taml" typeface="Latha"/>
+        <a:font script="Syrc" typeface="Estrangelo Edessa"/>
+        <a:font script="Orya" typeface="Kalinga"/>
+        <a:font script="Mlym" typeface="Kartika"/>
+        <a:font script="Laoo" typeface="DokChampa"/>
+        <a:font script="Sinh" typeface="Iskoola Pota"/>
+        <a:font script="Mong" typeface="Mongolian Baiti"/>
+        <a:font script="Viet" typeface="Arial"/>
+        <a:font script="Uigh" typeface="Microsoft Uighur"/>
+        <a:font script="Geor" typeface="Sylfaen"/>
+        <a:font script="Armn" typeface="Arial"/>
+        <a:font script="Bugi" typeface="Leelawadee UI"/>
+        <a:font script="Bopo" typeface="Microsoft JhengHei"/>
+        <a:font script="Java" typeface="Javanese Text"/>
+        <a:font script="Lisu" typeface="Segoe UI"/>
+        <a:font script="Mymr" typeface="Myanmar Text"/>
+        <a:font script="Nkoo" typeface="Ebrima"/>
+        <a:font script="Olck" typeface="Nirmala UI"/>
+        <a:font script="Osma" typeface="Ebrima"/>
+        <a:font script="Phag" typeface="Phagspa"/>
+        <a:font script="Syrn" typeface="Estrangelo Edessa"/>
+        <a:font script="Syrj" typeface="Estrangelo Edessa"/>
+        <a:font script="Syre" typeface="Estrangelo Edessa"/>
+        <a:font script="Sora" typeface="Nirmala UI"/>
+        <a:font script="Tale" typeface="Microsoft Tai Le"/>
+        <a:font script="Talu" typeface="Microsoft New Tai Lue"/>
+        <a:font script="Tfng" typeface="Ebrima"/>
+      </a:minorFont>
+    </a:fontScheme>
+    <a:fmtScheme name="Office">
+      <a:fillStyleLst>
+        <a:solidFill>
+          <a:schemeClr val="phClr"/>
+        </a:solidFill>
+        <a:gradFill rotWithShape="1">
+          <a:gsLst>
+            <a:gs pos="0">
+              <a:schemeClr val="phClr">
+                <a:lumMod val="110000"/>
+                <a:satMod val="105000"/>
+                <a:tint val="67000"/>
+              </a:schemeClr>
+            </a:gs>
+            <a:gs pos="50000">
+              <a:schemeClr val="phClr">
+                <a:lumMod val="105000"/>
+                <a:satMod val="103000"/>
+                <a:tint val="73000"/>
+              </a:schemeClr>
+            </a:gs>
+            <a:gs pos="100000">
+              <a:schemeClr val="phClr">
+                <a:lumMod val="105000"/>
+                <a:satMod val="109000"/>
+                <a:tint val="81000"/>
+              </a:schemeClr>
+            </a:gs>
+          </a:gsLst>
+          <a:lin ang="5400000" scaled="0"/>
+        </a:gradFill>
+        <a:gradFill rotWithShape="1">
+          <a:gsLst>
+            <a:gs pos="0">
+              <a:schemeClr val="phClr">
+                <a:satMod val="103000"/>
+                <a:lumMod val="102000"/>
+                <a:tint val="94000"/>
+              </a:schemeClr>
+            </a:gs>
+            <a:gs pos="50000">
+              <a:schemeClr val="phClr">
+                <a:satMod val="110000"/>
+                <a:lumMod val="100000"/>
+                <a:shade val="100000"/>
+              </a:schemeClr>
+            </a:gs>
+            <a:gs pos="100000">
+              <a:schemeClr val="phClr">
+                <a:lumMod val="99000"/>
+                <a:satMod val="120000"/>
+                <a:shade val="78000"/>
+              </a:schemeClr>
+            </a:gs>
+          </a:gsLst>
+          <a:lin ang="5400000" scaled="0"/>
+        </a:gradFill>
+      </a:fillStyleLst>
+      <a:lnStyleLst>
+        <a:ln w="6350" cap="flat" cmpd="sng" algn="ctr">
+          <a:solidFill>
+            <a:schemeClr val="phClr"/>
+          </a:solidFill>
+          <a:prstDash val="solid"/>
+          <a:miter lim="800000"/>
+        </a:ln>
+        <a:ln w="12700" cap="flat" cmpd="sng" algn="ctr">
+          <a:solidFill>
+            <a:schemeClr val="phClr"/>
+          </a:solidFill>
+          <a:prstDash val="solid"/>
+          <a:miter lim="800000"/>
+        </a:ln>
+        <a:ln w="19050" cap="flat" cmpd="sng" algn="ctr">
+          <a:solidFill>
+            <a:schemeClr val="phClr"/>
+          </a:solidFill>
+          <a:prstDash val="solid"/>
+          <a:miter lim="800000"/>
+        </a:ln>
+      </a:lnStyleLst>
+      <a:effectStyleLst>
+        <a:effectStyle>
+          <a:effectLst/>
+        </a:effectStyle>
+        <a:effectStyle>
+          <a:effectLst/>
+        </a:effectStyle>
+        <a:effectStyle>
+          <a:effectLst>
+            <a:outerShdw blurRad="57150" dist="19050" dir="5400000" algn="ctr" rotWithShape="0">
+              <a:srgbClr val="000000">
+                <a:alpha val="63000"/>
+              </a:srgbClr>
+            </a:outerShdw>
+          </a:effectLst>
+        </a:effectStyle>
+      </a:effectStyleLst>
+      <a:bgFillStyleLst>
+        <a:solidFill>
+          <a:schemeClr val="phClr"/>
+        </a:solidFill>
+        <a:solidFill>
+          <a:schemeClr val="phClr">
+            <a:tint val="95000"/>
+            <a:satMod val="170000"/>
+          </a:schemeClr>
+        </a:solidFill>
+        <a:gradFill rotWithShape="1">
+          <a:gsLst>
+            <a:gs pos="0">
+              <a:schemeClr val="phClr">
+                <a:tint val="93000"/>
+                <a:satMod val="150000"/>
+                <a:shade val="98000"/>
+                <a:lumMod val="102000"/>
+              </a:schemeClr>
+            </a:gs>
+            <a:gs pos="50000">
+              <a:schemeClr val="phClr">
+                <a:tint val="98000"/>
+                <a:satMod val="130000"/>
+                <a:shade val="90000"/>
+                <a:lumMod val="103000"/>
+              </a:schemeClr>
+            </a:gs>
+            <a:gs pos="100000">
+              <a:schemeClr val="phClr">
+                <a:shade val="63000"/>
+                <a:satMod val="120000"/>
+              </a:schemeClr>
+            </a:gs>
+          </a:gsLst>
+          <a:lin ang="5400000" scaled="0"/>
+        </a:gradFill>
+      </a:bgFillStyleLst>
+    </a:fmtScheme>
+  </a:themeElements>
+  <a:objectDefaults/>
+  <a:extraClrSchemeLst/>
+  <a:extLst>
+    <a:ext uri="{05A4C25C-085E-4340-85A3-A5531E510DB2}">
+      <thm15:themeFamily xmlns:thm15="http://schemas.microsoft.com/office/thememl/2012/main" name="Office Theme" id="{62F939B6-93AF-4DB8-9C6B-D6C7DFDC589F}" vid="{4A3C46E8-61CC-4603-A589-7422A47A8E4A}"/>
+    </a:ext>
+  </a:extLst>
+</a:theme>
 </file>
--- a/input/images/source/DEQM Resource Diagram - COL.pptx
+++ b/input/images/source/DEQM Resource Diagram - COL.pptx
@@ -5,7 +5,7 @@
     <p:sldMasterId id="2147483648" r:id="rId1"/>
   </p:sldMasterIdLst>
   <p:notesMasterIdLst>
-    <p:notesMasterId r:id="rId13"/>
+    <p:notesMasterId r:id="rId17"/>
   </p:notesMasterIdLst>
   <p:sldIdLst>
     <p:sldId id="256" r:id="rId2"/>
@@ -13,12 +13,16 @@
     <p:sldId id="262" r:id="rId4"/>
     <p:sldId id="257" r:id="rId5"/>
     <p:sldId id="263" r:id="rId6"/>
-    <p:sldId id="264" r:id="rId7"/>
-    <p:sldId id="265" r:id="rId8"/>
-    <p:sldId id="267" r:id="rId9"/>
-    <p:sldId id="266" r:id="rId10"/>
-    <p:sldId id="268" r:id="rId11"/>
-    <p:sldId id="260" r:id="rId12"/>
+    <p:sldId id="269" r:id="rId7"/>
+    <p:sldId id="264" r:id="rId8"/>
+    <p:sldId id="265" r:id="rId9"/>
+    <p:sldId id="270" r:id="rId10"/>
+    <p:sldId id="267" r:id="rId11"/>
+    <p:sldId id="266" r:id="rId12"/>
+    <p:sldId id="271" r:id="rId13"/>
+    <p:sldId id="268" r:id="rId14"/>
+    <p:sldId id="260" r:id="rId15"/>
+    <p:sldId id="272" r:id="rId16"/>
   </p:sldIdLst>
   <p:sldSz cx="9144000" cy="6858000" type="screen4x3"/>
   <p:notesSz cx="6858000" cy="9144000"/>
@@ -550,7 +554,7 @@
           <a:p>
             <a:fld id="{1F45EF11-D57E-4967-A0FC-24707718A1EA}" type="slidenum">
               <a:rPr lang="en-US" smtClean="0"/>
-              <a:t>11</a:t>
+              <a:t>14</a:t>
             </a:fld>
             <a:endParaRPr lang="en-US"/>
           </a:p>
@@ -560,6 +564,90 @@
     <p:extLst>
       <p:ext uri="{BB962C8B-B14F-4D97-AF65-F5344CB8AC3E}">
         <p14:creationId xmlns:p14="http://schemas.microsoft.com/office/powerpoint/2010/main" val="2220470618"/>
+      </p:ext>
+    </p:extLst>
+  </p:cSld>
+  <p:clrMapOvr>
+    <a:masterClrMapping/>
+  </p:clrMapOvr>
+</p:notes>
+</file>
+
+<file path=ppt/notesSlides/notesSlide2.xml><?xml version="1.0" encoding="utf-8"?>
+<p:notes xmlns:a="http://schemas.openxmlformats.org/drawingml/2006/main" xmlns:r="http://schemas.openxmlformats.org/officeDocument/2006/relationships" xmlns:p="http://schemas.openxmlformats.org/presentationml/2006/main">
+  <p:cSld>
+    <p:spTree>
+      <p:nvGrpSpPr>
+        <p:cNvPr id="1" name=""/>
+        <p:cNvGrpSpPr/>
+        <p:nvPr/>
+      </p:nvGrpSpPr>
+      <p:grpSpPr>
+        <a:xfrm>
+          <a:off x="0" y="0"/>
+          <a:ext cx="0" cy="0"/>
+          <a:chOff x="0" y="0"/>
+          <a:chExt cx="0" cy="0"/>
+        </a:xfrm>
+      </p:grpSpPr>
+      <p:sp>
+        <p:nvSpPr>
+          <p:cNvPr id="2" name="Slide Image Placeholder 1"/>
+          <p:cNvSpPr>
+            <a:spLocks noGrp="1" noRot="1" noChangeAspect="1"/>
+          </p:cNvSpPr>
+          <p:nvPr>
+            <p:ph type="sldImg"/>
+          </p:nvPr>
+        </p:nvSpPr>
+        <p:spPr/>
+      </p:sp>
+      <p:sp>
+        <p:nvSpPr>
+          <p:cNvPr id="3" name="Notes Placeholder 2"/>
+          <p:cNvSpPr>
+            <a:spLocks noGrp="1"/>
+          </p:cNvSpPr>
+          <p:nvPr>
+            <p:ph type="body" idx="1"/>
+          </p:nvPr>
+        </p:nvSpPr>
+        <p:spPr/>
+        <p:txBody>
+          <a:bodyPr/>
+          <a:lstStyle/>
+          <a:p>
+            <a:endParaRPr lang="en-US" dirty="0"/>
+          </a:p>
+        </p:txBody>
+      </p:sp>
+      <p:sp>
+        <p:nvSpPr>
+          <p:cNvPr id="4" name="Slide Number Placeholder 3"/>
+          <p:cNvSpPr>
+            <a:spLocks noGrp="1"/>
+          </p:cNvSpPr>
+          <p:nvPr>
+            <p:ph type="sldNum" sz="quarter" idx="5"/>
+          </p:nvPr>
+        </p:nvSpPr>
+        <p:spPr/>
+        <p:txBody>
+          <a:bodyPr/>
+          <a:lstStyle/>
+          <a:p>
+            <a:fld id="{1F45EF11-D57E-4967-A0FC-24707718A1EA}" type="slidenum">
+              <a:rPr lang="en-US" smtClean="0"/>
+              <a:t>15</a:t>
+            </a:fld>
+            <a:endParaRPr lang="en-US"/>
+          </a:p>
+        </p:txBody>
+      </p:sp>
+    </p:spTree>
+    <p:extLst>
+      <p:ext uri="{BB962C8B-B14F-4D97-AF65-F5344CB8AC3E}">
+        <p14:creationId xmlns:p14="http://schemas.microsoft.com/office/powerpoint/2010/main" val="4219761225"/>
       </p:ext>
     </p:extLst>
   </p:cSld>
@@ -3627,7 +3715,14 @@
             <a:pPr algn="l"/>
             <a:r>
               <a:rPr lang="en-US" dirty="0"/>
-              <a:t>Option 4 – MeasureReport using Condition</a:t>
+              <a:t>Option 3</a:t>
+            </a:r>
+            <a:br>
+              <a:rPr lang="en-US" dirty="0"/>
+            </a:br>
+            <a:r>
+              <a:rPr lang="en-US" dirty="0"/>
+              <a:t>MeasureReport using Procedure</a:t>
             </a:r>
           </a:p>
         </p:txBody>
@@ -3645,7 +3740,7 @@
         <p:spPr/>
         <p:txBody>
           <a:bodyPr>
-            <a:normAutofit fontScale="92500" lnSpcReduction="10000"/>
+            <a:normAutofit fontScale="92500" lnSpcReduction="20000"/>
           </a:bodyPr>
           <a:lstStyle/>
           <a:p>
@@ -3654,22 +3749,25 @@
             </a:pPr>
             <a:r>
               <a:rPr lang="en-US" dirty="0"/>
-              <a:t>An additional way you can represent exclusions in the Colorectal Cancer Screening measure is with certain conditions.  The </a:t>
-            </a:r>
-            <a:r>
-              <a:rPr lang="en-US" dirty="0" err="1"/>
-              <a:t>valuesets</a:t>
-            </a:r>
-            <a:r>
-              <a:rPr lang="en-US" dirty="0"/>
-              <a:t>/codes that allow for the patient not to be screened for colorectal cancer are specified in the measure.</a:t>
+              <a:t>There are often times exclusions in a screening measure.  An exclusion is something that removes the requirement for a screening measure.</a:t>
             </a:r>
           </a:p>
           <a:p>
             <a:pPr marL="0" indent="0">
               <a:buNone/>
             </a:pPr>
-            <a:endParaRPr lang="en-US" dirty="0"/>
+            <a:r>
+              <a:rPr lang="en-US" dirty="0"/>
+              <a:t>In Option 3, we show an example of where a certain procedure removes the requirement for Colorectal Cancer Screening.  As with the other options, the measure defines the </a:t>
+            </a:r>
+            <a:r>
+              <a:rPr lang="en-US" dirty="0" err="1"/>
+              <a:t>valueset</a:t>
+            </a:r>
+            <a:r>
+              <a:rPr lang="en-US" dirty="0"/>
+              <a:t>/codes that constitute a qualifying procedure</a:t>
+            </a:r>
           </a:p>
           <a:p>
             <a:pPr marL="0" indent="0">
@@ -3677,7 +3775,7 @@
             </a:pPr>
             <a:r>
               <a:rPr lang="en-US" dirty="0"/>
-              <a:t>The following MeasureReport diagram shows the related resources that can be used to represent when you need to send a Condition that represents an exclusion to the measure</a:t>
+              <a:t>The following diagram shows how you would use a DEQM Individual MeasureReport and associated resources to report a procedure</a:t>
             </a:r>
           </a:p>
         </p:txBody>
@@ -3685,7 +3783,7 @@
     </p:spTree>
     <p:extLst>
       <p:ext uri="{BB962C8B-B14F-4D97-AF65-F5344CB8AC3E}">
-        <p14:creationId xmlns:p14="http://schemas.microsoft.com/office/powerpoint/2010/main" val="783191033"/>
+        <p14:creationId xmlns:p14="http://schemas.microsoft.com/office/powerpoint/2010/main" val="2981240969"/>
       </p:ext>
     </p:extLst>
   </p:cSld>
@@ -3732,7 +3830,7 @@
             <a:pPr algn="l"/>
             <a:r>
               <a:rPr lang="en-US" dirty="0"/>
-              <a:t>MeasureReport using Condition</a:t>
+              <a:t>MeasureReport using Procedure</a:t>
             </a:r>
           </a:p>
         </p:txBody>
@@ -3874,7 +3972,7 @@
         </p:nvSpPr>
         <p:spPr>
           <a:xfrm>
-            <a:off x="762000" y="4572000"/>
+            <a:off x="726332" y="4516338"/>
             <a:ext cx="1524000" cy="609600"/>
           </a:xfrm>
           <a:prstGeom prst="flowChartAlternateProcess">
@@ -3913,7 +4011,7 @@
                   <a:schemeClr val="bg1"/>
                 </a:solidFill>
               </a:rPr>
-              <a:t>Condition</a:t>
+              <a:t>Procedure</a:t>
             </a:r>
           </a:p>
         </p:txBody>
@@ -4215,7 +4313,7 @@
         </p:nvSpPr>
         <p:spPr>
           <a:xfrm>
-            <a:off x="3015202" y="2642962"/>
+            <a:off x="3124200" y="2559185"/>
             <a:ext cx="1676400" cy="261610"/>
           </a:xfrm>
           <a:prstGeom prst="rect">
@@ -4234,7 +4332,7 @@
             <a:pPr algn="ctr"/>
             <a:r>
               <a:rPr lang="en-US" sz="1100" b="1" dirty="0"/>
-              <a:t>reporter</a:t>
+              <a:t>supportingOrganization</a:t>
             </a:r>
           </a:p>
         </p:txBody>
@@ -4298,7 +4396,7 @@
             <a:pPr algn="ctr"/>
             <a:r>
               <a:rPr lang="en-US" sz="1100" b="1" dirty="0"/>
-              <a:t>subject</a:t>
+              <a:t>patient</a:t>
             </a:r>
           </a:p>
         </p:txBody>
@@ -4314,8 +4412,8 @@
         </p:nvCxnSpPr>
         <p:spPr>
           <a:xfrm flipV="1">
-            <a:off x="2286000" y="4164434"/>
-            <a:ext cx="2446506" cy="712366"/>
+            <a:off x="2250332" y="4164434"/>
+            <a:ext cx="2482174" cy="656704"/>
           </a:xfrm>
           <a:prstGeom prst="straightConnector1">
             <a:avLst/>
@@ -4382,7 +4480,7 @@
         </p:nvSpPr>
         <p:spPr>
           <a:xfrm>
-            <a:off x="4732506" y="5671810"/>
+            <a:off x="4732506" y="5604301"/>
             <a:ext cx="1524000" cy="609600"/>
           </a:xfrm>
           <a:prstGeom prst="flowChartAlternateProcess">
@@ -4489,8 +4587,8 @@
         </p:nvCxnSpPr>
         <p:spPr>
           <a:xfrm>
-            <a:off x="2286000" y="4876800"/>
-            <a:ext cx="2467583" cy="153978"/>
+            <a:off x="2250332" y="4821138"/>
+            <a:ext cx="2503251" cy="209640"/>
           </a:xfrm>
           <a:prstGeom prst="straightConnector1">
             <a:avLst/>
@@ -4529,8 +4627,8 @@
         </p:nvCxnSpPr>
         <p:spPr>
           <a:xfrm>
-            <a:off x="2286000" y="4876800"/>
-            <a:ext cx="2446506" cy="1099810"/>
+            <a:off x="2250332" y="4821138"/>
+            <a:ext cx="2482174" cy="1087963"/>
           </a:xfrm>
           <a:prstGeom prst="straightConnector1">
             <a:avLst/>
@@ -4566,8 +4664,8 @@
         </p:nvSpPr>
         <p:spPr>
           <a:xfrm>
-            <a:off x="3086100" y="5343231"/>
-            <a:ext cx="1143000" cy="261610"/>
+            <a:off x="3046379" y="5290879"/>
+            <a:ext cx="1314449" cy="261610"/>
           </a:xfrm>
           <a:prstGeom prst="rect">
             <a:avLst/>
@@ -4585,7 +4683,7 @@
             <a:pPr algn="ctr"/>
             <a:r>
               <a:rPr lang="en-US" sz="1100" b="1" dirty="0"/>
-              <a:t>asserter</a:t>
+              <a:t>performer</a:t>
             </a:r>
           </a:p>
         </p:txBody>
@@ -4630,7 +4728,7 @@
         </p:nvSpPr>
         <p:spPr>
           <a:xfrm>
-            <a:off x="7543800" y="4725978"/>
+            <a:off x="1967419" y="5684036"/>
             <a:ext cx="1524000" cy="609600"/>
           </a:xfrm>
           <a:prstGeom prst="flowChartAlternateProcess">
@@ -4677,13 +4775,16 @@
       <p:cxnSp>
         <p:nvCxnSpPr>
           <p:cNvPr id="16" name="Straight Arrow Connector 15"/>
-          <p:cNvCxnSpPr/>
+          <p:cNvCxnSpPr>
+            <a:stCxn id="10" idx="2"/>
+            <a:endCxn id="29" idx="0"/>
+          </p:cNvCxnSpPr>
           <p:nvPr/>
         </p:nvCxnSpPr>
         <p:spPr>
           <a:xfrm>
-            <a:off x="6231375" y="5013982"/>
-            <a:ext cx="1312425" cy="0"/>
+            <a:off x="1488332" y="5125938"/>
+            <a:ext cx="1241087" cy="558098"/>
           </a:xfrm>
           <a:prstGeom prst="straightConnector1">
             <a:avLst/>
@@ -4719,7 +4820,7 @@
         </p:nvSpPr>
         <p:spPr>
           <a:xfrm>
-            <a:off x="7543800" y="3334673"/>
+            <a:off x="7010400" y="2937690"/>
             <a:ext cx="1524000" cy="609600"/>
           </a:xfrm>
           <a:prstGeom prst="flowChartAlternateProcess">
@@ -4774,6 +4875,2527 @@
         </p:nvCxnSpPr>
         <p:spPr>
           <a:xfrm flipH="1">
+            <a:off x="6256506" y="3242490"/>
+            <a:ext cx="753894" cy="921944"/>
+          </a:xfrm>
+          <a:prstGeom prst="straightConnector1">
+            <a:avLst/>
+          </a:prstGeom>
+          <a:ln w="28575">
+            <a:solidFill>
+              <a:schemeClr val="tx1"/>
+            </a:solidFill>
+            <a:prstDash val="dash"/>
+            <a:tailEnd type="arrow"/>
+          </a:ln>
+        </p:spPr>
+        <p:style>
+          <a:lnRef idx="1">
+            <a:schemeClr val="accent1"/>
+          </a:lnRef>
+          <a:fillRef idx="0">
+            <a:schemeClr val="accent1"/>
+          </a:fillRef>
+          <a:effectRef idx="0">
+            <a:schemeClr val="accent1"/>
+          </a:effectRef>
+          <a:fontRef idx="minor">
+            <a:schemeClr val="tx1"/>
+          </a:fontRef>
+        </p:style>
+      </p:cxnSp>
+      <p:sp>
+        <p:nvSpPr>
+          <p:cNvPr id="51" name="TextBox 50"/>
+          <p:cNvSpPr txBox="1"/>
+          <p:nvPr/>
+        </p:nvSpPr>
+        <p:spPr>
+          <a:xfrm>
+            <a:off x="6248400" y="3506743"/>
+            <a:ext cx="901837" cy="261610"/>
+          </a:xfrm>
+          <a:prstGeom prst="rect">
+            <a:avLst/>
+          </a:prstGeom>
+          <a:solidFill>
+            <a:schemeClr val="bg1"/>
+          </a:solidFill>
+        </p:spPr>
+        <p:txBody>
+          <a:bodyPr wrap="square" rtlCol="0">
+            <a:spAutoFit/>
+          </a:bodyPr>
+          <a:lstStyle/>
+          <a:p>
+            <a:pPr algn="ctr"/>
+            <a:r>
+              <a:rPr lang="en-US" sz="1100" b="1" dirty="0"/>
+              <a:t>beneficiary</a:t>
+            </a:r>
+          </a:p>
+        </p:txBody>
+      </p:sp>
+      <p:sp>
+        <p:nvSpPr>
+          <p:cNvPr id="36" name="TextBox 35"/>
+          <p:cNvSpPr txBox="1"/>
+          <p:nvPr/>
+        </p:nvSpPr>
+        <p:spPr>
+          <a:xfrm>
+            <a:off x="1735576" y="5274182"/>
+            <a:ext cx="796047" cy="261610"/>
+          </a:xfrm>
+          <a:prstGeom prst="rect">
+            <a:avLst/>
+          </a:prstGeom>
+          <a:solidFill>
+            <a:schemeClr val="bg1"/>
+          </a:solidFill>
+        </p:spPr>
+        <p:txBody>
+          <a:bodyPr wrap="square" rtlCol="0">
+            <a:spAutoFit/>
+          </a:bodyPr>
+          <a:lstStyle/>
+          <a:p>
+            <a:pPr algn="ctr"/>
+            <a:r>
+              <a:rPr lang="en-US" sz="1100" b="1" dirty="0"/>
+              <a:t>location</a:t>
+            </a:r>
+          </a:p>
+        </p:txBody>
+      </p:sp>
+    </p:spTree>
+    <p:extLst>
+      <p:ext uri="{BB962C8B-B14F-4D97-AF65-F5344CB8AC3E}">
+        <p14:creationId xmlns:p14="http://schemas.microsoft.com/office/powerpoint/2010/main" val="3224418504"/>
+      </p:ext>
+    </p:extLst>
+  </p:cSld>
+  <p:clrMapOvr>
+    <a:masterClrMapping/>
+  </p:clrMapOvr>
+</p:sld>
+</file>
+
+<file path=ppt/slides/slide12.xml><?xml version="1.0" encoding="utf-8"?>
+<p:sld xmlns:a="http://schemas.openxmlformats.org/drawingml/2006/main" xmlns:r="http://schemas.openxmlformats.org/officeDocument/2006/relationships" xmlns:p="http://schemas.openxmlformats.org/presentationml/2006/main">
+  <p:cSld>
+    <p:spTree>
+      <p:nvGrpSpPr>
+        <p:cNvPr id="1" name=""/>
+        <p:cNvGrpSpPr/>
+        <p:nvPr/>
+      </p:nvGrpSpPr>
+      <p:grpSpPr>
+        <a:xfrm>
+          <a:off x="0" y="0"/>
+          <a:ext cx="0" cy="0"/>
+          <a:chOff x="0" y="0"/>
+          <a:chExt cx="0" cy="0"/>
+        </a:xfrm>
+      </p:grpSpPr>
+      <p:sp>
+        <p:nvSpPr>
+          <p:cNvPr id="2" name="Title 1"/>
+          <p:cNvSpPr>
+            <a:spLocks noGrp="1"/>
+          </p:cNvSpPr>
+          <p:nvPr>
+            <p:ph type="title"/>
+          </p:nvPr>
+        </p:nvSpPr>
+        <p:spPr/>
+        <p:txBody>
+          <a:bodyPr>
+            <a:noAutofit/>
+          </a:bodyPr>
+          <a:lstStyle/>
+          <a:p>
+            <a:pPr algn="l"/>
+            <a:r>
+              <a:rPr lang="en-US" sz="1200" dirty="0"/>
+              <a:t>MeasureReport using Procedure</a:t>
+            </a:r>
+            <a:br>
+              <a:rPr lang="en-US" sz="1200" dirty="0"/>
+            </a:br>
+            <a:r>
+              <a:rPr lang="en-US" sz="1200" dirty="0"/>
+              <a:t>Figure 3-7: copied slide 11 and made a few updates: repositioned the boxes/lines/texts. Changed </a:t>
+            </a:r>
+            <a:r>
+              <a:rPr lang="en-US" sz="1200" dirty="0" err="1"/>
+              <a:t>evaluatedResources</a:t>
+            </a:r>
+            <a:r>
+              <a:rPr lang="en-US" sz="1200" dirty="0"/>
+              <a:t> to evaluatedResource, changed </a:t>
+            </a:r>
+            <a:r>
+              <a:rPr lang="en-US" sz="1200" dirty="0" err="1"/>
+              <a:t>supportingOrganization</a:t>
+            </a:r>
+            <a:r>
+              <a:rPr lang="en-US" sz="1200" dirty="0"/>
+              <a:t> to reporter, patient to subject </a:t>
+            </a:r>
+            <a:br>
+              <a:rPr lang="en-US" sz="1200" dirty="0"/>
+            </a:br>
+            <a:r>
+              <a:rPr lang="pt-BR" sz="1200" dirty="0"/>
+              <a:t>DEQM Resource Diagram – COL3.jpg </a:t>
+            </a:r>
+            <a:br>
+              <a:rPr lang="pt-BR" sz="1200" dirty="0"/>
+            </a:br>
+            <a:r>
+              <a:rPr lang="pt-BR" sz="1200" dirty="0"/>
+              <a:t>now col-option3-using-procedure.png</a:t>
+            </a:r>
+            <a:endParaRPr lang="en-US" sz="1200" dirty="0"/>
+          </a:p>
+        </p:txBody>
+      </p:sp>
+      <p:sp>
+        <p:nvSpPr>
+          <p:cNvPr id="3" name="Content Placeholder 2"/>
+          <p:cNvSpPr>
+            <a:spLocks noGrp="1"/>
+          </p:cNvSpPr>
+          <p:nvPr>
+            <p:ph idx="1"/>
+          </p:nvPr>
+        </p:nvSpPr>
+        <p:spPr/>
+        <p:txBody>
+          <a:bodyPr/>
+          <a:lstStyle/>
+          <a:p>
+            <a:pPr marL="0" indent="0">
+              <a:buNone/>
+            </a:pPr>
+            <a:r>
+              <a:rPr lang="en-US" dirty="0"/>
+              <a:t>  </a:t>
+            </a:r>
+          </a:p>
+        </p:txBody>
+      </p:sp>
+      <p:sp>
+        <p:nvSpPr>
+          <p:cNvPr id="4" name="Flowchart: Alternate Process 3"/>
+          <p:cNvSpPr/>
+          <p:nvPr/>
+        </p:nvSpPr>
+        <p:spPr>
+          <a:xfrm>
+            <a:off x="768931" y="1738903"/>
+            <a:ext cx="1524000" cy="609600"/>
+          </a:xfrm>
+          <a:prstGeom prst="flowChartAlternateProcess">
+            <a:avLst/>
+          </a:prstGeom>
+          <a:ln w="12700">
+            <a:solidFill>
+              <a:schemeClr val="tx2"/>
+            </a:solidFill>
+          </a:ln>
+        </p:spPr>
+        <p:style>
+          <a:lnRef idx="2">
+            <a:schemeClr val="accent1">
+              <a:shade val="50000"/>
+            </a:schemeClr>
+          </a:lnRef>
+          <a:fillRef idx="1">
+            <a:schemeClr val="accent1"/>
+          </a:fillRef>
+          <a:effectRef idx="0">
+            <a:schemeClr val="accent1"/>
+          </a:effectRef>
+          <a:fontRef idx="minor">
+            <a:schemeClr val="lt1"/>
+          </a:fontRef>
+        </p:style>
+        <p:txBody>
+          <a:bodyPr rtlCol="0" anchor="ctr"/>
+          <a:lstStyle/>
+          <a:p>
+            <a:pPr algn="ctr"/>
+            <a:r>
+              <a:rPr lang="en-US" sz="1400" dirty="0">
+                <a:solidFill>
+                  <a:schemeClr val="bg1"/>
+                </a:solidFill>
+              </a:rPr>
+              <a:t>Measure</a:t>
+            </a:r>
+          </a:p>
+        </p:txBody>
+      </p:sp>
+      <p:sp>
+        <p:nvSpPr>
+          <p:cNvPr id="6" name="Flowchart: Alternate Process 5"/>
+          <p:cNvSpPr/>
+          <p:nvPr/>
+        </p:nvSpPr>
+        <p:spPr>
+          <a:xfrm>
+            <a:off x="762000" y="3060970"/>
+            <a:ext cx="1524000" cy="609600"/>
+          </a:xfrm>
+          <a:prstGeom prst="flowChartAlternateProcess">
+            <a:avLst/>
+          </a:prstGeom>
+          <a:ln w="12700">
+            <a:solidFill>
+              <a:schemeClr val="tx2"/>
+            </a:solidFill>
+          </a:ln>
+        </p:spPr>
+        <p:style>
+          <a:lnRef idx="2">
+            <a:schemeClr val="accent1">
+              <a:shade val="50000"/>
+            </a:schemeClr>
+          </a:lnRef>
+          <a:fillRef idx="1">
+            <a:schemeClr val="accent1"/>
+          </a:fillRef>
+          <a:effectRef idx="0">
+            <a:schemeClr val="accent1"/>
+          </a:effectRef>
+          <a:fontRef idx="minor">
+            <a:schemeClr val="lt1"/>
+          </a:fontRef>
+        </p:style>
+        <p:txBody>
+          <a:bodyPr rtlCol="0" anchor="ctr"/>
+          <a:lstStyle/>
+          <a:p>
+            <a:pPr algn="ctr"/>
+            <a:r>
+              <a:rPr lang="en-US" sz="1400" dirty="0">
+                <a:solidFill>
+                  <a:schemeClr val="bg1"/>
+                </a:solidFill>
+              </a:rPr>
+              <a:t>MeasureReport</a:t>
+            </a:r>
+          </a:p>
+        </p:txBody>
+      </p:sp>
+      <p:sp>
+        <p:nvSpPr>
+          <p:cNvPr id="10" name="Flowchart: Alternate Process 9"/>
+          <p:cNvSpPr/>
+          <p:nvPr/>
+        </p:nvSpPr>
+        <p:spPr>
+          <a:xfrm>
+            <a:off x="775862" y="4479586"/>
+            <a:ext cx="1524000" cy="609600"/>
+          </a:xfrm>
+          <a:prstGeom prst="flowChartAlternateProcess">
+            <a:avLst/>
+          </a:prstGeom>
+          <a:ln w="12700">
+            <a:solidFill>
+              <a:schemeClr val="tx2"/>
+            </a:solidFill>
+          </a:ln>
+        </p:spPr>
+        <p:style>
+          <a:lnRef idx="2">
+            <a:schemeClr val="accent1">
+              <a:shade val="50000"/>
+            </a:schemeClr>
+          </a:lnRef>
+          <a:fillRef idx="1">
+            <a:schemeClr val="accent1"/>
+          </a:fillRef>
+          <a:effectRef idx="0">
+            <a:schemeClr val="accent1"/>
+          </a:effectRef>
+          <a:fontRef idx="minor">
+            <a:schemeClr val="lt1"/>
+          </a:fontRef>
+        </p:style>
+        <p:txBody>
+          <a:bodyPr rtlCol="0" anchor="ctr"/>
+          <a:lstStyle/>
+          <a:p>
+            <a:pPr algn="ctr"/>
+            <a:r>
+              <a:rPr lang="en-US" sz="1400" dirty="0">
+                <a:solidFill>
+                  <a:schemeClr val="bg1"/>
+                </a:solidFill>
+              </a:rPr>
+              <a:t>Procedure</a:t>
+            </a:r>
+          </a:p>
+        </p:txBody>
+      </p:sp>
+      <p:sp>
+        <p:nvSpPr>
+          <p:cNvPr id="14" name="Flowchart: Alternate Process 13"/>
+          <p:cNvSpPr/>
+          <p:nvPr/>
+        </p:nvSpPr>
+        <p:spPr>
+          <a:xfrm>
+            <a:off x="4250582" y="1731668"/>
+            <a:ext cx="1524000" cy="609600"/>
+          </a:xfrm>
+          <a:prstGeom prst="flowChartAlternateProcess">
+            <a:avLst/>
+          </a:prstGeom>
+          <a:ln w="12700">
+            <a:solidFill>
+              <a:schemeClr val="tx2"/>
+            </a:solidFill>
+          </a:ln>
+        </p:spPr>
+        <p:style>
+          <a:lnRef idx="2">
+            <a:schemeClr val="accent1">
+              <a:shade val="50000"/>
+            </a:schemeClr>
+          </a:lnRef>
+          <a:fillRef idx="1">
+            <a:schemeClr val="accent1"/>
+          </a:fillRef>
+          <a:effectRef idx="0">
+            <a:schemeClr val="accent1"/>
+          </a:effectRef>
+          <a:fontRef idx="minor">
+            <a:schemeClr val="lt1"/>
+          </a:fontRef>
+        </p:style>
+        <p:txBody>
+          <a:bodyPr rtlCol="0" anchor="ctr"/>
+          <a:lstStyle/>
+          <a:p>
+            <a:pPr algn="ctr"/>
+            <a:r>
+              <a:rPr lang="en-US" sz="1400" dirty="0">
+                <a:solidFill>
+                  <a:schemeClr val="bg1"/>
+                </a:solidFill>
+              </a:rPr>
+              <a:t>Organization</a:t>
+            </a:r>
+          </a:p>
+        </p:txBody>
+      </p:sp>
+      <p:sp>
+        <p:nvSpPr>
+          <p:cNvPr id="15" name="Flowchart: Alternate Process 14"/>
+          <p:cNvSpPr/>
+          <p:nvPr/>
+        </p:nvSpPr>
+        <p:spPr>
+          <a:xfrm>
+            <a:off x="4259580" y="3058516"/>
+            <a:ext cx="1524000" cy="609600"/>
+          </a:xfrm>
+          <a:prstGeom prst="flowChartAlternateProcess">
+            <a:avLst/>
+          </a:prstGeom>
+          <a:ln w="12700">
+            <a:solidFill>
+              <a:schemeClr val="tx2"/>
+            </a:solidFill>
+          </a:ln>
+        </p:spPr>
+        <p:style>
+          <a:lnRef idx="2">
+            <a:schemeClr val="accent1">
+              <a:shade val="50000"/>
+            </a:schemeClr>
+          </a:lnRef>
+          <a:fillRef idx="1">
+            <a:schemeClr val="accent1"/>
+          </a:fillRef>
+          <a:effectRef idx="0">
+            <a:schemeClr val="accent1"/>
+          </a:effectRef>
+          <a:fontRef idx="minor">
+            <a:schemeClr val="lt1"/>
+          </a:fontRef>
+        </p:style>
+        <p:txBody>
+          <a:bodyPr rtlCol="0" anchor="ctr"/>
+          <a:lstStyle/>
+          <a:p>
+            <a:pPr algn="ctr"/>
+            <a:r>
+              <a:rPr lang="en-US" sz="1400" dirty="0">
+                <a:solidFill>
+                  <a:schemeClr val="bg1"/>
+                </a:solidFill>
+              </a:rPr>
+              <a:t>Patient</a:t>
+            </a:r>
+          </a:p>
+        </p:txBody>
+      </p:sp>
+      <p:cxnSp>
+        <p:nvCxnSpPr>
+          <p:cNvPr id="17" name="Straight Arrow Connector 16"/>
+          <p:cNvCxnSpPr>
+            <a:cxnSpLocks/>
+            <a:stCxn id="6" idx="0"/>
+            <a:endCxn id="4" idx="2"/>
+          </p:cNvCxnSpPr>
+          <p:nvPr/>
+        </p:nvCxnSpPr>
+        <p:spPr>
+          <a:xfrm flipV="1">
+            <a:off x="1524000" y="2348503"/>
+            <a:ext cx="6931" cy="712467"/>
+          </a:xfrm>
+          <a:prstGeom prst="straightConnector1">
+            <a:avLst/>
+          </a:prstGeom>
+          <a:ln w="28575">
+            <a:solidFill>
+              <a:schemeClr val="tx1"/>
+            </a:solidFill>
+            <a:tailEnd type="arrow"/>
+          </a:ln>
+        </p:spPr>
+        <p:style>
+          <a:lnRef idx="1">
+            <a:schemeClr val="accent1"/>
+          </a:lnRef>
+          <a:fillRef idx="0">
+            <a:schemeClr val="accent1"/>
+          </a:fillRef>
+          <a:effectRef idx="0">
+            <a:schemeClr val="accent1"/>
+          </a:effectRef>
+          <a:fontRef idx="minor">
+            <a:schemeClr val="tx1"/>
+          </a:fontRef>
+        </p:style>
+      </p:cxnSp>
+      <p:cxnSp>
+        <p:nvCxnSpPr>
+          <p:cNvPr id="19" name="Straight Arrow Connector 18"/>
+          <p:cNvCxnSpPr>
+            <a:cxnSpLocks/>
+            <a:stCxn id="6" idx="2"/>
+            <a:endCxn id="10" idx="0"/>
+          </p:cNvCxnSpPr>
+          <p:nvPr/>
+        </p:nvCxnSpPr>
+        <p:spPr>
+          <a:xfrm>
+            <a:off x="1524000" y="3670570"/>
+            <a:ext cx="13862" cy="809016"/>
+          </a:xfrm>
+          <a:prstGeom prst="straightConnector1">
+            <a:avLst/>
+          </a:prstGeom>
+          <a:ln w="28575">
+            <a:solidFill>
+              <a:schemeClr val="tx1"/>
+            </a:solidFill>
+            <a:tailEnd type="arrow"/>
+          </a:ln>
+        </p:spPr>
+        <p:style>
+          <a:lnRef idx="1">
+            <a:schemeClr val="accent1"/>
+          </a:lnRef>
+          <a:fillRef idx="0">
+            <a:schemeClr val="accent1"/>
+          </a:fillRef>
+          <a:effectRef idx="0">
+            <a:schemeClr val="accent1"/>
+          </a:effectRef>
+          <a:fontRef idx="minor">
+            <a:schemeClr val="tx1"/>
+          </a:fontRef>
+        </p:style>
+      </p:cxnSp>
+      <p:sp>
+        <p:nvSpPr>
+          <p:cNvPr id="23" name="TextBox 22"/>
+          <p:cNvSpPr txBox="1"/>
+          <p:nvPr/>
+        </p:nvSpPr>
+        <p:spPr>
+          <a:xfrm>
+            <a:off x="966362" y="2554769"/>
+            <a:ext cx="1143000" cy="261610"/>
+          </a:xfrm>
+          <a:prstGeom prst="rect">
+            <a:avLst/>
+          </a:prstGeom>
+          <a:solidFill>
+            <a:schemeClr val="bg1"/>
+          </a:solidFill>
+        </p:spPr>
+        <p:txBody>
+          <a:bodyPr wrap="square" rtlCol="0">
+            <a:spAutoFit/>
+          </a:bodyPr>
+          <a:lstStyle/>
+          <a:p>
+            <a:pPr algn="ctr"/>
+            <a:r>
+              <a:rPr lang="en-US" sz="1100" b="1" dirty="0"/>
+              <a:t>measure</a:t>
+            </a:r>
+          </a:p>
+        </p:txBody>
+      </p:sp>
+      <p:cxnSp>
+        <p:nvCxnSpPr>
+          <p:cNvPr id="26" name="Straight Arrow Connector 25"/>
+          <p:cNvCxnSpPr>
+            <a:stCxn id="6" idx="3"/>
+            <a:endCxn id="14" idx="1"/>
+          </p:cNvCxnSpPr>
+          <p:nvPr/>
+        </p:nvCxnSpPr>
+        <p:spPr>
+          <a:xfrm flipV="1">
+            <a:off x="2286000" y="2036468"/>
+            <a:ext cx="1964582" cy="1329302"/>
+          </a:xfrm>
+          <a:prstGeom prst="straightConnector1">
+            <a:avLst/>
+          </a:prstGeom>
+          <a:ln w="28575">
+            <a:solidFill>
+              <a:schemeClr val="tx1"/>
+            </a:solidFill>
+            <a:tailEnd type="arrow"/>
+          </a:ln>
+        </p:spPr>
+        <p:style>
+          <a:lnRef idx="1">
+            <a:schemeClr val="accent1"/>
+          </a:lnRef>
+          <a:fillRef idx="0">
+            <a:schemeClr val="accent1"/>
+          </a:fillRef>
+          <a:effectRef idx="0">
+            <a:schemeClr val="accent1"/>
+          </a:effectRef>
+          <a:fontRef idx="minor">
+            <a:schemeClr val="tx1"/>
+          </a:fontRef>
+        </p:style>
+      </p:cxnSp>
+      <p:cxnSp>
+        <p:nvCxnSpPr>
+          <p:cNvPr id="30" name="Straight Arrow Connector 29"/>
+          <p:cNvCxnSpPr>
+            <a:stCxn id="6" idx="3"/>
+            <a:endCxn id="15" idx="1"/>
+          </p:cNvCxnSpPr>
+          <p:nvPr/>
+        </p:nvCxnSpPr>
+        <p:spPr>
+          <a:xfrm flipV="1">
+            <a:off x="2286000" y="3363316"/>
+            <a:ext cx="1973580" cy="2454"/>
+          </a:xfrm>
+          <a:prstGeom prst="straightConnector1">
+            <a:avLst/>
+          </a:prstGeom>
+          <a:ln w="28575">
+            <a:solidFill>
+              <a:schemeClr val="tx1"/>
+            </a:solidFill>
+            <a:tailEnd type="arrow"/>
+          </a:ln>
+        </p:spPr>
+        <p:style>
+          <a:lnRef idx="1">
+            <a:schemeClr val="accent1"/>
+          </a:lnRef>
+          <a:fillRef idx="0">
+            <a:schemeClr val="accent1"/>
+          </a:fillRef>
+          <a:effectRef idx="0">
+            <a:schemeClr val="accent1"/>
+          </a:effectRef>
+          <a:fontRef idx="minor">
+            <a:schemeClr val="tx1"/>
+          </a:fontRef>
+        </p:style>
+      </p:cxnSp>
+      <p:sp>
+        <p:nvSpPr>
+          <p:cNvPr id="32" name="TextBox 31"/>
+          <p:cNvSpPr txBox="1"/>
+          <p:nvPr/>
+        </p:nvSpPr>
+        <p:spPr>
+          <a:xfrm>
+            <a:off x="2954981" y="2534684"/>
+            <a:ext cx="748622" cy="261610"/>
+          </a:xfrm>
+          <a:prstGeom prst="rect">
+            <a:avLst/>
+          </a:prstGeom>
+          <a:solidFill>
+            <a:schemeClr val="bg1"/>
+          </a:solidFill>
+        </p:spPr>
+        <p:txBody>
+          <a:bodyPr wrap="square" rtlCol="0">
+            <a:spAutoFit/>
+          </a:bodyPr>
+          <a:lstStyle/>
+          <a:p>
+            <a:pPr algn="ctr"/>
+            <a:r>
+              <a:rPr lang="en-US" sz="1100" b="1" dirty="0"/>
+              <a:t>reporter</a:t>
+            </a:r>
+          </a:p>
+        </p:txBody>
+      </p:sp>
+      <p:sp>
+        <p:nvSpPr>
+          <p:cNvPr id="34" name="TextBox 33"/>
+          <p:cNvSpPr txBox="1"/>
+          <p:nvPr/>
+        </p:nvSpPr>
+        <p:spPr>
+          <a:xfrm>
+            <a:off x="721063" y="3944273"/>
+            <a:ext cx="1638300" cy="261610"/>
+          </a:xfrm>
+          <a:prstGeom prst="rect">
+            <a:avLst/>
+          </a:prstGeom>
+          <a:solidFill>
+            <a:schemeClr val="bg1"/>
+          </a:solidFill>
+        </p:spPr>
+        <p:txBody>
+          <a:bodyPr wrap="square" rtlCol="0">
+            <a:spAutoFit/>
+          </a:bodyPr>
+          <a:lstStyle/>
+          <a:p>
+            <a:pPr algn="ctr"/>
+            <a:r>
+              <a:rPr lang="en-US" sz="1100" b="1" dirty="0"/>
+              <a:t>evaluatedResource</a:t>
+            </a:r>
+          </a:p>
+        </p:txBody>
+      </p:sp>
+      <p:sp>
+        <p:nvSpPr>
+          <p:cNvPr id="35" name="TextBox 34"/>
+          <p:cNvSpPr txBox="1"/>
+          <p:nvPr/>
+        </p:nvSpPr>
+        <p:spPr>
+          <a:xfrm>
+            <a:off x="2715841" y="3230784"/>
+            <a:ext cx="1143000" cy="261610"/>
+          </a:xfrm>
+          <a:prstGeom prst="rect">
+            <a:avLst/>
+          </a:prstGeom>
+          <a:solidFill>
+            <a:schemeClr val="bg1"/>
+          </a:solidFill>
+        </p:spPr>
+        <p:txBody>
+          <a:bodyPr wrap="square" rtlCol="0">
+            <a:spAutoFit/>
+          </a:bodyPr>
+          <a:lstStyle/>
+          <a:p>
+            <a:pPr algn="ctr"/>
+            <a:r>
+              <a:rPr lang="en-US" sz="1100" b="1" dirty="0"/>
+              <a:t>subject</a:t>
+            </a:r>
+          </a:p>
+        </p:txBody>
+      </p:sp>
+      <p:cxnSp>
+        <p:nvCxnSpPr>
+          <p:cNvPr id="40" name="Straight Arrow Connector 39"/>
+          <p:cNvCxnSpPr>
+            <a:stCxn id="10" idx="3"/>
+            <a:endCxn id="15" idx="1"/>
+          </p:cNvCxnSpPr>
+          <p:nvPr/>
+        </p:nvCxnSpPr>
+        <p:spPr>
+          <a:xfrm flipV="1">
+            <a:off x="2299862" y="3363316"/>
+            <a:ext cx="1959718" cy="1421070"/>
+          </a:xfrm>
+          <a:prstGeom prst="straightConnector1">
+            <a:avLst/>
+          </a:prstGeom>
+          <a:ln w="28575">
+            <a:solidFill>
+              <a:schemeClr val="tx1"/>
+            </a:solidFill>
+            <a:tailEnd type="arrow"/>
+          </a:ln>
+        </p:spPr>
+        <p:style>
+          <a:lnRef idx="1">
+            <a:schemeClr val="accent1"/>
+          </a:lnRef>
+          <a:fillRef idx="0">
+            <a:schemeClr val="accent1"/>
+          </a:fillRef>
+          <a:effectRef idx="0">
+            <a:schemeClr val="accent1"/>
+          </a:effectRef>
+          <a:fontRef idx="minor">
+            <a:schemeClr val="tx1"/>
+          </a:fontRef>
+        </p:style>
+      </p:cxnSp>
+      <p:sp>
+        <p:nvSpPr>
+          <p:cNvPr id="38" name="TextBox 37"/>
+          <p:cNvSpPr txBox="1"/>
+          <p:nvPr/>
+        </p:nvSpPr>
+        <p:spPr>
+          <a:xfrm>
+            <a:off x="2745874" y="3905960"/>
+            <a:ext cx="1143000" cy="261610"/>
+          </a:xfrm>
+          <a:prstGeom prst="rect">
+            <a:avLst/>
+          </a:prstGeom>
+          <a:solidFill>
+            <a:schemeClr val="bg1"/>
+          </a:solidFill>
+        </p:spPr>
+        <p:txBody>
+          <a:bodyPr wrap="square" rtlCol="0">
+            <a:spAutoFit/>
+          </a:bodyPr>
+          <a:lstStyle/>
+          <a:p>
+            <a:pPr algn="ctr"/>
+            <a:r>
+              <a:rPr lang="en-US" sz="1100" b="1" dirty="0"/>
+              <a:t>subject</a:t>
+            </a:r>
+          </a:p>
+        </p:txBody>
+      </p:sp>
+      <p:sp>
+        <p:nvSpPr>
+          <p:cNvPr id="20" name="Flowchart: Alternate Process 19"/>
+          <p:cNvSpPr/>
+          <p:nvPr/>
+        </p:nvSpPr>
+        <p:spPr>
+          <a:xfrm>
+            <a:off x="4302949" y="5543687"/>
+            <a:ext cx="1524000" cy="609600"/>
+          </a:xfrm>
+          <a:prstGeom prst="flowChartAlternateProcess">
+            <a:avLst/>
+          </a:prstGeom>
+          <a:ln w="12700">
+            <a:solidFill>
+              <a:schemeClr val="tx2"/>
+            </a:solidFill>
+          </a:ln>
+        </p:spPr>
+        <p:style>
+          <a:lnRef idx="2">
+            <a:schemeClr val="accent1">
+              <a:shade val="50000"/>
+            </a:schemeClr>
+          </a:lnRef>
+          <a:fillRef idx="1">
+            <a:schemeClr val="accent1"/>
+          </a:fillRef>
+          <a:effectRef idx="0">
+            <a:schemeClr val="accent1"/>
+          </a:effectRef>
+          <a:fontRef idx="minor">
+            <a:schemeClr val="lt1"/>
+          </a:fontRef>
+        </p:style>
+        <p:txBody>
+          <a:bodyPr rtlCol="0" anchor="ctr"/>
+          <a:lstStyle/>
+          <a:p>
+            <a:pPr algn="ctr"/>
+            <a:r>
+              <a:rPr lang="en-US" sz="1400" dirty="0">
+                <a:solidFill>
+                  <a:schemeClr val="bg1"/>
+                </a:solidFill>
+              </a:rPr>
+              <a:t>Practitioner</a:t>
+            </a:r>
+          </a:p>
+        </p:txBody>
+      </p:sp>
+      <p:sp>
+        <p:nvSpPr>
+          <p:cNvPr id="21" name="Flowchart: Alternate Process 20"/>
+          <p:cNvSpPr/>
+          <p:nvPr/>
+        </p:nvSpPr>
+        <p:spPr>
+          <a:xfrm>
+            <a:off x="4302949" y="4428033"/>
+            <a:ext cx="1524000" cy="609600"/>
+          </a:xfrm>
+          <a:prstGeom prst="flowChartAlternateProcess">
+            <a:avLst/>
+          </a:prstGeom>
+          <a:ln w="12700">
+            <a:solidFill>
+              <a:schemeClr val="tx2"/>
+            </a:solidFill>
+          </a:ln>
+        </p:spPr>
+        <p:style>
+          <a:lnRef idx="2">
+            <a:schemeClr val="accent1">
+              <a:shade val="50000"/>
+            </a:schemeClr>
+          </a:lnRef>
+          <a:fillRef idx="1">
+            <a:schemeClr val="accent1"/>
+          </a:fillRef>
+          <a:effectRef idx="0">
+            <a:schemeClr val="accent1"/>
+          </a:effectRef>
+          <a:fontRef idx="minor">
+            <a:schemeClr val="lt1"/>
+          </a:fontRef>
+        </p:style>
+        <p:txBody>
+          <a:bodyPr rtlCol="0" anchor="ctr"/>
+          <a:lstStyle/>
+          <a:p>
+            <a:pPr algn="ctr"/>
+            <a:r>
+              <a:rPr lang="en-US" sz="1400" dirty="0">
+                <a:solidFill>
+                  <a:schemeClr val="bg1"/>
+                </a:solidFill>
+              </a:rPr>
+              <a:t>Encounter</a:t>
+            </a:r>
+          </a:p>
+        </p:txBody>
+      </p:sp>
+      <p:cxnSp>
+        <p:nvCxnSpPr>
+          <p:cNvPr id="7" name="Straight Arrow Connector 6"/>
+          <p:cNvCxnSpPr>
+            <a:stCxn id="10" idx="3"/>
+            <a:endCxn id="21" idx="1"/>
+          </p:cNvCxnSpPr>
+          <p:nvPr/>
+        </p:nvCxnSpPr>
+        <p:spPr>
+          <a:xfrm flipV="1">
+            <a:off x="2299862" y="4732833"/>
+            <a:ext cx="2003087" cy="51553"/>
+          </a:xfrm>
+          <a:prstGeom prst="straightConnector1">
+            <a:avLst/>
+          </a:prstGeom>
+          <a:ln w="28575">
+            <a:solidFill>
+              <a:schemeClr val="tx1"/>
+            </a:solidFill>
+            <a:prstDash val="dash"/>
+            <a:tailEnd type="arrow"/>
+          </a:ln>
+        </p:spPr>
+        <p:style>
+          <a:lnRef idx="1">
+            <a:schemeClr val="accent1"/>
+          </a:lnRef>
+          <a:fillRef idx="0">
+            <a:schemeClr val="accent1"/>
+          </a:fillRef>
+          <a:effectRef idx="0">
+            <a:schemeClr val="accent1"/>
+          </a:effectRef>
+          <a:fontRef idx="minor">
+            <a:schemeClr val="tx1"/>
+          </a:fontRef>
+        </p:style>
+      </p:cxnSp>
+      <p:cxnSp>
+        <p:nvCxnSpPr>
+          <p:cNvPr id="9" name="Straight Arrow Connector 8"/>
+          <p:cNvCxnSpPr>
+            <a:stCxn id="10" idx="3"/>
+            <a:endCxn id="20" idx="1"/>
+          </p:cNvCxnSpPr>
+          <p:nvPr/>
+        </p:nvCxnSpPr>
+        <p:spPr>
+          <a:xfrm>
+            <a:off x="2299862" y="4784386"/>
+            <a:ext cx="2003087" cy="1064101"/>
+          </a:xfrm>
+          <a:prstGeom prst="straightConnector1">
+            <a:avLst/>
+          </a:prstGeom>
+          <a:ln w="28575">
+            <a:solidFill>
+              <a:schemeClr val="tx1"/>
+            </a:solidFill>
+            <a:prstDash val="dash"/>
+            <a:tailEnd type="arrow"/>
+          </a:ln>
+        </p:spPr>
+        <p:style>
+          <a:lnRef idx="1">
+            <a:schemeClr val="accent1"/>
+          </a:lnRef>
+          <a:fillRef idx="0">
+            <a:schemeClr val="accent1"/>
+          </a:fillRef>
+          <a:effectRef idx="0">
+            <a:schemeClr val="accent1"/>
+          </a:effectRef>
+          <a:fontRef idx="minor">
+            <a:schemeClr val="tx1"/>
+          </a:fontRef>
+        </p:style>
+      </p:cxnSp>
+      <p:sp>
+        <p:nvSpPr>
+          <p:cNvPr id="27" name="TextBox 26"/>
+          <p:cNvSpPr txBox="1"/>
+          <p:nvPr/>
+        </p:nvSpPr>
+        <p:spPr>
+          <a:xfrm>
+            <a:off x="2748548" y="5168375"/>
+            <a:ext cx="1314449" cy="261610"/>
+          </a:xfrm>
+          <a:prstGeom prst="rect">
+            <a:avLst/>
+          </a:prstGeom>
+          <a:solidFill>
+            <a:schemeClr val="bg1"/>
+          </a:solidFill>
+        </p:spPr>
+        <p:txBody>
+          <a:bodyPr wrap="square" rtlCol="0">
+            <a:spAutoFit/>
+          </a:bodyPr>
+          <a:lstStyle/>
+          <a:p>
+            <a:pPr algn="ctr"/>
+            <a:r>
+              <a:rPr lang="en-US" sz="1100" b="1" dirty="0"/>
+              <a:t>performer</a:t>
+            </a:r>
+          </a:p>
+        </p:txBody>
+      </p:sp>
+      <p:sp>
+        <p:nvSpPr>
+          <p:cNvPr id="28" name="TextBox 27"/>
+          <p:cNvSpPr txBox="1"/>
+          <p:nvPr/>
+        </p:nvSpPr>
+        <p:spPr>
+          <a:xfrm>
+            <a:off x="2947561" y="4616913"/>
+            <a:ext cx="876301" cy="261610"/>
+          </a:xfrm>
+          <a:prstGeom prst="rect">
+            <a:avLst/>
+          </a:prstGeom>
+          <a:solidFill>
+            <a:schemeClr val="bg1"/>
+          </a:solidFill>
+        </p:spPr>
+        <p:txBody>
+          <a:bodyPr wrap="square" rtlCol="0">
+            <a:spAutoFit/>
+          </a:bodyPr>
+          <a:lstStyle/>
+          <a:p>
+            <a:pPr algn="ctr"/>
+            <a:r>
+              <a:rPr lang="en-US" sz="1100" b="1" dirty="0"/>
+              <a:t>encounter</a:t>
+            </a:r>
+          </a:p>
+        </p:txBody>
+      </p:sp>
+      <p:sp>
+        <p:nvSpPr>
+          <p:cNvPr id="29" name="Flowchart: Alternate Process 28"/>
+          <p:cNvSpPr/>
+          <p:nvPr/>
+        </p:nvSpPr>
+        <p:spPr>
+          <a:xfrm>
+            <a:off x="1881772" y="5578369"/>
+            <a:ext cx="1524000" cy="609600"/>
+          </a:xfrm>
+          <a:prstGeom prst="flowChartAlternateProcess">
+            <a:avLst/>
+          </a:prstGeom>
+          <a:ln w="12700">
+            <a:solidFill>
+              <a:schemeClr val="tx2"/>
+            </a:solidFill>
+          </a:ln>
+        </p:spPr>
+        <p:style>
+          <a:lnRef idx="2">
+            <a:schemeClr val="accent1">
+              <a:shade val="50000"/>
+            </a:schemeClr>
+          </a:lnRef>
+          <a:fillRef idx="1">
+            <a:schemeClr val="accent1"/>
+          </a:fillRef>
+          <a:effectRef idx="0">
+            <a:schemeClr val="accent1"/>
+          </a:effectRef>
+          <a:fontRef idx="minor">
+            <a:schemeClr val="lt1"/>
+          </a:fontRef>
+        </p:style>
+        <p:txBody>
+          <a:bodyPr rtlCol="0" anchor="ctr"/>
+          <a:lstStyle/>
+          <a:p>
+            <a:pPr algn="ctr"/>
+            <a:r>
+              <a:rPr lang="en-US" sz="1400" dirty="0">
+                <a:solidFill>
+                  <a:schemeClr val="bg1"/>
+                </a:solidFill>
+              </a:rPr>
+              <a:t>Location</a:t>
+            </a:r>
+          </a:p>
+        </p:txBody>
+      </p:sp>
+      <p:cxnSp>
+        <p:nvCxnSpPr>
+          <p:cNvPr id="16" name="Straight Arrow Connector 15"/>
+          <p:cNvCxnSpPr>
+            <a:stCxn id="10" idx="2"/>
+            <a:endCxn id="29" idx="0"/>
+          </p:cNvCxnSpPr>
+          <p:nvPr/>
+        </p:nvCxnSpPr>
+        <p:spPr>
+          <a:xfrm>
+            <a:off x="1537862" y="5089186"/>
+            <a:ext cx="1105910" cy="489183"/>
+          </a:xfrm>
+          <a:prstGeom prst="straightConnector1">
+            <a:avLst/>
+          </a:prstGeom>
+          <a:ln w="28575">
+            <a:solidFill>
+              <a:schemeClr val="tx1"/>
+            </a:solidFill>
+            <a:prstDash val="dash"/>
+            <a:tailEnd type="arrow"/>
+          </a:ln>
+        </p:spPr>
+        <p:style>
+          <a:lnRef idx="1">
+            <a:schemeClr val="accent1"/>
+          </a:lnRef>
+          <a:fillRef idx="0">
+            <a:schemeClr val="accent1"/>
+          </a:fillRef>
+          <a:effectRef idx="0">
+            <a:schemeClr val="accent1"/>
+          </a:effectRef>
+          <a:fontRef idx="minor">
+            <a:schemeClr val="tx1"/>
+          </a:fontRef>
+        </p:style>
+      </p:cxnSp>
+      <p:sp>
+        <p:nvSpPr>
+          <p:cNvPr id="48" name="Flowchart: Alternate Process 47"/>
+          <p:cNvSpPr/>
+          <p:nvPr/>
+        </p:nvSpPr>
+        <p:spPr>
+          <a:xfrm>
+            <a:off x="7200454" y="3058516"/>
+            <a:ext cx="1524000" cy="609600"/>
+          </a:xfrm>
+          <a:prstGeom prst="flowChartAlternateProcess">
+            <a:avLst/>
+          </a:prstGeom>
+          <a:ln w="12700">
+            <a:solidFill>
+              <a:schemeClr val="tx2"/>
+            </a:solidFill>
+          </a:ln>
+        </p:spPr>
+        <p:style>
+          <a:lnRef idx="2">
+            <a:schemeClr val="accent1">
+              <a:shade val="50000"/>
+            </a:schemeClr>
+          </a:lnRef>
+          <a:fillRef idx="1">
+            <a:schemeClr val="accent1"/>
+          </a:fillRef>
+          <a:effectRef idx="0">
+            <a:schemeClr val="accent1"/>
+          </a:effectRef>
+          <a:fontRef idx="minor">
+            <a:schemeClr val="lt1"/>
+          </a:fontRef>
+        </p:style>
+        <p:txBody>
+          <a:bodyPr rtlCol="0" anchor="ctr"/>
+          <a:lstStyle/>
+          <a:p>
+            <a:pPr algn="ctr"/>
+            <a:r>
+              <a:rPr lang="en-US" sz="1400" dirty="0">
+                <a:solidFill>
+                  <a:schemeClr val="bg1"/>
+                </a:solidFill>
+              </a:rPr>
+              <a:t>Coverage</a:t>
+            </a:r>
+          </a:p>
+        </p:txBody>
+      </p:sp>
+      <p:cxnSp>
+        <p:nvCxnSpPr>
+          <p:cNvPr id="50" name="Straight Arrow Connector 49"/>
+          <p:cNvCxnSpPr>
+            <a:stCxn id="48" idx="1"/>
+            <a:endCxn id="15" idx="3"/>
+          </p:cNvCxnSpPr>
+          <p:nvPr/>
+        </p:nvCxnSpPr>
+        <p:spPr>
+          <a:xfrm flipH="1">
+            <a:off x="5783580" y="3363316"/>
+            <a:ext cx="1416874" cy="0"/>
+          </a:xfrm>
+          <a:prstGeom prst="straightConnector1">
+            <a:avLst/>
+          </a:prstGeom>
+          <a:ln w="28575">
+            <a:solidFill>
+              <a:schemeClr val="tx1"/>
+            </a:solidFill>
+            <a:prstDash val="dash"/>
+            <a:tailEnd type="arrow"/>
+          </a:ln>
+        </p:spPr>
+        <p:style>
+          <a:lnRef idx="1">
+            <a:schemeClr val="accent1"/>
+          </a:lnRef>
+          <a:fillRef idx="0">
+            <a:schemeClr val="accent1"/>
+          </a:fillRef>
+          <a:effectRef idx="0">
+            <a:schemeClr val="accent1"/>
+          </a:effectRef>
+          <a:fontRef idx="minor">
+            <a:schemeClr val="tx1"/>
+          </a:fontRef>
+        </p:style>
+      </p:cxnSp>
+      <p:sp>
+        <p:nvSpPr>
+          <p:cNvPr id="51" name="TextBox 50"/>
+          <p:cNvSpPr txBox="1"/>
+          <p:nvPr/>
+        </p:nvSpPr>
+        <p:spPr>
+          <a:xfrm>
+            <a:off x="6053420" y="3232511"/>
+            <a:ext cx="839539" cy="261610"/>
+          </a:xfrm>
+          <a:prstGeom prst="rect">
+            <a:avLst/>
+          </a:prstGeom>
+          <a:solidFill>
+            <a:schemeClr val="bg1"/>
+          </a:solidFill>
+        </p:spPr>
+        <p:txBody>
+          <a:bodyPr wrap="square" rtlCol="0">
+            <a:spAutoFit/>
+          </a:bodyPr>
+          <a:lstStyle/>
+          <a:p>
+            <a:pPr algn="ctr"/>
+            <a:r>
+              <a:rPr lang="en-US" sz="1100" b="1" dirty="0"/>
+              <a:t>beneficiary</a:t>
+            </a:r>
+          </a:p>
+        </p:txBody>
+      </p:sp>
+      <p:sp>
+        <p:nvSpPr>
+          <p:cNvPr id="36" name="TextBox 35"/>
+          <p:cNvSpPr txBox="1"/>
+          <p:nvPr/>
+        </p:nvSpPr>
+        <p:spPr>
+          <a:xfrm>
+            <a:off x="1786279" y="5199012"/>
+            <a:ext cx="796047" cy="261610"/>
+          </a:xfrm>
+          <a:prstGeom prst="rect">
+            <a:avLst/>
+          </a:prstGeom>
+          <a:solidFill>
+            <a:schemeClr val="bg1"/>
+          </a:solidFill>
+        </p:spPr>
+        <p:txBody>
+          <a:bodyPr wrap="square" rtlCol="0">
+            <a:spAutoFit/>
+          </a:bodyPr>
+          <a:lstStyle/>
+          <a:p>
+            <a:pPr algn="ctr"/>
+            <a:r>
+              <a:rPr lang="en-US" sz="1100" b="1" dirty="0"/>
+              <a:t>location</a:t>
+            </a:r>
+          </a:p>
+        </p:txBody>
+      </p:sp>
+    </p:spTree>
+    <p:extLst>
+      <p:ext uri="{BB962C8B-B14F-4D97-AF65-F5344CB8AC3E}">
+        <p14:creationId xmlns:p14="http://schemas.microsoft.com/office/powerpoint/2010/main" val="1699240628"/>
+      </p:ext>
+    </p:extLst>
+  </p:cSld>
+  <p:clrMapOvr>
+    <a:masterClrMapping/>
+  </p:clrMapOvr>
+</p:sld>
+</file>
+
+<file path=ppt/slides/slide13.xml><?xml version="1.0" encoding="utf-8"?>
+<p:sld xmlns:a="http://schemas.openxmlformats.org/drawingml/2006/main" xmlns:r="http://schemas.openxmlformats.org/officeDocument/2006/relationships" xmlns:p="http://schemas.openxmlformats.org/presentationml/2006/main">
+  <p:cSld>
+    <p:spTree>
+      <p:nvGrpSpPr>
+        <p:cNvPr id="1" name=""/>
+        <p:cNvGrpSpPr/>
+        <p:nvPr/>
+      </p:nvGrpSpPr>
+      <p:grpSpPr>
+        <a:xfrm>
+          <a:off x="0" y="0"/>
+          <a:ext cx="0" cy="0"/>
+          <a:chOff x="0" y="0"/>
+          <a:chExt cx="0" cy="0"/>
+        </a:xfrm>
+      </p:grpSpPr>
+      <p:sp>
+        <p:nvSpPr>
+          <p:cNvPr id="2" name="Title 1"/>
+          <p:cNvSpPr>
+            <a:spLocks noGrp="1"/>
+          </p:cNvSpPr>
+          <p:nvPr>
+            <p:ph type="title"/>
+          </p:nvPr>
+        </p:nvSpPr>
+        <p:spPr/>
+        <p:txBody>
+          <a:bodyPr>
+            <a:normAutofit fontScale="90000"/>
+          </a:bodyPr>
+          <a:lstStyle/>
+          <a:p>
+            <a:pPr algn="l"/>
+            <a:r>
+              <a:rPr lang="en-US" dirty="0"/>
+              <a:t>Option 4 – MeasureReport using Condition</a:t>
+            </a:r>
+          </a:p>
+        </p:txBody>
+      </p:sp>
+      <p:sp>
+        <p:nvSpPr>
+          <p:cNvPr id="3" name="Content Placeholder 2"/>
+          <p:cNvSpPr>
+            <a:spLocks noGrp="1"/>
+          </p:cNvSpPr>
+          <p:nvPr>
+            <p:ph idx="1"/>
+          </p:nvPr>
+        </p:nvSpPr>
+        <p:spPr/>
+        <p:txBody>
+          <a:bodyPr>
+            <a:normAutofit fontScale="92500" lnSpcReduction="10000"/>
+          </a:bodyPr>
+          <a:lstStyle/>
+          <a:p>
+            <a:pPr marL="0" indent="0">
+              <a:buNone/>
+            </a:pPr>
+            <a:r>
+              <a:rPr lang="en-US" dirty="0"/>
+              <a:t>An additional way you can represent exclusions in the Colorectal Cancer Screening measure is with certain conditions.  The </a:t>
+            </a:r>
+            <a:r>
+              <a:rPr lang="en-US" dirty="0" err="1"/>
+              <a:t>valuesets</a:t>
+            </a:r>
+            <a:r>
+              <a:rPr lang="en-US" dirty="0"/>
+              <a:t>/codes that allow for the patient not to be screened for colorectal cancer are specified in the measure.</a:t>
+            </a:r>
+          </a:p>
+          <a:p>
+            <a:pPr marL="0" indent="0">
+              <a:buNone/>
+            </a:pPr>
+            <a:endParaRPr lang="en-US" dirty="0"/>
+          </a:p>
+          <a:p>
+            <a:pPr marL="0" indent="0">
+              <a:buNone/>
+            </a:pPr>
+            <a:r>
+              <a:rPr lang="en-US" dirty="0"/>
+              <a:t>The following MeasureReport diagram shows the related resources that can be used to represent when you need to send a Condition that represents an exclusion to the measure</a:t>
+            </a:r>
+          </a:p>
+        </p:txBody>
+      </p:sp>
+    </p:spTree>
+    <p:extLst>
+      <p:ext uri="{BB962C8B-B14F-4D97-AF65-F5344CB8AC3E}">
+        <p14:creationId xmlns:p14="http://schemas.microsoft.com/office/powerpoint/2010/main" val="783191033"/>
+      </p:ext>
+    </p:extLst>
+  </p:cSld>
+  <p:clrMapOvr>
+    <a:masterClrMapping/>
+  </p:clrMapOvr>
+</p:sld>
+</file>
+
+<file path=ppt/slides/slide14.xml><?xml version="1.0" encoding="utf-8"?>
+<p:sld xmlns:a="http://schemas.openxmlformats.org/drawingml/2006/main" xmlns:r="http://schemas.openxmlformats.org/officeDocument/2006/relationships" xmlns:p="http://schemas.openxmlformats.org/presentationml/2006/main">
+  <p:cSld>
+    <p:spTree>
+      <p:nvGrpSpPr>
+        <p:cNvPr id="1" name=""/>
+        <p:cNvGrpSpPr/>
+        <p:nvPr/>
+      </p:nvGrpSpPr>
+      <p:grpSpPr>
+        <a:xfrm>
+          <a:off x="0" y="0"/>
+          <a:ext cx="0" cy="0"/>
+          <a:chOff x="0" y="0"/>
+          <a:chExt cx="0" cy="0"/>
+        </a:xfrm>
+      </p:grpSpPr>
+      <p:sp>
+        <p:nvSpPr>
+          <p:cNvPr id="2" name="Title 1"/>
+          <p:cNvSpPr>
+            <a:spLocks noGrp="1"/>
+          </p:cNvSpPr>
+          <p:nvPr>
+            <p:ph type="title"/>
+          </p:nvPr>
+        </p:nvSpPr>
+        <p:spPr/>
+        <p:txBody>
+          <a:bodyPr>
+            <a:normAutofit/>
+          </a:bodyPr>
+          <a:lstStyle/>
+          <a:p>
+            <a:pPr algn="l"/>
+            <a:r>
+              <a:rPr lang="en-US" dirty="0"/>
+              <a:t>MeasureReport using Condition</a:t>
+            </a:r>
+          </a:p>
+        </p:txBody>
+      </p:sp>
+      <p:sp>
+        <p:nvSpPr>
+          <p:cNvPr id="3" name="Content Placeholder 2"/>
+          <p:cNvSpPr>
+            <a:spLocks noGrp="1"/>
+          </p:cNvSpPr>
+          <p:nvPr>
+            <p:ph idx="1"/>
+          </p:nvPr>
+        </p:nvSpPr>
+        <p:spPr/>
+        <p:txBody>
+          <a:bodyPr/>
+          <a:lstStyle/>
+          <a:p>
+            <a:pPr marL="0" indent="0">
+              <a:buNone/>
+            </a:pPr>
+            <a:r>
+              <a:rPr lang="en-US" dirty="0"/>
+              <a:t>  </a:t>
+            </a:r>
+          </a:p>
+        </p:txBody>
+      </p:sp>
+      <p:sp>
+        <p:nvSpPr>
+          <p:cNvPr id="4" name="Flowchart: Alternate Process 3"/>
+          <p:cNvSpPr/>
+          <p:nvPr/>
+        </p:nvSpPr>
+        <p:spPr>
+          <a:xfrm>
+            <a:off x="762000" y="1447800"/>
+            <a:ext cx="1524000" cy="609600"/>
+          </a:xfrm>
+          <a:prstGeom prst="flowChartAlternateProcess">
+            <a:avLst/>
+          </a:prstGeom>
+          <a:ln w="12700">
+            <a:solidFill>
+              <a:schemeClr val="tx2"/>
+            </a:solidFill>
+          </a:ln>
+        </p:spPr>
+        <p:style>
+          <a:lnRef idx="2">
+            <a:schemeClr val="accent1">
+              <a:shade val="50000"/>
+            </a:schemeClr>
+          </a:lnRef>
+          <a:fillRef idx="1">
+            <a:schemeClr val="accent1"/>
+          </a:fillRef>
+          <a:effectRef idx="0">
+            <a:schemeClr val="accent1"/>
+          </a:effectRef>
+          <a:fontRef idx="minor">
+            <a:schemeClr val="lt1"/>
+          </a:fontRef>
+        </p:style>
+        <p:txBody>
+          <a:bodyPr rtlCol="0" anchor="ctr"/>
+          <a:lstStyle/>
+          <a:p>
+            <a:pPr algn="ctr"/>
+            <a:r>
+              <a:rPr lang="en-US" sz="1400" dirty="0">
+                <a:solidFill>
+                  <a:schemeClr val="bg1"/>
+                </a:solidFill>
+              </a:rPr>
+              <a:t>Measure</a:t>
+            </a:r>
+          </a:p>
+        </p:txBody>
+      </p:sp>
+      <p:sp>
+        <p:nvSpPr>
+          <p:cNvPr id="6" name="Flowchart: Alternate Process 5"/>
+          <p:cNvSpPr/>
+          <p:nvPr/>
+        </p:nvSpPr>
+        <p:spPr>
+          <a:xfrm>
+            <a:off x="762000" y="3060970"/>
+            <a:ext cx="1524000" cy="609600"/>
+          </a:xfrm>
+          <a:prstGeom prst="flowChartAlternateProcess">
+            <a:avLst/>
+          </a:prstGeom>
+          <a:ln w="12700">
+            <a:solidFill>
+              <a:schemeClr val="tx2"/>
+            </a:solidFill>
+          </a:ln>
+        </p:spPr>
+        <p:style>
+          <a:lnRef idx="2">
+            <a:schemeClr val="accent1">
+              <a:shade val="50000"/>
+            </a:schemeClr>
+          </a:lnRef>
+          <a:fillRef idx="1">
+            <a:schemeClr val="accent1"/>
+          </a:fillRef>
+          <a:effectRef idx="0">
+            <a:schemeClr val="accent1"/>
+          </a:effectRef>
+          <a:fontRef idx="minor">
+            <a:schemeClr val="lt1"/>
+          </a:fontRef>
+        </p:style>
+        <p:txBody>
+          <a:bodyPr rtlCol="0" anchor="ctr"/>
+          <a:lstStyle/>
+          <a:p>
+            <a:pPr algn="ctr"/>
+            <a:r>
+              <a:rPr lang="en-US" sz="1400" dirty="0">
+                <a:solidFill>
+                  <a:schemeClr val="bg1"/>
+                </a:solidFill>
+              </a:rPr>
+              <a:t>MeasureReport</a:t>
+            </a:r>
+          </a:p>
+        </p:txBody>
+      </p:sp>
+      <p:sp>
+        <p:nvSpPr>
+          <p:cNvPr id="10" name="Flowchart: Alternate Process 9"/>
+          <p:cNvSpPr/>
+          <p:nvPr/>
+        </p:nvSpPr>
+        <p:spPr>
+          <a:xfrm>
+            <a:off x="762000" y="4572000"/>
+            <a:ext cx="1524000" cy="609600"/>
+          </a:xfrm>
+          <a:prstGeom prst="flowChartAlternateProcess">
+            <a:avLst/>
+          </a:prstGeom>
+          <a:ln w="12700">
+            <a:solidFill>
+              <a:schemeClr val="tx2"/>
+            </a:solidFill>
+          </a:ln>
+        </p:spPr>
+        <p:style>
+          <a:lnRef idx="2">
+            <a:schemeClr val="accent1">
+              <a:shade val="50000"/>
+            </a:schemeClr>
+          </a:lnRef>
+          <a:fillRef idx="1">
+            <a:schemeClr val="accent1"/>
+          </a:fillRef>
+          <a:effectRef idx="0">
+            <a:schemeClr val="accent1"/>
+          </a:effectRef>
+          <a:fontRef idx="minor">
+            <a:schemeClr val="lt1"/>
+          </a:fontRef>
+        </p:style>
+        <p:txBody>
+          <a:bodyPr rtlCol="0" anchor="ctr"/>
+          <a:lstStyle/>
+          <a:p>
+            <a:pPr algn="ctr"/>
+            <a:r>
+              <a:rPr lang="en-US" sz="1400" dirty="0">
+                <a:solidFill>
+                  <a:schemeClr val="bg1"/>
+                </a:solidFill>
+              </a:rPr>
+              <a:t>Condition</a:t>
+            </a:r>
+          </a:p>
+        </p:txBody>
+      </p:sp>
+      <p:sp>
+        <p:nvSpPr>
+          <p:cNvPr id="14" name="Flowchart: Alternate Process 13"/>
+          <p:cNvSpPr/>
+          <p:nvPr/>
+        </p:nvSpPr>
+        <p:spPr>
+          <a:xfrm>
+            <a:off x="4724400" y="1981200"/>
+            <a:ext cx="1524000" cy="609600"/>
+          </a:xfrm>
+          <a:prstGeom prst="flowChartAlternateProcess">
+            <a:avLst/>
+          </a:prstGeom>
+          <a:ln w="12700">
+            <a:solidFill>
+              <a:schemeClr val="tx2"/>
+            </a:solidFill>
+          </a:ln>
+        </p:spPr>
+        <p:style>
+          <a:lnRef idx="2">
+            <a:schemeClr val="accent1">
+              <a:shade val="50000"/>
+            </a:schemeClr>
+          </a:lnRef>
+          <a:fillRef idx="1">
+            <a:schemeClr val="accent1"/>
+          </a:fillRef>
+          <a:effectRef idx="0">
+            <a:schemeClr val="accent1"/>
+          </a:effectRef>
+          <a:fontRef idx="minor">
+            <a:schemeClr val="lt1"/>
+          </a:fontRef>
+        </p:style>
+        <p:txBody>
+          <a:bodyPr rtlCol="0" anchor="ctr"/>
+          <a:lstStyle/>
+          <a:p>
+            <a:pPr algn="ctr"/>
+            <a:r>
+              <a:rPr lang="en-US" sz="1400" dirty="0">
+                <a:solidFill>
+                  <a:schemeClr val="bg1"/>
+                </a:solidFill>
+              </a:rPr>
+              <a:t>Organization</a:t>
+            </a:r>
+          </a:p>
+        </p:txBody>
+      </p:sp>
+      <p:sp>
+        <p:nvSpPr>
+          <p:cNvPr id="15" name="Flowchart: Alternate Process 14"/>
+          <p:cNvSpPr/>
+          <p:nvPr/>
+        </p:nvSpPr>
+        <p:spPr>
+          <a:xfrm>
+            <a:off x="4732506" y="3859634"/>
+            <a:ext cx="1524000" cy="609600"/>
+          </a:xfrm>
+          <a:prstGeom prst="flowChartAlternateProcess">
+            <a:avLst/>
+          </a:prstGeom>
+          <a:ln w="12700">
+            <a:solidFill>
+              <a:schemeClr val="tx2"/>
+            </a:solidFill>
+          </a:ln>
+        </p:spPr>
+        <p:style>
+          <a:lnRef idx="2">
+            <a:schemeClr val="accent1">
+              <a:shade val="50000"/>
+            </a:schemeClr>
+          </a:lnRef>
+          <a:fillRef idx="1">
+            <a:schemeClr val="accent1"/>
+          </a:fillRef>
+          <a:effectRef idx="0">
+            <a:schemeClr val="accent1"/>
+          </a:effectRef>
+          <a:fontRef idx="minor">
+            <a:schemeClr val="lt1"/>
+          </a:fontRef>
+        </p:style>
+        <p:txBody>
+          <a:bodyPr rtlCol="0" anchor="ctr"/>
+          <a:lstStyle/>
+          <a:p>
+            <a:pPr algn="ctr"/>
+            <a:r>
+              <a:rPr lang="en-US" sz="1400" dirty="0">
+                <a:solidFill>
+                  <a:schemeClr val="bg1"/>
+                </a:solidFill>
+              </a:rPr>
+              <a:t>Patient</a:t>
+            </a:r>
+          </a:p>
+        </p:txBody>
+      </p:sp>
+      <p:cxnSp>
+        <p:nvCxnSpPr>
+          <p:cNvPr id="17" name="Straight Arrow Connector 16"/>
+          <p:cNvCxnSpPr>
+            <a:stCxn id="6" idx="0"/>
+            <a:endCxn id="4" idx="2"/>
+          </p:cNvCxnSpPr>
+          <p:nvPr/>
+        </p:nvCxnSpPr>
+        <p:spPr>
+          <a:xfrm flipV="1">
+            <a:off x="1524000" y="2057400"/>
+            <a:ext cx="0" cy="1003570"/>
+          </a:xfrm>
+          <a:prstGeom prst="straightConnector1">
+            <a:avLst/>
+          </a:prstGeom>
+          <a:ln w="28575">
+            <a:solidFill>
+              <a:schemeClr val="tx1"/>
+            </a:solidFill>
+            <a:tailEnd type="arrow"/>
+          </a:ln>
+        </p:spPr>
+        <p:style>
+          <a:lnRef idx="1">
+            <a:schemeClr val="accent1"/>
+          </a:lnRef>
+          <a:fillRef idx="0">
+            <a:schemeClr val="accent1"/>
+          </a:fillRef>
+          <a:effectRef idx="0">
+            <a:schemeClr val="accent1"/>
+          </a:effectRef>
+          <a:fontRef idx="minor">
+            <a:schemeClr val="tx1"/>
+          </a:fontRef>
+        </p:style>
+      </p:cxnSp>
+      <p:cxnSp>
+        <p:nvCxnSpPr>
+          <p:cNvPr id="19" name="Straight Arrow Connector 18"/>
+          <p:cNvCxnSpPr/>
+          <p:nvPr/>
+        </p:nvCxnSpPr>
+        <p:spPr>
+          <a:xfrm>
+            <a:off x="1540213" y="3578157"/>
+            <a:ext cx="0" cy="993843"/>
+          </a:xfrm>
+          <a:prstGeom prst="straightConnector1">
+            <a:avLst/>
+          </a:prstGeom>
+          <a:ln w="28575">
+            <a:solidFill>
+              <a:schemeClr val="tx1"/>
+            </a:solidFill>
+            <a:tailEnd type="arrow"/>
+          </a:ln>
+        </p:spPr>
+        <p:style>
+          <a:lnRef idx="1">
+            <a:schemeClr val="accent1"/>
+          </a:lnRef>
+          <a:fillRef idx="0">
+            <a:schemeClr val="accent1"/>
+          </a:fillRef>
+          <a:effectRef idx="0">
+            <a:schemeClr val="accent1"/>
+          </a:effectRef>
+          <a:fontRef idx="minor">
+            <a:schemeClr val="tx1"/>
+          </a:fontRef>
+        </p:style>
+      </p:cxnSp>
+      <p:sp>
+        <p:nvSpPr>
+          <p:cNvPr id="23" name="TextBox 22"/>
+          <p:cNvSpPr txBox="1"/>
+          <p:nvPr/>
+        </p:nvSpPr>
+        <p:spPr>
+          <a:xfrm>
+            <a:off x="990600" y="2590800"/>
+            <a:ext cx="1143000" cy="261610"/>
+          </a:xfrm>
+          <a:prstGeom prst="rect">
+            <a:avLst/>
+          </a:prstGeom>
+          <a:solidFill>
+            <a:schemeClr val="bg1"/>
+          </a:solidFill>
+        </p:spPr>
+        <p:txBody>
+          <a:bodyPr wrap="square" rtlCol="0">
+            <a:spAutoFit/>
+          </a:bodyPr>
+          <a:lstStyle/>
+          <a:p>
+            <a:pPr algn="ctr"/>
+            <a:r>
+              <a:rPr lang="en-US" sz="1100" b="1" dirty="0"/>
+              <a:t>measure</a:t>
+            </a:r>
+          </a:p>
+        </p:txBody>
+      </p:sp>
+      <p:cxnSp>
+        <p:nvCxnSpPr>
+          <p:cNvPr id="26" name="Straight Arrow Connector 25"/>
+          <p:cNvCxnSpPr>
+            <a:stCxn id="6" idx="3"/>
+            <a:endCxn id="14" idx="1"/>
+          </p:cNvCxnSpPr>
+          <p:nvPr/>
+        </p:nvCxnSpPr>
+        <p:spPr>
+          <a:xfrm flipV="1">
+            <a:off x="2286000" y="2286000"/>
+            <a:ext cx="2438400" cy="1079770"/>
+          </a:xfrm>
+          <a:prstGeom prst="straightConnector1">
+            <a:avLst/>
+          </a:prstGeom>
+          <a:ln w="28575">
+            <a:solidFill>
+              <a:schemeClr val="tx1"/>
+            </a:solidFill>
+            <a:tailEnd type="arrow"/>
+          </a:ln>
+        </p:spPr>
+        <p:style>
+          <a:lnRef idx="1">
+            <a:schemeClr val="accent1"/>
+          </a:lnRef>
+          <a:fillRef idx="0">
+            <a:schemeClr val="accent1"/>
+          </a:fillRef>
+          <a:effectRef idx="0">
+            <a:schemeClr val="accent1"/>
+          </a:effectRef>
+          <a:fontRef idx="minor">
+            <a:schemeClr val="tx1"/>
+          </a:fontRef>
+        </p:style>
+      </p:cxnSp>
+      <p:cxnSp>
+        <p:nvCxnSpPr>
+          <p:cNvPr id="30" name="Straight Arrow Connector 29"/>
+          <p:cNvCxnSpPr>
+            <a:stCxn id="6" idx="3"/>
+            <a:endCxn id="15" idx="1"/>
+          </p:cNvCxnSpPr>
+          <p:nvPr/>
+        </p:nvCxnSpPr>
+        <p:spPr>
+          <a:xfrm>
+            <a:off x="2286000" y="3365770"/>
+            <a:ext cx="2446506" cy="798664"/>
+          </a:xfrm>
+          <a:prstGeom prst="straightConnector1">
+            <a:avLst/>
+          </a:prstGeom>
+          <a:ln w="28575">
+            <a:solidFill>
+              <a:schemeClr val="tx1"/>
+            </a:solidFill>
+            <a:tailEnd type="arrow"/>
+          </a:ln>
+        </p:spPr>
+        <p:style>
+          <a:lnRef idx="1">
+            <a:schemeClr val="accent1"/>
+          </a:lnRef>
+          <a:fillRef idx="0">
+            <a:schemeClr val="accent1"/>
+          </a:fillRef>
+          <a:effectRef idx="0">
+            <a:schemeClr val="accent1"/>
+          </a:effectRef>
+          <a:fontRef idx="minor">
+            <a:schemeClr val="tx1"/>
+          </a:fontRef>
+        </p:style>
+      </p:cxnSp>
+      <p:sp>
+        <p:nvSpPr>
+          <p:cNvPr id="32" name="TextBox 31"/>
+          <p:cNvSpPr txBox="1"/>
+          <p:nvPr/>
+        </p:nvSpPr>
+        <p:spPr>
+          <a:xfrm>
+            <a:off x="3015202" y="2642962"/>
+            <a:ext cx="1676400" cy="261610"/>
+          </a:xfrm>
+          <a:prstGeom prst="rect">
+            <a:avLst/>
+          </a:prstGeom>
+          <a:solidFill>
+            <a:schemeClr val="bg1"/>
+          </a:solidFill>
+        </p:spPr>
+        <p:txBody>
+          <a:bodyPr wrap="square" rtlCol="0">
+            <a:spAutoFit/>
+          </a:bodyPr>
+          <a:lstStyle/>
+          <a:p>
+            <a:pPr algn="ctr"/>
+            <a:r>
+              <a:rPr lang="en-US" sz="1100" b="1" dirty="0"/>
+              <a:t>reporter</a:t>
+            </a:r>
+          </a:p>
+        </p:txBody>
+      </p:sp>
+      <p:sp>
+        <p:nvSpPr>
+          <p:cNvPr id="34" name="TextBox 33"/>
+          <p:cNvSpPr txBox="1"/>
+          <p:nvPr/>
+        </p:nvSpPr>
+        <p:spPr>
+          <a:xfrm>
+            <a:off x="721063" y="3944273"/>
+            <a:ext cx="1638300" cy="261610"/>
+          </a:xfrm>
+          <a:prstGeom prst="rect">
+            <a:avLst/>
+          </a:prstGeom>
+          <a:solidFill>
+            <a:schemeClr val="bg1"/>
+          </a:solidFill>
+        </p:spPr>
+        <p:txBody>
+          <a:bodyPr wrap="square" rtlCol="0">
+            <a:spAutoFit/>
+          </a:bodyPr>
+          <a:lstStyle/>
+          <a:p>
+            <a:pPr algn="ctr"/>
+            <a:r>
+              <a:rPr lang="en-US" sz="1100" b="1" dirty="0"/>
+              <a:t>evaluatedResources</a:t>
+            </a:r>
+          </a:p>
+        </p:txBody>
+      </p:sp>
+      <p:sp>
+        <p:nvSpPr>
+          <p:cNvPr id="35" name="TextBox 34"/>
+          <p:cNvSpPr txBox="1"/>
+          <p:nvPr/>
+        </p:nvSpPr>
+        <p:spPr>
+          <a:xfrm>
+            <a:off x="2729822" y="3588794"/>
+            <a:ext cx="1143000" cy="261610"/>
+          </a:xfrm>
+          <a:prstGeom prst="rect">
+            <a:avLst/>
+          </a:prstGeom>
+          <a:solidFill>
+            <a:schemeClr val="bg1"/>
+          </a:solidFill>
+        </p:spPr>
+        <p:txBody>
+          <a:bodyPr wrap="square" rtlCol="0">
+            <a:spAutoFit/>
+          </a:bodyPr>
+          <a:lstStyle/>
+          <a:p>
+            <a:pPr algn="ctr"/>
+            <a:r>
+              <a:rPr lang="en-US" sz="1100" b="1" dirty="0"/>
+              <a:t>subject</a:t>
+            </a:r>
+          </a:p>
+        </p:txBody>
+      </p:sp>
+      <p:cxnSp>
+        <p:nvCxnSpPr>
+          <p:cNvPr id="40" name="Straight Arrow Connector 39"/>
+          <p:cNvCxnSpPr>
+            <a:stCxn id="10" idx="3"/>
+            <a:endCxn id="15" idx="1"/>
+          </p:cNvCxnSpPr>
+          <p:nvPr/>
+        </p:nvCxnSpPr>
+        <p:spPr>
+          <a:xfrm flipV="1">
+            <a:off x="2286000" y="4164434"/>
+            <a:ext cx="2446506" cy="712366"/>
+          </a:xfrm>
+          <a:prstGeom prst="straightConnector1">
+            <a:avLst/>
+          </a:prstGeom>
+          <a:ln w="28575">
+            <a:solidFill>
+              <a:schemeClr val="tx1"/>
+            </a:solidFill>
+            <a:tailEnd type="arrow"/>
+          </a:ln>
+        </p:spPr>
+        <p:style>
+          <a:lnRef idx="1">
+            <a:schemeClr val="accent1"/>
+          </a:lnRef>
+          <a:fillRef idx="0">
+            <a:schemeClr val="accent1"/>
+          </a:fillRef>
+          <a:effectRef idx="0">
+            <a:schemeClr val="accent1"/>
+          </a:effectRef>
+          <a:fontRef idx="minor">
+            <a:schemeClr val="tx1"/>
+          </a:fontRef>
+        </p:style>
+      </p:cxnSp>
+      <p:sp>
+        <p:nvSpPr>
+          <p:cNvPr id="38" name="TextBox 37"/>
+          <p:cNvSpPr txBox="1"/>
+          <p:nvPr/>
+        </p:nvSpPr>
+        <p:spPr>
+          <a:xfrm>
+            <a:off x="3191887" y="4338429"/>
+            <a:ext cx="1143000" cy="261610"/>
+          </a:xfrm>
+          <a:prstGeom prst="rect">
+            <a:avLst/>
+          </a:prstGeom>
+          <a:solidFill>
+            <a:schemeClr val="bg1"/>
+          </a:solidFill>
+        </p:spPr>
+        <p:txBody>
+          <a:bodyPr wrap="square" rtlCol="0">
+            <a:spAutoFit/>
+          </a:bodyPr>
+          <a:lstStyle/>
+          <a:p>
+            <a:pPr algn="ctr"/>
+            <a:r>
+              <a:rPr lang="en-US" sz="1100" b="1" dirty="0"/>
+              <a:t>subject</a:t>
+            </a:r>
+          </a:p>
+        </p:txBody>
+      </p:sp>
+      <p:sp>
+        <p:nvSpPr>
+          <p:cNvPr id="20" name="Flowchart: Alternate Process 19"/>
+          <p:cNvSpPr/>
+          <p:nvPr/>
+        </p:nvSpPr>
+        <p:spPr>
+          <a:xfrm>
+            <a:off x="4732506" y="5671810"/>
+            <a:ext cx="1524000" cy="609600"/>
+          </a:xfrm>
+          <a:prstGeom prst="flowChartAlternateProcess">
+            <a:avLst/>
+          </a:prstGeom>
+          <a:ln w="12700">
+            <a:solidFill>
+              <a:schemeClr val="tx2"/>
+            </a:solidFill>
+          </a:ln>
+        </p:spPr>
+        <p:style>
+          <a:lnRef idx="2">
+            <a:schemeClr val="accent1">
+              <a:shade val="50000"/>
+            </a:schemeClr>
+          </a:lnRef>
+          <a:fillRef idx="1">
+            <a:schemeClr val="accent1"/>
+          </a:fillRef>
+          <a:effectRef idx="0">
+            <a:schemeClr val="accent1"/>
+          </a:effectRef>
+          <a:fontRef idx="minor">
+            <a:schemeClr val="lt1"/>
+          </a:fontRef>
+        </p:style>
+        <p:txBody>
+          <a:bodyPr rtlCol="0" anchor="ctr"/>
+          <a:lstStyle/>
+          <a:p>
+            <a:pPr algn="ctr"/>
+            <a:r>
+              <a:rPr lang="en-US" sz="1400" dirty="0">
+                <a:solidFill>
+                  <a:schemeClr val="bg1"/>
+                </a:solidFill>
+              </a:rPr>
+              <a:t>Practitioner</a:t>
+            </a:r>
+          </a:p>
+        </p:txBody>
+      </p:sp>
+      <p:sp>
+        <p:nvSpPr>
+          <p:cNvPr id="21" name="Flowchart: Alternate Process 20"/>
+          <p:cNvSpPr/>
+          <p:nvPr/>
+        </p:nvSpPr>
+        <p:spPr>
+          <a:xfrm>
+            <a:off x="4753583" y="4725978"/>
+            <a:ext cx="1524000" cy="609600"/>
+          </a:xfrm>
+          <a:prstGeom prst="flowChartAlternateProcess">
+            <a:avLst/>
+          </a:prstGeom>
+          <a:ln w="12700">
+            <a:solidFill>
+              <a:schemeClr val="tx2"/>
+            </a:solidFill>
+          </a:ln>
+        </p:spPr>
+        <p:style>
+          <a:lnRef idx="2">
+            <a:schemeClr val="accent1">
+              <a:shade val="50000"/>
+            </a:schemeClr>
+          </a:lnRef>
+          <a:fillRef idx="1">
+            <a:schemeClr val="accent1"/>
+          </a:fillRef>
+          <a:effectRef idx="0">
+            <a:schemeClr val="accent1"/>
+          </a:effectRef>
+          <a:fontRef idx="minor">
+            <a:schemeClr val="lt1"/>
+          </a:fontRef>
+        </p:style>
+        <p:txBody>
+          <a:bodyPr rtlCol="0" anchor="ctr"/>
+          <a:lstStyle/>
+          <a:p>
+            <a:pPr algn="ctr"/>
+            <a:r>
+              <a:rPr lang="en-US" sz="1400" dirty="0">
+                <a:solidFill>
+                  <a:schemeClr val="bg1"/>
+                </a:solidFill>
+              </a:rPr>
+              <a:t>Encounter</a:t>
+            </a:r>
+          </a:p>
+        </p:txBody>
+      </p:sp>
+      <p:cxnSp>
+        <p:nvCxnSpPr>
+          <p:cNvPr id="7" name="Straight Arrow Connector 6"/>
+          <p:cNvCxnSpPr>
+            <a:stCxn id="10" idx="3"/>
+            <a:endCxn id="21" idx="1"/>
+          </p:cNvCxnSpPr>
+          <p:nvPr/>
+        </p:nvCxnSpPr>
+        <p:spPr>
+          <a:xfrm>
+            <a:off x="2286000" y="4876800"/>
+            <a:ext cx="2467583" cy="153978"/>
+          </a:xfrm>
+          <a:prstGeom prst="straightConnector1">
+            <a:avLst/>
+          </a:prstGeom>
+          <a:ln w="28575">
+            <a:solidFill>
+              <a:schemeClr val="tx1"/>
+            </a:solidFill>
+            <a:prstDash val="dash"/>
+            <a:tailEnd type="arrow"/>
+          </a:ln>
+        </p:spPr>
+        <p:style>
+          <a:lnRef idx="1">
+            <a:schemeClr val="accent1"/>
+          </a:lnRef>
+          <a:fillRef idx="0">
+            <a:schemeClr val="accent1"/>
+          </a:fillRef>
+          <a:effectRef idx="0">
+            <a:schemeClr val="accent1"/>
+          </a:effectRef>
+          <a:fontRef idx="minor">
+            <a:schemeClr val="tx1"/>
+          </a:fontRef>
+        </p:style>
+      </p:cxnSp>
+      <p:cxnSp>
+        <p:nvCxnSpPr>
+          <p:cNvPr id="9" name="Straight Arrow Connector 8"/>
+          <p:cNvCxnSpPr>
+            <a:stCxn id="10" idx="3"/>
+            <a:endCxn id="20" idx="1"/>
+          </p:cNvCxnSpPr>
+          <p:nvPr/>
+        </p:nvCxnSpPr>
+        <p:spPr>
+          <a:xfrm>
+            <a:off x="2286000" y="4876800"/>
+            <a:ext cx="2446506" cy="1099810"/>
+          </a:xfrm>
+          <a:prstGeom prst="straightConnector1">
+            <a:avLst/>
+          </a:prstGeom>
+          <a:ln w="28575">
+            <a:solidFill>
+              <a:schemeClr val="tx1"/>
+            </a:solidFill>
+            <a:prstDash val="dash"/>
+            <a:tailEnd type="arrow"/>
+          </a:ln>
+        </p:spPr>
+        <p:style>
+          <a:lnRef idx="1">
+            <a:schemeClr val="accent1"/>
+          </a:lnRef>
+          <a:fillRef idx="0">
+            <a:schemeClr val="accent1"/>
+          </a:fillRef>
+          <a:effectRef idx="0">
+            <a:schemeClr val="accent1"/>
+          </a:effectRef>
+          <a:fontRef idx="minor">
+            <a:schemeClr val="tx1"/>
+          </a:fontRef>
+        </p:style>
+      </p:cxnSp>
+      <p:sp>
+        <p:nvSpPr>
+          <p:cNvPr id="27" name="TextBox 26"/>
+          <p:cNvSpPr txBox="1"/>
+          <p:nvPr/>
+        </p:nvSpPr>
+        <p:spPr>
+          <a:xfrm>
+            <a:off x="3086100" y="5343231"/>
+            <a:ext cx="1143000" cy="261610"/>
+          </a:xfrm>
+          <a:prstGeom prst="rect">
+            <a:avLst/>
+          </a:prstGeom>
+          <a:solidFill>
+            <a:schemeClr val="bg1"/>
+          </a:solidFill>
+        </p:spPr>
+        <p:txBody>
+          <a:bodyPr wrap="square" rtlCol="0">
+            <a:spAutoFit/>
+          </a:bodyPr>
+          <a:lstStyle/>
+          <a:p>
+            <a:pPr algn="ctr"/>
+            <a:r>
+              <a:rPr lang="en-US" sz="1100" b="1" dirty="0"/>
+              <a:t>asserter</a:t>
+            </a:r>
+          </a:p>
+        </p:txBody>
+      </p:sp>
+      <p:sp>
+        <p:nvSpPr>
+          <p:cNvPr id="28" name="TextBox 27"/>
+          <p:cNvSpPr txBox="1"/>
+          <p:nvPr/>
+        </p:nvSpPr>
+        <p:spPr>
+          <a:xfrm>
+            <a:off x="3352799" y="4870315"/>
+            <a:ext cx="876301" cy="261610"/>
+          </a:xfrm>
+          <a:prstGeom prst="rect">
+            <a:avLst/>
+          </a:prstGeom>
+          <a:solidFill>
+            <a:schemeClr val="bg1"/>
+          </a:solidFill>
+        </p:spPr>
+        <p:txBody>
+          <a:bodyPr wrap="square" rtlCol="0">
+            <a:spAutoFit/>
+          </a:bodyPr>
+          <a:lstStyle/>
+          <a:p>
+            <a:pPr algn="ctr"/>
+            <a:r>
+              <a:rPr lang="en-US" sz="1100" b="1" dirty="0"/>
+              <a:t>encounter</a:t>
+            </a:r>
+          </a:p>
+        </p:txBody>
+      </p:sp>
+      <p:sp>
+        <p:nvSpPr>
+          <p:cNvPr id="29" name="Flowchart: Alternate Process 28"/>
+          <p:cNvSpPr/>
+          <p:nvPr/>
+        </p:nvSpPr>
+        <p:spPr>
+          <a:xfrm>
+            <a:off x="7543800" y="4725978"/>
+            <a:ext cx="1524000" cy="609600"/>
+          </a:xfrm>
+          <a:prstGeom prst="flowChartAlternateProcess">
+            <a:avLst/>
+          </a:prstGeom>
+          <a:ln w="12700">
+            <a:solidFill>
+              <a:schemeClr val="tx2"/>
+            </a:solidFill>
+          </a:ln>
+        </p:spPr>
+        <p:style>
+          <a:lnRef idx="2">
+            <a:schemeClr val="accent1">
+              <a:shade val="50000"/>
+            </a:schemeClr>
+          </a:lnRef>
+          <a:fillRef idx="1">
+            <a:schemeClr val="accent1"/>
+          </a:fillRef>
+          <a:effectRef idx="0">
+            <a:schemeClr val="accent1"/>
+          </a:effectRef>
+          <a:fontRef idx="minor">
+            <a:schemeClr val="lt1"/>
+          </a:fontRef>
+        </p:style>
+        <p:txBody>
+          <a:bodyPr rtlCol="0" anchor="ctr"/>
+          <a:lstStyle/>
+          <a:p>
+            <a:pPr algn="ctr"/>
+            <a:r>
+              <a:rPr lang="en-US" sz="1400" dirty="0">
+                <a:solidFill>
+                  <a:schemeClr val="bg1"/>
+                </a:solidFill>
+              </a:rPr>
+              <a:t>Location</a:t>
+            </a:r>
+          </a:p>
+        </p:txBody>
+      </p:sp>
+      <p:cxnSp>
+        <p:nvCxnSpPr>
+          <p:cNvPr id="16" name="Straight Arrow Connector 15"/>
+          <p:cNvCxnSpPr/>
+          <p:nvPr/>
+        </p:nvCxnSpPr>
+        <p:spPr>
+          <a:xfrm>
+            <a:off x="6231375" y="5013982"/>
+            <a:ext cx="1312425" cy="0"/>
+          </a:xfrm>
+          <a:prstGeom prst="straightConnector1">
+            <a:avLst/>
+          </a:prstGeom>
+          <a:ln w="28575">
+            <a:solidFill>
+              <a:schemeClr val="tx1"/>
+            </a:solidFill>
+            <a:prstDash val="dash"/>
+            <a:tailEnd type="arrow"/>
+          </a:ln>
+        </p:spPr>
+        <p:style>
+          <a:lnRef idx="1">
+            <a:schemeClr val="accent1"/>
+          </a:lnRef>
+          <a:fillRef idx="0">
+            <a:schemeClr val="accent1"/>
+          </a:fillRef>
+          <a:effectRef idx="0">
+            <a:schemeClr val="accent1"/>
+          </a:effectRef>
+          <a:fontRef idx="minor">
+            <a:schemeClr val="tx1"/>
+          </a:fontRef>
+        </p:style>
+      </p:cxnSp>
+      <p:sp>
+        <p:nvSpPr>
+          <p:cNvPr id="48" name="Flowchart: Alternate Process 47"/>
+          <p:cNvSpPr/>
+          <p:nvPr/>
+        </p:nvSpPr>
+        <p:spPr>
+          <a:xfrm>
+            <a:off x="7543800" y="3334673"/>
+            <a:ext cx="1524000" cy="609600"/>
+          </a:xfrm>
+          <a:prstGeom prst="flowChartAlternateProcess">
+            <a:avLst/>
+          </a:prstGeom>
+          <a:ln w="12700">
+            <a:solidFill>
+              <a:schemeClr val="tx2"/>
+            </a:solidFill>
+          </a:ln>
+        </p:spPr>
+        <p:style>
+          <a:lnRef idx="2">
+            <a:schemeClr val="accent1">
+              <a:shade val="50000"/>
+            </a:schemeClr>
+          </a:lnRef>
+          <a:fillRef idx="1">
+            <a:schemeClr val="accent1"/>
+          </a:fillRef>
+          <a:effectRef idx="0">
+            <a:schemeClr val="accent1"/>
+          </a:effectRef>
+          <a:fontRef idx="minor">
+            <a:schemeClr val="lt1"/>
+          </a:fontRef>
+        </p:style>
+        <p:txBody>
+          <a:bodyPr rtlCol="0" anchor="ctr"/>
+          <a:lstStyle/>
+          <a:p>
+            <a:pPr algn="ctr"/>
+            <a:r>
+              <a:rPr lang="en-US" sz="1400" dirty="0">
+                <a:solidFill>
+                  <a:schemeClr val="bg1"/>
+                </a:solidFill>
+              </a:rPr>
+              <a:t>Coverage</a:t>
+            </a:r>
+          </a:p>
+        </p:txBody>
+      </p:sp>
+      <p:cxnSp>
+        <p:nvCxnSpPr>
+          <p:cNvPr id="50" name="Straight Arrow Connector 49"/>
+          <p:cNvCxnSpPr>
+            <a:stCxn id="48" idx="1"/>
+            <a:endCxn id="15" idx="3"/>
+          </p:cNvCxnSpPr>
+          <p:nvPr/>
+        </p:nvCxnSpPr>
+        <p:spPr>
+          <a:xfrm flipH="1">
             <a:off x="6256506" y="3639473"/>
             <a:ext cx="1287294" cy="524961"/>
           </a:xfrm>
@@ -4878,6 +7500,1255 @@
     <p:extLst>
       <p:ext uri="{BB962C8B-B14F-4D97-AF65-F5344CB8AC3E}">
         <p14:creationId xmlns:p14="http://schemas.microsoft.com/office/powerpoint/2010/main" val="1669477753"/>
+      </p:ext>
+    </p:extLst>
+  </p:cSld>
+  <p:clrMapOvr>
+    <a:masterClrMapping/>
+  </p:clrMapOvr>
+</p:sld>
+</file>
+
+<file path=ppt/slides/slide15.xml><?xml version="1.0" encoding="utf-8"?>
+<p:sld xmlns:a="http://schemas.openxmlformats.org/drawingml/2006/main" xmlns:r="http://schemas.openxmlformats.org/officeDocument/2006/relationships" xmlns:p="http://schemas.openxmlformats.org/presentationml/2006/main">
+  <p:cSld>
+    <p:spTree>
+      <p:nvGrpSpPr>
+        <p:cNvPr id="1" name=""/>
+        <p:cNvGrpSpPr/>
+        <p:nvPr/>
+      </p:nvGrpSpPr>
+      <p:grpSpPr>
+        <a:xfrm>
+          <a:off x="0" y="0"/>
+          <a:ext cx="0" cy="0"/>
+          <a:chOff x="0" y="0"/>
+          <a:chExt cx="0" cy="0"/>
+        </a:xfrm>
+      </p:grpSpPr>
+      <p:sp>
+        <p:nvSpPr>
+          <p:cNvPr id="3" name="Content Placeholder 2"/>
+          <p:cNvSpPr>
+            <a:spLocks noGrp="1"/>
+          </p:cNvSpPr>
+          <p:nvPr>
+            <p:ph idx="1"/>
+          </p:nvPr>
+        </p:nvSpPr>
+        <p:spPr/>
+        <p:txBody>
+          <a:bodyPr/>
+          <a:lstStyle/>
+          <a:p>
+            <a:pPr marL="0" indent="0">
+              <a:buNone/>
+            </a:pPr>
+            <a:r>
+              <a:rPr lang="en-US" dirty="0"/>
+              <a:t>  </a:t>
+            </a:r>
+          </a:p>
+        </p:txBody>
+      </p:sp>
+      <p:sp>
+        <p:nvSpPr>
+          <p:cNvPr id="4" name="Flowchart: Alternate Process 3"/>
+          <p:cNvSpPr/>
+          <p:nvPr/>
+        </p:nvSpPr>
+        <p:spPr>
+          <a:xfrm>
+            <a:off x="762000" y="1732506"/>
+            <a:ext cx="1524000" cy="609600"/>
+          </a:xfrm>
+          <a:prstGeom prst="flowChartAlternateProcess">
+            <a:avLst/>
+          </a:prstGeom>
+          <a:ln w="12700">
+            <a:solidFill>
+              <a:schemeClr val="tx2"/>
+            </a:solidFill>
+          </a:ln>
+        </p:spPr>
+        <p:style>
+          <a:lnRef idx="2">
+            <a:schemeClr val="accent1">
+              <a:shade val="50000"/>
+            </a:schemeClr>
+          </a:lnRef>
+          <a:fillRef idx="1">
+            <a:schemeClr val="accent1"/>
+          </a:fillRef>
+          <a:effectRef idx="0">
+            <a:schemeClr val="accent1"/>
+          </a:effectRef>
+          <a:fontRef idx="minor">
+            <a:schemeClr val="lt1"/>
+          </a:fontRef>
+        </p:style>
+        <p:txBody>
+          <a:bodyPr rtlCol="0" anchor="ctr"/>
+          <a:lstStyle/>
+          <a:p>
+            <a:pPr algn="ctr"/>
+            <a:r>
+              <a:rPr lang="en-US" sz="1400" dirty="0">
+                <a:solidFill>
+                  <a:schemeClr val="bg1"/>
+                </a:solidFill>
+              </a:rPr>
+              <a:t>Measure</a:t>
+            </a:r>
+          </a:p>
+        </p:txBody>
+      </p:sp>
+      <p:sp>
+        <p:nvSpPr>
+          <p:cNvPr id="6" name="Flowchart: Alternate Process 5"/>
+          <p:cNvSpPr/>
+          <p:nvPr/>
+        </p:nvSpPr>
+        <p:spPr>
+          <a:xfrm>
+            <a:off x="762000" y="3060970"/>
+            <a:ext cx="1524000" cy="609600"/>
+          </a:xfrm>
+          <a:prstGeom prst="flowChartAlternateProcess">
+            <a:avLst/>
+          </a:prstGeom>
+          <a:ln w="12700">
+            <a:solidFill>
+              <a:schemeClr val="tx2"/>
+            </a:solidFill>
+          </a:ln>
+        </p:spPr>
+        <p:style>
+          <a:lnRef idx="2">
+            <a:schemeClr val="accent1">
+              <a:shade val="50000"/>
+            </a:schemeClr>
+          </a:lnRef>
+          <a:fillRef idx="1">
+            <a:schemeClr val="accent1"/>
+          </a:fillRef>
+          <a:effectRef idx="0">
+            <a:schemeClr val="accent1"/>
+          </a:effectRef>
+          <a:fontRef idx="minor">
+            <a:schemeClr val="lt1"/>
+          </a:fontRef>
+        </p:style>
+        <p:txBody>
+          <a:bodyPr rtlCol="0" anchor="ctr"/>
+          <a:lstStyle/>
+          <a:p>
+            <a:pPr algn="ctr"/>
+            <a:r>
+              <a:rPr lang="en-US" sz="1400" dirty="0">
+                <a:solidFill>
+                  <a:schemeClr val="bg1"/>
+                </a:solidFill>
+              </a:rPr>
+              <a:t>MeasureReport</a:t>
+            </a:r>
+          </a:p>
+        </p:txBody>
+      </p:sp>
+      <p:sp>
+        <p:nvSpPr>
+          <p:cNvPr id="10" name="Flowchart: Alternate Process 9"/>
+          <p:cNvSpPr/>
+          <p:nvPr/>
+        </p:nvSpPr>
+        <p:spPr>
+          <a:xfrm>
+            <a:off x="770106" y="4572000"/>
+            <a:ext cx="1524000" cy="609600"/>
+          </a:xfrm>
+          <a:prstGeom prst="flowChartAlternateProcess">
+            <a:avLst/>
+          </a:prstGeom>
+          <a:ln w="12700">
+            <a:solidFill>
+              <a:schemeClr val="tx2"/>
+            </a:solidFill>
+          </a:ln>
+        </p:spPr>
+        <p:style>
+          <a:lnRef idx="2">
+            <a:schemeClr val="accent1">
+              <a:shade val="50000"/>
+            </a:schemeClr>
+          </a:lnRef>
+          <a:fillRef idx="1">
+            <a:schemeClr val="accent1"/>
+          </a:fillRef>
+          <a:effectRef idx="0">
+            <a:schemeClr val="accent1"/>
+          </a:effectRef>
+          <a:fontRef idx="minor">
+            <a:schemeClr val="lt1"/>
+          </a:fontRef>
+        </p:style>
+        <p:txBody>
+          <a:bodyPr rtlCol="0" anchor="ctr"/>
+          <a:lstStyle/>
+          <a:p>
+            <a:pPr algn="ctr"/>
+            <a:r>
+              <a:rPr lang="en-US" sz="1400" dirty="0">
+                <a:solidFill>
+                  <a:schemeClr val="bg1"/>
+                </a:solidFill>
+              </a:rPr>
+              <a:t>Condition</a:t>
+            </a:r>
+          </a:p>
+        </p:txBody>
+      </p:sp>
+      <p:sp>
+        <p:nvSpPr>
+          <p:cNvPr id="14" name="Flowchart: Alternate Process 13"/>
+          <p:cNvSpPr/>
+          <p:nvPr/>
+        </p:nvSpPr>
+        <p:spPr>
+          <a:xfrm>
+            <a:off x="4197323" y="1850800"/>
+            <a:ext cx="1524000" cy="609600"/>
+          </a:xfrm>
+          <a:prstGeom prst="flowChartAlternateProcess">
+            <a:avLst/>
+          </a:prstGeom>
+          <a:ln w="12700">
+            <a:solidFill>
+              <a:schemeClr val="tx2"/>
+            </a:solidFill>
+          </a:ln>
+        </p:spPr>
+        <p:style>
+          <a:lnRef idx="2">
+            <a:schemeClr val="accent1">
+              <a:shade val="50000"/>
+            </a:schemeClr>
+          </a:lnRef>
+          <a:fillRef idx="1">
+            <a:schemeClr val="accent1"/>
+          </a:fillRef>
+          <a:effectRef idx="0">
+            <a:schemeClr val="accent1"/>
+          </a:effectRef>
+          <a:fontRef idx="minor">
+            <a:schemeClr val="lt1"/>
+          </a:fontRef>
+        </p:style>
+        <p:txBody>
+          <a:bodyPr rtlCol="0" anchor="ctr"/>
+          <a:lstStyle/>
+          <a:p>
+            <a:pPr algn="ctr"/>
+            <a:r>
+              <a:rPr lang="en-US" sz="1400" dirty="0">
+                <a:solidFill>
+                  <a:schemeClr val="bg1"/>
+                </a:solidFill>
+              </a:rPr>
+              <a:t>Organization</a:t>
+            </a:r>
+          </a:p>
+        </p:txBody>
+      </p:sp>
+      <p:sp>
+        <p:nvSpPr>
+          <p:cNvPr id="15" name="Flowchart: Alternate Process 14"/>
+          <p:cNvSpPr/>
+          <p:nvPr/>
+        </p:nvSpPr>
+        <p:spPr>
+          <a:xfrm>
+            <a:off x="4251029" y="3029873"/>
+            <a:ext cx="1524000" cy="609600"/>
+          </a:xfrm>
+          <a:prstGeom prst="flowChartAlternateProcess">
+            <a:avLst/>
+          </a:prstGeom>
+          <a:ln w="12700">
+            <a:solidFill>
+              <a:schemeClr val="tx2"/>
+            </a:solidFill>
+          </a:ln>
+        </p:spPr>
+        <p:style>
+          <a:lnRef idx="2">
+            <a:schemeClr val="accent1">
+              <a:shade val="50000"/>
+            </a:schemeClr>
+          </a:lnRef>
+          <a:fillRef idx="1">
+            <a:schemeClr val="accent1"/>
+          </a:fillRef>
+          <a:effectRef idx="0">
+            <a:schemeClr val="accent1"/>
+          </a:effectRef>
+          <a:fontRef idx="minor">
+            <a:schemeClr val="lt1"/>
+          </a:fontRef>
+        </p:style>
+        <p:txBody>
+          <a:bodyPr rtlCol="0" anchor="ctr"/>
+          <a:lstStyle/>
+          <a:p>
+            <a:pPr algn="ctr"/>
+            <a:r>
+              <a:rPr lang="en-US" sz="1400" dirty="0">
+                <a:solidFill>
+                  <a:schemeClr val="bg1"/>
+                </a:solidFill>
+              </a:rPr>
+              <a:t>Patient</a:t>
+            </a:r>
+          </a:p>
+        </p:txBody>
+      </p:sp>
+      <p:cxnSp>
+        <p:nvCxnSpPr>
+          <p:cNvPr id="17" name="Straight Arrow Connector 16"/>
+          <p:cNvCxnSpPr>
+            <a:stCxn id="6" idx="0"/>
+            <a:endCxn id="4" idx="2"/>
+          </p:cNvCxnSpPr>
+          <p:nvPr/>
+        </p:nvCxnSpPr>
+        <p:spPr>
+          <a:xfrm flipV="1">
+            <a:off x="1524000" y="2342106"/>
+            <a:ext cx="0" cy="718864"/>
+          </a:xfrm>
+          <a:prstGeom prst="straightConnector1">
+            <a:avLst/>
+          </a:prstGeom>
+          <a:ln w="28575">
+            <a:solidFill>
+              <a:schemeClr val="tx1"/>
+            </a:solidFill>
+            <a:tailEnd type="arrow"/>
+          </a:ln>
+        </p:spPr>
+        <p:style>
+          <a:lnRef idx="1">
+            <a:schemeClr val="accent1"/>
+          </a:lnRef>
+          <a:fillRef idx="0">
+            <a:schemeClr val="accent1"/>
+          </a:fillRef>
+          <a:effectRef idx="0">
+            <a:schemeClr val="accent1"/>
+          </a:effectRef>
+          <a:fontRef idx="minor">
+            <a:schemeClr val="tx1"/>
+          </a:fontRef>
+        </p:style>
+      </p:cxnSp>
+      <p:cxnSp>
+        <p:nvCxnSpPr>
+          <p:cNvPr id="19" name="Straight Arrow Connector 18"/>
+          <p:cNvCxnSpPr>
+            <a:cxnSpLocks/>
+            <a:stCxn id="6" idx="2"/>
+            <a:endCxn id="10" idx="0"/>
+          </p:cNvCxnSpPr>
+          <p:nvPr/>
+        </p:nvCxnSpPr>
+        <p:spPr>
+          <a:xfrm>
+            <a:off x="1524000" y="3670570"/>
+            <a:ext cx="8106" cy="901430"/>
+          </a:xfrm>
+          <a:prstGeom prst="straightConnector1">
+            <a:avLst/>
+          </a:prstGeom>
+          <a:ln w="28575">
+            <a:solidFill>
+              <a:schemeClr val="tx1"/>
+            </a:solidFill>
+            <a:tailEnd type="arrow"/>
+          </a:ln>
+        </p:spPr>
+        <p:style>
+          <a:lnRef idx="1">
+            <a:schemeClr val="accent1"/>
+          </a:lnRef>
+          <a:fillRef idx="0">
+            <a:schemeClr val="accent1"/>
+          </a:fillRef>
+          <a:effectRef idx="0">
+            <a:schemeClr val="accent1"/>
+          </a:effectRef>
+          <a:fontRef idx="minor">
+            <a:schemeClr val="tx1"/>
+          </a:fontRef>
+        </p:style>
+      </p:cxnSp>
+      <p:sp>
+        <p:nvSpPr>
+          <p:cNvPr id="23" name="TextBox 22"/>
+          <p:cNvSpPr txBox="1"/>
+          <p:nvPr/>
+        </p:nvSpPr>
+        <p:spPr>
+          <a:xfrm>
+            <a:off x="952500" y="2570733"/>
+            <a:ext cx="1143000" cy="261610"/>
+          </a:xfrm>
+          <a:prstGeom prst="rect">
+            <a:avLst/>
+          </a:prstGeom>
+          <a:solidFill>
+            <a:schemeClr val="bg1"/>
+          </a:solidFill>
+        </p:spPr>
+        <p:txBody>
+          <a:bodyPr wrap="square" rtlCol="0">
+            <a:spAutoFit/>
+          </a:bodyPr>
+          <a:lstStyle/>
+          <a:p>
+            <a:pPr algn="ctr"/>
+            <a:r>
+              <a:rPr lang="en-US" sz="1100" b="1" dirty="0"/>
+              <a:t>measure</a:t>
+            </a:r>
+          </a:p>
+        </p:txBody>
+      </p:sp>
+      <p:cxnSp>
+        <p:nvCxnSpPr>
+          <p:cNvPr id="26" name="Straight Arrow Connector 25"/>
+          <p:cNvCxnSpPr>
+            <a:stCxn id="6" idx="3"/>
+            <a:endCxn id="14" idx="1"/>
+          </p:cNvCxnSpPr>
+          <p:nvPr/>
+        </p:nvCxnSpPr>
+        <p:spPr>
+          <a:xfrm flipV="1">
+            <a:off x="2286000" y="2155600"/>
+            <a:ext cx="1911323" cy="1210170"/>
+          </a:xfrm>
+          <a:prstGeom prst="straightConnector1">
+            <a:avLst/>
+          </a:prstGeom>
+          <a:ln w="28575">
+            <a:solidFill>
+              <a:schemeClr val="tx1"/>
+            </a:solidFill>
+            <a:tailEnd type="arrow"/>
+          </a:ln>
+        </p:spPr>
+        <p:style>
+          <a:lnRef idx="1">
+            <a:schemeClr val="accent1"/>
+          </a:lnRef>
+          <a:fillRef idx="0">
+            <a:schemeClr val="accent1"/>
+          </a:fillRef>
+          <a:effectRef idx="0">
+            <a:schemeClr val="accent1"/>
+          </a:effectRef>
+          <a:fontRef idx="minor">
+            <a:schemeClr val="tx1"/>
+          </a:fontRef>
+        </p:style>
+      </p:cxnSp>
+      <p:cxnSp>
+        <p:nvCxnSpPr>
+          <p:cNvPr id="30" name="Straight Arrow Connector 29"/>
+          <p:cNvCxnSpPr>
+            <a:stCxn id="6" idx="3"/>
+            <a:endCxn id="15" idx="1"/>
+          </p:cNvCxnSpPr>
+          <p:nvPr/>
+        </p:nvCxnSpPr>
+        <p:spPr>
+          <a:xfrm flipV="1">
+            <a:off x="2286000" y="3334673"/>
+            <a:ext cx="1965029" cy="31097"/>
+          </a:xfrm>
+          <a:prstGeom prst="straightConnector1">
+            <a:avLst/>
+          </a:prstGeom>
+          <a:ln w="28575">
+            <a:solidFill>
+              <a:schemeClr val="tx1"/>
+            </a:solidFill>
+            <a:tailEnd type="arrow"/>
+          </a:ln>
+        </p:spPr>
+        <p:style>
+          <a:lnRef idx="1">
+            <a:schemeClr val="accent1"/>
+          </a:lnRef>
+          <a:fillRef idx="0">
+            <a:schemeClr val="accent1"/>
+          </a:fillRef>
+          <a:effectRef idx="0">
+            <a:schemeClr val="accent1"/>
+          </a:effectRef>
+          <a:fontRef idx="minor">
+            <a:schemeClr val="tx1"/>
+          </a:fontRef>
+        </p:style>
+      </p:cxnSp>
+      <p:sp>
+        <p:nvSpPr>
+          <p:cNvPr id="32" name="TextBox 31"/>
+          <p:cNvSpPr txBox="1"/>
+          <p:nvPr/>
+        </p:nvSpPr>
+        <p:spPr>
+          <a:xfrm>
+            <a:off x="2764900" y="2589911"/>
+            <a:ext cx="1175798" cy="261610"/>
+          </a:xfrm>
+          <a:prstGeom prst="rect">
+            <a:avLst/>
+          </a:prstGeom>
+          <a:solidFill>
+            <a:schemeClr val="bg1"/>
+          </a:solidFill>
+        </p:spPr>
+        <p:txBody>
+          <a:bodyPr wrap="square" rtlCol="0">
+            <a:spAutoFit/>
+          </a:bodyPr>
+          <a:lstStyle/>
+          <a:p>
+            <a:pPr algn="ctr"/>
+            <a:r>
+              <a:rPr lang="en-US" sz="1100" b="1" dirty="0"/>
+              <a:t>reporter</a:t>
+            </a:r>
+          </a:p>
+        </p:txBody>
+      </p:sp>
+      <p:sp>
+        <p:nvSpPr>
+          <p:cNvPr id="34" name="TextBox 33"/>
+          <p:cNvSpPr txBox="1"/>
+          <p:nvPr/>
+        </p:nvSpPr>
+        <p:spPr>
+          <a:xfrm>
+            <a:off x="721063" y="3944273"/>
+            <a:ext cx="1638300" cy="261610"/>
+          </a:xfrm>
+          <a:prstGeom prst="rect">
+            <a:avLst/>
+          </a:prstGeom>
+          <a:solidFill>
+            <a:schemeClr val="bg1"/>
+          </a:solidFill>
+        </p:spPr>
+        <p:txBody>
+          <a:bodyPr wrap="square" rtlCol="0">
+            <a:spAutoFit/>
+          </a:bodyPr>
+          <a:lstStyle/>
+          <a:p>
+            <a:pPr algn="ctr"/>
+            <a:r>
+              <a:rPr lang="en-US" sz="1100" b="1" dirty="0"/>
+              <a:t>evaluatedResource</a:t>
+            </a:r>
+          </a:p>
+        </p:txBody>
+      </p:sp>
+      <p:sp>
+        <p:nvSpPr>
+          <p:cNvPr id="35" name="TextBox 34"/>
+          <p:cNvSpPr txBox="1"/>
+          <p:nvPr/>
+        </p:nvSpPr>
+        <p:spPr>
+          <a:xfrm>
+            <a:off x="2848018" y="3208640"/>
+            <a:ext cx="977222" cy="261610"/>
+          </a:xfrm>
+          <a:prstGeom prst="rect">
+            <a:avLst/>
+          </a:prstGeom>
+          <a:solidFill>
+            <a:schemeClr val="bg1"/>
+          </a:solidFill>
+        </p:spPr>
+        <p:txBody>
+          <a:bodyPr wrap="square" rtlCol="0">
+            <a:spAutoFit/>
+          </a:bodyPr>
+          <a:lstStyle/>
+          <a:p>
+            <a:pPr algn="ctr"/>
+            <a:r>
+              <a:rPr lang="en-US" sz="1100" b="1" dirty="0"/>
+              <a:t>subject</a:t>
+            </a:r>
+          </a:p>
+        </p:txBody>
+      </p:sp>
+      <p:cxnSp>
+        <p:nvCxnSpPr>
+          <p:cNvPr id="40" name="Straight Arrow Connector 39"/>
+          <p:cNvCxnSpPr>
+            <a:stCxn id="10" idx="3"/>
+            <a:endCxn id="15" idx="1"/>
+          </p:cNvCxnSpPr>
+          <p:nvPr/>
+        </p:nvCxnSpPr>
+        <p:spPr>
+          <a:xfrm flipV="1">
+            <a:off x="2294106" y="3334673"/>
+            <a:ext cx="1956923" cy="1542127"/>
+          </a:xfrm>
+          <a:prstGeom prst="straightConnector1">
+            <a:avLst/>
+          </a:prstGeom>
+          <a:ln w="28575">
+            <a:solidFill>
+              <a:schemeClr val="tx1"/>
+            </a:solidFill>
+            <a:tailEnd type="arrow"/>
+          </a:ln>
+        </p:spPr>
+        <p:style>
+          <a:lnRef idx="1">
+            <a:schemeClr val="accent1"/>
+          </a:lnRef>
+          <a:fillRef idx="0">
+            <a:schemeClr val="accent1"/>
+          </a:fillRef>
+          <a:effectRef idx="0">
+            <a:schemeClr val="accent1"/>
+          </a:effectRef>
+          <a:fontRef idx="minor">
+            <a:schemeClr val="tx1"/>
+          </a:fontRef>
+        </p:style>
+      </p:cxnSp>
+      <p:sp>
+        <p:nvSpPr>
+          <p:cNvPr id="38" name="TextBox 37"/>
+          <p:cNvSpPr txBox="1"/>
+          <p:nvPr/>
+        </p:nvSpPr>
+        <p:spPr>
+          <a:xfrm>
+            <a:off x="2797698" y="3924523"/>
+            <a:ext cx="1143000" cy="261610"/>
+          </a:xfrm>
+          <a:prstGeom prst="rect">
+            <a:avLst/>
+          </a:prstGeom>
+          <a:solidFill>
+            <a:schemeClr val="bg1"/>
+          </a:solidFill>
+        </p:spPr>
+        <p:txBody>
+          <a:bodyPr wrap="square" rtlCol="0">
+            <a:spAutoFit/>
+          </a:bodyPr>
+          <a:lstStyle/>
+          <a:p>
+            <a:pPr algn="ctr"/>
+            <a:r>
+              <a:rPr lang="en-US" sz="1100" b="1" dirty="0"/>
+              <a:t>subject</a:t>
+            </a:r>
+          </a:p>
+        </p:txBody>
+      </p:sp>
+      <p:sp>
+        <p:nvSpPr>
+          <p:cNvPr id="20" name="Flowchart: Alternate Process 19"/>
+          <p:cNvSpPr/>
+          <p:nvPr/>
+        </p:nvSpPr>
+        <p:spPr>
+          <a:xfrm>
+            <a:off x="4341615" y="5529510"/>
+            <a:ext cx="1524000" cy="609600"/>
+          </a:xfrm>
+          <a:prstGeom prst="flowChartAlternateProcess">
+            <a:avLst/>
+          </a:prstGeom>
+          <a:ln w="12700">
+            <a:solidFill>
+              <a:schemeClr val="tx2"/>
+            </a:solidFill>
+          </a:ln>
+        </p:spPr>
+        <p:style>
+          <a:lnRef idx="2">
+            <a:schemeClr val="accent1">
+              <a:shade val="50000"/>
+            </a:schemeClr>
+          </a:lnRef>
+          <a:fillRef idx="1">
+            <a:schemeClr val="accent1"/>
+          </a:fillRef>
+          <a:effectRef idx="0">
+            <a:schemeClr val="accent1"/>
+          </a:effectRef>
+          <a:fontRef idx="minor">
+            <a:schemeClr val="lt1"/>
+          </a:fontRef>
+        </p:style>
+        <p:txBody>
+          <a:bodyPr rtlCol="0" anchor="ctr"/>
+          <a:lstStyle/>
+          <a:p>
+            <a:pPr algn="ctr"/>
+            <a:r>
+              <a:rPr lang="en-US" sz="1400" dirty="0">
+                <a:solidFill>
+                  <a:schemeClr val="bg1"/>
+                </a:solidFill>
+              </a:rPr>
+              <a:t>Practitioner</a:t>
+            </a:r>
+          </a:p>
+        </p:txBody>
+      </p:sp>
+      <p:sp>
+        <p:nvSpPr>
+          <p:cNvPr id="21" name="Flowchart: Alternate Process 20"/>
+          <p:cNvSpPr/>
+          <p:nvPr/>
+        </p:nvSpPr>
+        <p:spPr>
+          <a:xfrm>
+            <a:off x="4369017" y="4514617"/>
+            <a:ext cx="1524000" cy="609600"/>
+          </a:xfrm>
+          <a:prstGeom prst="flowChartAlternateProcess">
+            <a:avLst/>
+          </a:prstGeom>
+          <a:ln w="12700">
+            <a:solidFill>
+              <a:schemeClr val="tx2"/>
+            </a:solidFill>
+          </a:ln>
+        </p:spPr>
+        <p:style>
+          <a:lnRef idx="2">
+            <a:schemeClr val="accent1">
+              <a:shade val="50000"/>
+            </a:schemeClr>
+          </a:lnRef>
+          <a:fillRef idx="1">
+            <a:schemeClr val="accent1"/>
+          </a:fillRef>
+          <a:effectRef idx="0">
+            <a:schemeClr val="accent1"/>
+          </a:effectRef>
+          <a:fontRef idx="minor">
+            <a:schemeClr val="lt1"/>
+          </a:fontRef>
+        </p:style>
+        <p:txBody>
+          <a:bodyPr rtlCol="0" anchor="ctr"/>
+          <a:lstStyle/>
+          <a:p>
+            <a:pPr algn="ctr"/>
+            <a:r>
+              <a:rPr lang="en-US" sz="1400" dirty="0">
+                <a:solidFill>
+                  <a:schemeClr val="bg1"/>
+                </a:solidFill>
+              </a:rPr>
+              <a:t>Encounter</a:t>
+            </a:r>
+          </a:p>
+        </p:txBody>
+      </p:sp>
+      <p:cxnSp>
+        <p:nvCxnSpPr>
+          <p:cNvPr id="7" name="Straight Arrow Connector 6"/>
+          <p:cNvCxnSpPr>
+            <a:stCxn id="10" idx="3"/>
+            <a:endCxn id="21" idx="1"/>
+          </p:cNvCxnSpPr>
+          <p:nvPr/>
+        </p:nvCxnSpPr>
+        <p:spPr>
+          <a:xfrm flipV="1">
+            <a:off x="2294106" y="4819417"/>
+            <a:ext cx="2074911" cy="57383"/>
+          </a:xfrm>
+          <a:prstGeom prst="straightConnector1">
+            <a:avLst/>
+          </a:prstGeom>
+          <a:ln w="28575">
+            <a:solidFill>
+              <a:schemeClr val="tx1"/>
+            </a:solidFill>
+            <a:prstDash val="dash"/>
+            <a:tailEnd type="arrow"/>
+          </a:ln>
+        </p:spPr>
+        <p:style>
+          <a:lnRef idx="1">
+            <a:schemeClr val="accent1"/>
+          </a:lnRef>
+          <a:fillRef idx="0">
+            <a:schemeClr val="accent1"/>
+          </a:fillRef>
+          <a:effectRef idx="0">
+            <a:schemeClr val="accent1"/>
+          </a:effectRef>
+          <a:fontRef idx="minor">
+            <a:schemeClr val="tx1"/>
+          </a:fontRef>
+        </p:style>
+      </p:cxnSp>
+      <p:cxnSp>
+        <p:nvCxnSpPr>
+          <p:cNvPr id="9" name="Straight Arrow Connector 8"/>
+          <p:cNvCxnSpPr>
+            <a:stCxn id="10" idx="3"/>
+            <a:endCxn id="20" idx="1"/>
+          </p:cNvCxnSpPr>
+          <p:nvPr/>
+        </p:nvCxnSpPr>
+        <p:spPr>
+          <a:xfrm>
+            <a:off x="2294106" y="4876800"/>
+            <a:ext cx="2047509" cy="957510"/>
+          </a:xfrm>
+          <a:prstGeom prst="straightConnector1">
+            <a:avLst/>
+          </a:prstGeom>
+          <a:ln w="28575">
+            <a:solidFill>
+              <a:schemeClr val="tx1"/>
+            </a:solidFill>
+            <a:prstDash val="dash"/>
+            <a:tailEnd type="arrow"/>
+          </a:ln>
+        </p:spPr>
+        <p:style>
+          <a:lnRef idx="1">
+            <a:schemeClr val="accent1"/>
+          </a:lnRef>
+          <a:fillRef idx="0">
+            <a:schemeClr val="accent1"/>
+          </a:fillRef>
+          <a:effectRef idx="0">
+            <a:schemeClr val="accent1"/>
+          </a:effectRef>
+          <a:fontRef idx="minor">
+            <a:schemeClr val="tx1"/>
+          </a:fontRef>
+        </p:style>
+      </p:cxnSp>
+      <p:sp>
+        <p:nvSpPr>
+          <p:cNvPr id="27" name="TextBox 26"/>
+          <p:cNvSpPr txBox="1"/>
+          <p:nvPr/>
+        </p:nvSpPr>
+        <p:spPr>
+          <a:xfrm>
+            <a:off x="2781299" y="5314160"/>
+            <a:ext cx="1143000" cy="261610"/>
+          </a:xfrm>
+          <a:prstGeom prst="rect">
+            <a:avLst/>
+          </a:prstGeom>
+          <a:solidFill>
+            <a:schemeClr val="bg1"/>
+          </a:solidFill>
+        </p:spPr>
+        <p:txBody>
+          <a:bodyPr wrap="square" rtlCol="0">
+            <a:spAutoFit/>
+          </a:bodyPr>
+          <a:lstStyle/>
+          <a:p>
+            <a:pPr algn="ctr"/>
+            <a:r>
+              <a:rPr lang="en-US" sz="1100" b="1" dirty="0"/>
+              <a:t>asserter</a:t>
+            </a:r>
+          </a:p>
+        </p:txBody>
+      </p:sp>
+      <p:sp>
+        <p:nvSpPr>
+          <p:cNvPr id="28" name="TextBox 27"/>
+          <p:cNvSpPr txBox="1"/>
+          <p:nvPr/>
+        </p:nvSpPr>
+        <p:spPr>
+          <a:xfrm>
+            <a:off x="2992632" y="4694453"/>
+            <a:ext cx="876301" cy="261610"/>
+          </a:xfrm>
+          <a:prstGeom prst="rect">
+            <a:avLst/>
+          </a:prstGeom>
+          <a:solidFill>
+            <a:schemeClr val="bg1"/>
+          </a:solidFill>
+        </p:spPr>
+        <p:txBody>
+          <a:bodyPr wrap="square" rtlCol="0">
+            <a:spAutoFit/>
+          </a:bodyPr>
+          <a:lstStyle/>
+          <a:p>
+            <a:pPr algn="ctr"/>
+            <a:r>
+              <a:rPr lang="en-US" sz="1100" b="1" dirty="0"/>
+              <a:t>encounter</a:t>
+            </a:r>
+          </a:p>
+        </p:txBody>
+      </p:sp>
+      <p:sp>
+        <p:nvSpPr>
+          <p:cNvPr id="29" name="Flowchart: Alternate Process 28"/>
+          <p:cNvSpPr/>
+          <p:nvPr/>
+        </p:nvSpPr>
+        <p:spPr>
+          <a:xfrm>
+            <a:off x="7178526" y="4492737"/>
+            <a:ext cx="1524000" cy="609600"/>
+          </a:xfrm>
+          <a:prstGeom prst="flowChartAlternateProcess">
+            <a:avLst/>
+          </a:prstGeom>
+          <a:ln w="12700">
+            <a:solidFill>
+              <a:schemeClr val="tx2"/>
+            </a:solidFill>
+          </a:ln>
+        </p:spPr>
+        <p:style>
+          <a:lnRef idx="2">
+            <a:schemeClr val="accent1">
+              <a:shade val="50000"/>
+            </a:schemeClr>
+          </a:lnRef>
+          <a:fillRef idx="1">
+            <a:schemeClr val="accent1"/>
+          </a:fillRef>
+          <a:effectRef idx="0">
+            <a:schemeClr val="accent1"/>
+          </a:effectRef>
+          <a:fontRef idx="minor">
+            <a:schemeClr val="lt1"/>
+          </a:fontRef>
+        </p:style>
+        <p:txBody>
+          <a:bodyPr rtlCol="0" anchor="ctr"/>
+          <a:lstStyle/>
+          <a:p>
+            <a:pPr algn="ctr"/>
+            <a:r>
+              <a:rPr lang="en-US" sz="1400" dirty="0">
+                <a:solidFill>
+                  <a:schemeClr val="bg1"/>
+                </a:solidFill>
+              </a:rPr>
+              <a:t>Location</a:t>
+            </a:r>
+          </a:p>
+        </p:txBody>
+      </p:sp>
+      <p:cxnSp>
+        <p:nvCxnSpPr>
+          <p:cNvPr id="16" name="Straight Arrow Connector 15"/>
+          <p:cNvCxnSpPr>
+            <a:cxnSpLocks/>
+            <a:stCxn id="21" idx="3"/>
+            <a:endCxn id="29" idx="1"/>
+          </p:cNvCxnSpPr>
+          <p:nvPr/>
+        </p:nvCxnSpPr>
+        <p:spPr>
+          <a:xfrm flipV="1">
+            <a:off x="5893017" y="4797537"/>
+            <a:ext cx="1285509" cy="21880"/>
+          </a:xfrm>
+          <a:prstGeom prst="straightConnector1">
+            <a:avLst/>
+          </a:prstGeom>
+          <a:ln w="28575">
+            <a:solidFill>
+              <a:schemeClr val="tx1"/>
+            </a:solidFill>
+            <a:prstDash val="dash"/>
+            <a:tailEnd type="arrow"/>
+          </a:ln>
+        </p:spPr>
+        <p:style>
+          <a:lnRef idx="1">
+            <a:schemeClr val="accent1"/>
+          </a:lnRef>
+          <a:fillRef idx="0">
+            <a:schemeClr val="accent1"/>
+          </a:fillRef>
+          <a:effectRef idx="0">
+            <a:schemeClr val="accent1"/>
+          </a:effectRef>
+          <a:fontRef idx="minor">
+            <a:schemeClr val="tx1"/>
+          </a:fontRef>
+        </p:style>
+      </p:cxnSp>
+      <p:sp>
+        <p:nvSpPr>
+          <p:cNvPr id="48" name="Flowchart: Alternate Process 47"/>
+          <p:cNvSpPr/>
+          <p:nvPr/>
+        </p:nvSpPr>
+        <p:spPr>
+          <a:xfrm>
+            <a:off x="7132806" y="3045421"/>
+            <a:ext cx="1524000" cy="609600"/>
+          </a:xfrm>
+          <a:prstGeom prst="flowChartAlternateProcess">
+            <a:avLst/>
+          </a:prstGeom>
+          <a:ln w="12700">
+            <a:solidFill>
+              <a:schemeClr val="tx2"/>
+            </a:solidFill>
+          </a:ln>
+        </p:spPr>
+        <p:style>
+          <a:lnRef idx="2">
+            <a:schemeClr val="accent1">
+              <a:shade val="50000"/>
+            </a:schemeClr>
+          </a:lnRef>
+          <a:fillRef idx="1">
+            <a:schemeClr val="accent1"/>
+          </a:fillRef>
+          <a:effectRef idx="0">
+            <a:schemeClr val="accent1"/>
+          </a:effectRef>
+          <a:fontRef idx="minor">
+            <a:schemeClr val="lt1"/>
+          </a:fontRef>
+        </p:style>
+        <p:txBody>
+          <a:bodyPr rtlCol="0" anchor="ctr"/>
+          <a:lstStyle/>
+          <a:p>
+            <a:pPr algn="ctr"/>
+            <a:r>
+              <a:rPr lang="en-US" sz="1400" dirty="0">
+                <a:solidFill>
+                  <a:schemeClr val="bg1"/>
+                </a:solidFill>
+              </a:rPr>
+              <a:t>Coverage</a:t>
+            </a:r>
+          </a:p>
+        </p:txBody>
+      </p:sp>
+      <p:cxnSp>
+        <p:nvCxnSpPr>
+          <p:cNvPr id="50" name="Straight Arrow Connector 49"/>
+          <p:cNvCxnSpPr>
+            <a:stCxn id="48" idx="1"/>
+            <a:endCxn id="15" idx="3"/>
+          </p:cNvCxnSpPr>
+          <p:nvPr/>
+        </p:nvCxnSpPr>
+        <p:spPr>
+          <a:xfrm flipH="1" flipV="1">
+            <a:off x="5775029" y="3334673"/>
+            <a:ext cx="1357777" cy="15548"/>
+          </a:xfrm>
+          <a:prstGeom prst="straightConnector1">
+            <a:avLst/>
+          </a:prstGeom>
+          <a:ln w="28575">
+            <a:solidFill>
+              <a:schemeClr val="tx1"/>
+            </a:solidFill>
+            <a:prstDash val="dash"/>
+            <a:tailEnd type="arrow"/>
+          </a:ln>
+        </p:spPr>
+        <p:style>
+          <a:lnRef idx="1">
+            <a:schemeClr val="accent1"/>
+          </a:lnRef>
+          <a:fillRef idx="0">
+            <a:schemeClr val="accent1"/>
+          </a:fillRef>
+          <a:effectRef idx="0">
+            <a:schemeClr val="accent1"/>
+          </a:effectRef>
+          <a:fontRef idx="minor">
+            <a:schemeClr val="tx1"/>
+          </a:fontRef>
+        </p:style>
+      </p:cxnSp>
+      <p:sp>
+        <p:nvSpPr>
+          <p:cNvPr id="51" name="TextBox 50"/>
+          <p:cNvSpPr txBox="1"/>
+          <p:nvPr/>
+        </p:nvSpPr>
+        <p:spPr>
+          <a:xfrm>
+            <a:off x="6093768" y="3203868"/>
+            <a:ext cx="901837" cy="261610"/>
+          </a:xfrm>
+          <a:prstGeom prst="rect">
+            <a:avLst/>
+          </a:prstGeom>
+          <a:solidFill>
+            <a:schemeClr val="bg1"/>
+          </a:solidFill>
+        </p:spPr>
+        <p:txBody>
+          <a:bodyPr wrap="square" rtlCol="0">
+            <a:spAutoFit/>
+          </a:bodyPr>
+          <a:lstStyle/>
+          <a:p>
+            <a:pPr algn="ctr"/>
+            <a:r>
+              <a:rPr lang="en-US" sz="1100" b="1" dirty="0"/>
+              <a:t>beneficiary</a:t>
+            </a:r>
+          </a:p>
+        </p:txBody>
+      </p:sp>
+      <p:sp>
+        <p:nvSpPr>
+          <p:cNvPr id="31" name="TextBox 30"/>
+          <p:cNvSpPr txBox="1"/>
+          <p:nvPr/>
+        </p:nvSpPr>
+        <p:spPr>
+          <a:xfrm>
+            <a:off x="6146664" y="4582093"/>
+            <a:ext cx="796047" cy="430887"/>
+          </a:xfrm>
+          <a:prstGeom prst="rect">
+            <a:avLst/>
+          </a:prstGeom>
+          <a:solidFill>
+            <a:schemeClr val="bg1"/>
+          </a:solidFill>
+        </p:spPr>
+        <p:txBody>
+          <a:bodyPr wrap="square" rtlCol="0">
+            <a:spAutoFit/>
+          </a:bodyPr>
+          <a:lstStyle/>
+          <a:p>
+            <a:pPr algn="ctr"/>
+            <a:r>
+              <a:rPr lang="en-US" sz="1100" b="1" dirty="0"/>
+              <a:t>location&gt;</a:t>
+            </a:r>
+          </a:p>
+          <a:p>
+            <a:pPr algn="ctr"/>
+            <a:r>
+              <a:rPr lang="en-US" sz="1100" b="1" dirty="0"/>
+              <a:t>location</a:t>
+            </a:r>
+          </a:p>
+        </p:txBody>
+      </p:sp>
+      <p:sp>
+        <p:nvSpPr>
+          <p:cNvPr id="36" name="Title 1">
+            <a:extLst>
+              <a:ext uri="{FF2B5EF4-FFF2-40B4-BE49-F238E27FC236}">
+                <a16:creationId xmlns:a16="http://schemas.microsoft.com/office/drawing/2014/main" id="{9B344BD1-009A-4601-B5DF-BCCA71BAA2D1}"/>
+              </a:ext>
+            </a:extLst>
+          </p:cNvPr>
+          <p:cNvSpPr>
+            <a:spLocks noGrp="1"/>
+          </p:cNvSpPr>
+          <p:nvPr>
+            <p:ph type="title"/>
+          </p:nvPr>
+        </p:nvSpPr>
+        <p:spPr>
+          <a:xfrm>
+            <a:off x="457200" y="274638"/>
+            <a:ext cx="8229600" cy="1143000"/>
+          </a:xfrm>
+        </p:spPr>
+        <p:txBody>
+          <a:bodyPr>
+            <a:noAutofit/>
+          </a:bodyPr>
+          <a:lstStyle/>
+          <a:p>
+            <a:pPr algn="l"/>
+            <a:r>
+              <a:rPr lang="en-US" sz="1200" dirty="0"/>
+              <a:t>MeasureReport using Condition</a:t>
+            </a:r>
+            <a:br>
+              <a:rPr lang="en-US" sz="1200" dirty="0"/>
+            </a:br>
+            <a:r>
+              <a:rPr lang="en-US" sz="1200" dirty="0"/>
+              <a:t>Figure 3-8: copied slide 11 and made a few updates: repositioned the boxes/lines/texts. Changed </a:t>
+            </a:r>
+            <a:r>
+              <a:rPr lang="en-US" sz="1200" dirty="0" err="1"/>
+              <a:t>evaluatedResources</a:t>
+            </a:r>
+            <a:r>
+              <a:rPr lang="en-US" sz="1200" dirty="0"/>
+              <a:t> to evaluatedResource, changed </a:t>
+            </a:r>
+            <a:r>
+              <a:rPr lang="en-US" sz="1200" dirty="0" err="1"/>
+              <a:t>supportingOrganization</a:t>
+            </a:r>
+            <a:r>
+              <a:rPr lang="en-US" sz="1200" dirty="0"/>
+              <a:t> to reporter, patient to subject </a:t>
+            </a:r>
+            <a:br>
+              <a:rPr lang="en-US" sz="1200" dirty="0"/>
+            </a:br>
+            <a:r>
+              <a:rPr lang="pt-BR" sz="1200" dirty="0"/>
+              <a:t>DEQM Resource Diagram – COL3.jpg </a:t>
+            </a:r>
+            <a:br>
+              <a:rPr lang="pt-BR" sz="1200" dirty="0"/>
+            </a:br>
+            <a:r>
+              <a:rPr lang="pt-BR" sz="1200" dirty="0"/>
+              <a:t>now col-option4-using-condition.png</a:t>
+            </a:r>
+            <a:endParaRPr lang="en-US" sz="1200" dirty="0"/>
+          </a:p>
+        </p:txBody>
+      </p:sp>
+    </p:spTree>
+    <p:extLst>
+      <p:ext uri="{BB962C8B-B14F-4D97-AF65-F5344CB8AC3E}">
+        <p14:creationId xmlns:p14="http://schemas.microsoft.com/office/powerpoint/2010/main" val="322129467"/>
       </p:ext>
     </p:extLst>
   </p:cSld>
@@ -6663,27 +10534,38 @@
         <p:spPr/>
         <p:txBody>
           <a:bodyPr>
-            <a:noAutofit/>
+            <a:normAutofit/>
           </a:bodyPr>
           <a:lstStyle/>
           <a:p>
             <a:pPr algn="l"/>
             <a:r>
-              <a:rPr lang="en-US" sz="3600" b="1" dirty="0"/>
-              <a:t>Option 2</a:t>
+              <a:rPr lang="en-US" sz="2400" dirty="0"/>
+              <a:t>MeasureReport using Observation</a:t>
             </a:r>
             <a:br>
-              <a:rPr lang="en-US" sz="3600" b="1" dirty="0"/>
+              <a:rPr lang="en-US" sz="2400" dirty="0"/>
             </a:br>
             <a:r>
-              <a:rPr lang="en-US" sz="3600" b="1" dirty="0"/>
-              <a:t>MeasureReport using </a:t>
-            </a:r>
-            <a:r>
-              <a:rPr lang="en-US" sz="3600" b="1" dirty="0" err="1"/>
-              <a:t>DiagnosticReport</a:t>
-            </a:r>
-            <a:endParaRPr lang="en-US" sz="3600" b="1" dirty="0"/>
+              <a:rPr lang="en-US" sz="1100" dirty="0"/>
+              <a:t>Figure 3-5: copied slide 5 and made a few updates: repositioned the boxes/lines/texts. Changed </a:t>
+            </a:r>
+            <a:r>
+              <a:rPr lang="en-US" sz="1100" dirty="0" err="1"/>
+              <a:t>evaluatedResources</a:t>
+            </a:r>
+            <a:r>
+              <a:rPr lang="en-US" sz="1100" dirty="0"/>
+              <a:t> to evaluatedResource</a:t>
+            </a:r>
+            <a:br>
+              <a:rPr lang="en-US" sz="1100" dirty="0"/>
+            </a:br>
+            <a:r>
+              <a:rPr lang="pt-BR" sz="1100" dirty="0"/>
+              <a:t>DEQM Resource Diagram - COL1.jpg now col-option1-using-observation.png</a:t>
+            </a:r>
+            <a:endParaRPr lang="en-US" sz="2400" dirty="0"/>
           </a:p>
         </p:txBody>
       </p:sp>
@@ -6699,9 +10581,7 @@
         </p:nvSpPr>
         <p:spPr/>
         <p:txBody>
-          <a:bodyPr>
-            <a:normAutofit lnSpcReduction="10000"/>
-          </a:bodyPr>
+          <a:bodyPr/>
           <a:lstStyle/>
           <a:p>
             <a:pPr marL="0" indent="0">
@@ -6709,45 +10589,1301 @@
             </a:pPr>
             <a:r>
               <a:rPr lang="en-US" dirty="0"/>
-              <a:t>Another way a member can meet a screening measure is when certain procedures are performed and a report generated.  In FHIR, the report is documented in a </a:t>
-            </a:r>
-            <a:r>
-              <a:rPr lang="en-US" dirty="0" err="1"/>
-              <a:t>DiagnosticReport</a:t>
-            </a:r>
-            <a:r>
-              <a:rPr lang="en-US" dirty="0"/>
-              <a:t>.  The measure indicates what </a:t>
-            </a:r>
-            <a:r>
-              <a:rPr lang="en-US" dirty="0" err="1"/>
-              <a:t>ValueSets</a:t>
-            </a:r>
-            <a:r>
-              <a:rPr lang="en-US" dirty="0"/>
-              <a:t>/Codes can be used to report this </a:t>
-            </a:r>
-            <a:r>
-              <a:rPr lang="en-US" dirty="0" err="1"/>
-              <a:t>meaure</a:t>
-            </a:r>
-            <a:endParaRPr lang="en-US" dirty="0"/>
-          </a:p>
-          <a:p>
-            <a:pPr marL="0" indent="0">
-              <a:buNone/>
-            </a:pPr>
-            <a:r>
-              <a:rPr lang="en-US" dirty="0"/>
-              <a:t>The following diagram shows how that would be represented in a DEQM Individual MeasureReport with associated resources</a:t>
-            </a:r>
-          </a:p>
-        </p:txBody>
-      </p:sp>
+              <a:t>  </a:t>
+            </a:r>
+          </a:p>
+        </p:txBody>
+      </p:sp>
+      <p:sp>
+        <p:nvSpPr>
+          <p:cNvPr id="4" name="Flowchart: Alternate Process 3"/>
+          <p:cNvSpPr/>
+          <p:nvPr/>
+        </p:nvSpPr>
+        <p:spPr>
+          <a:xfrm>
+            <a:off x="762000" y="1447800"/>
+            <a:ext cx="1524000" cy="609600"/>
+          </a:xfrm>
+          <a:prstGeom prst="flowChartAlternateProcess">
+            <a:avLst/>
+          </a:prstGeom>
+          <a:ln w="12700">
+            <a:solidFill>
+              <a:schemeClr val="tx2"/>
+            </a:solidFill>
+          </a:ln>
+        </p:spPr>
+        <p:style>
+          <a:lnRef idx="2">
+            <a:schemeClr val="accent1">
+              <a:shade val="50000"/>
+            </a:schemeClr>
+          </a:lnRef>
+          <a:fillRef idx="1">
+            <a:schemeClr val="accent1"/>
+          </a:fillRef>
+          <a:effectRef idx="0">
+            <a:schemeClr val="accent1"/>
+          </a:effectRef>
+          <a:fontRef idx="minor">
+            <a:schemeClr val="lt1"/>
+          </a:fontRef>
+        </p:style>
+        <p:txBody>
+          <a:bodyPr rtlCol="0" anchor="ctr"/>
+          <a:lstStyle/>
+          <a:p>
+            <a:pPr algn="ctr"/>
+            <a:r>
+              <a:rPr lang="en-US" sz="1400" dirty="0">
+                <a:solidFill>
+                  <a:schemeClr val="bg1"/>
+                </a:solidFill>
+              </a:rPr>
+              <a:t>Measure</a:t>
+            </a:r>
+          </a:p>
+        </p:txBody>
+      </p:sp>
+      <p:sp>
+        <p:nvSpPr>
+          <p:cNvPr id="6" name="Flowchart: Alternate Process 5"/>
+          <p:cNvSpPr/>
+          <p:nvPr/>
+        </p:nvSpPr>
+        <p:spPr>
+          <a:xfrm>
+            <a:off x="762000" y="3060970"/>
+            <a:ext cx="1524000" cy="609600"/>
+          </a:xfrm>
+          <a:prstGeom prst="flowChartAlternateProcess">
+            <a:avLst/>
+          </a:prstGeom>
+          <a:ln w="12700">
+            <a:solidFill>
+              <a:schemeClr val="tx2"/>
+            </a:solidFill>
+          </a:ln>
+        </p:spPr>
+        <p:style>
+          <a:lnRef idx="2">
+            <a:schemeClr val="accent1">
+              <a:shade val="50000"/>
+            </a:schemeClr>
+          </a:lnRef>
+          <a:fillRef idx="1">
+            <a:schemeClr val="accent1"/>
+          </a:fillRef>
+          <a:effectRef idx="0">
+            <a:schemeClr val="accent1"/>
+          </a:effectRef>
+          <a:fontRef idx="minor">
+            <a:schemeClr val="lt1"/>
+          </a:fontRef>
+        </p:style>
+        <p:txBody>
+          <a:bodyPr rtlCol="0" anchor="ctr"/>
+          <a:lstStyle/>
+          <a:p>
+            <a:pPr algn="ctr"/>
+            <a:r>
+              <a:rPr lang="en-US" sz="1400" dirty="0">
+                <a:solidFill>
+                  <a:schemeClr val="bg1"/>
+                </a:solidFill>
+              </a:rPr>
+              <a:t>MeasureReport</a:t>
+            </a:r>
+          </a:p>
+        </p:txBody>
+      </p:sp>
+      <p:sp>
+        <p:nvSpPr>
+          <p:cNvPr id="10" name="Flowchart: Alternate Process 9"/>
+          <p:cNvSpPr/>
+          <p:nvPr/>
+        </p:nvSpPr>
+        <p:spPr>
+          <a:xfrm>
+            <a:off x="762000" y="4510909"/>
+            <a:ext cx="1524000" cy="609600"/>
+          </a:xfrm>
+          <a:prstGeom prst="flowChartAlternateProcess">
+            <a:avLst/>
+          </a:prstGeom>
+          <a:ln w="12700">
+            <a:solidFill>
+              <a:schemeClr val="tx2"/>
+            </a:solidFill>
+          </a:ln>
+        </p:spPr>
+        <p:style>
+          <a:lnRef idx="2">
+            <a:schemeClr val="accent1">
+              <a:shade val="50000"/>
+            </a:schemeClr>
+          </a:lnRef>
+          <a:fillRef idx="1">
+            <a:schemeClr val="accent1"/>
+          </a:fillRef>
+          <a:effectRef idx="0">
+            <a:schemeClr val="accent1"/>
+          </a:effectRef>
+          <a:fontRef idx="minor">
+            <a:schemeClr val="lt1"/>
+          </a:fontRef>
+        </p:style>
+        <p:txBody>
+          <a:bodyPr rtlCol="0" anchor="ctr"/>
+          <a:lstStyle/>
+          <a:p>
+            <a:pPr algn="ctr"/>
+            <a:r>
+              <a:rPr lang="en-US" sz="1400" dirty="0">
+                <a:solidFill>
+                  <a:schemeClr val="bg1"/>
+                </a:solidFill>
+              </a:rPr>
+              <a:t>Observation</a:t>
+            </a:r>
+          </a:p>
+        </p:txBody>
+      </p:sp>
+      <p:sp>
+        <p:nvSpPr>
+          <p:cNvPr id="14" name="Flowchart: Alternate Process 13"/>
+          <p:cNvSpPr/>
+          <p:nvPr/>
+        </p:nvSpPr>
+        <p:spPr>
+          <a:xfrm>
+            <a:off x="4509180" y="1981200"/>
+            <a:ext cx="1524000" cy="609600"/>
+          </a:xfrm>
+          <a:prstGeom prst="flowChartAlternateProcess">
+            <a:avLst/>
+          </a:prstGeom>
+          <a:ln w="12700">
+            <a:solidFill>
+              <a:schemeClr val="tx2"/>
+            </a:solidFill>
+          </a:ln>
+        </p:spPr>
+        <p:style>
+          <a:lnRef idx="2">
+            <a:schemeClr val="accent1">
+              <a:shade val="50000"/>
+            </a:schemeClr>
+          </a:lnRef>
+          <a:fillRef idx="1">
+            <a:schemeClr val="accent1"/>
+          </a:fillRef>
+          <a:effectRef idx="0">
+            <a:schemeClr val="accent1"/>
+          </a:effectRef>
+          <a:fontRef idx="minor">
+            <a:schemeClr val="lt1"/>
+          </a:fontRef>
+        </p:style>
+        <p:txBody>
+          <a:bodyPr rtlCol="0" anchor="ctr"/>
+          <a:lstStyle/>
+          <a:p>
+            <a:pPr algn="ctr"/>
+            <a:r>
+              <a:rPr lang="en-US" sz="1400" dirty="0">
+                <a:solidFill>
+                  <a:schemeClr val="bg1"/>
+                </a:solidFill>
+              </a:rPr>
+              <a:t>Organization</a:t>
+            </a:r>
+          </a:p>
+        </p:txBody>
+      </p:sp>
+      <p:sp>
+        <p:nvSpPr>
+          <p:cNvPr id="15" name="Flowchart: Alternate Process 14"/>
+          <p:cNvSpPr/>
+          <p:nvPr/>
+        </p:nvSpPr>
+        <p:spPr>
+          <a:xfrm>
+            <a:off x="4509180" y="3492231"/>
+            <a:ext cx="1524000" cy="609600"/>
+          </a:xfrm>
+          <a:prstGeom prst="flowChartAlternateProcess">
+            <a:avLst/>
+          </a:prstGeom>
+          <a:ln w="12700">
+            <a:solidFill>
+              <a:schemeClr val="tx2"/>
+            </a:solidFill>
+          </a:ln>
+        </p:spPr>
+        <p:style>
+          <a:lnRef idx="2">
+            <a:schemeClr val="accent1">
+              <a:shade val="50000"/>
+            </a:schemeClr>
+          </a:lnRef>
+          <a:fillRef idx="1">
+            <a:schemeClr val="accent1"/>
+          </a:fillRef>
+          <a:effectRef idx="0">
+            <a:schemeClr val="accent1"/>
+          </a:effectRef>
+          <a:fontRef idx="minor">
+            <a:schemeClr val="lt1"/>
+          </a:fontRef>
+        </p:style>
+        <p:txBody>
+          <a:bodyPr rtlCol="0" anchor="ctr"/>
+          <a:lstStyle/>
+          <a:p>
+            <a:pPr algn="ctr"/>
+            <a:r>
+              <a:rPr lang="en-US" sz="1400" dirty="0">
+                <a:solidFill>
+                  <a:schemeClr val="bg1"/>
+                </a:solidFill>
+              </a:rPr>
+              <a:t>Patient</a:t>
+            </a:r>
+          </a:p>
+        </p:txBody>
+      </p:sp>
+      <p:cxnSp>
+        <p:nvCxnSpPr>
+          <p:cNvPr id="17" name="Straight Arrow Connector 16"/>
+          <p:cNvCxnSpPr>
+            <a:stCxn id="6" idx="0"/>
+            <a:endCxn id="4" idx="2"/>
+          </p:cNvCxnSpPr>
+          <p:nvPr/>
+        </p:nvCxnSpPr>
+        <p:spPr>
+          <a:xfrm flipV="1">
+            <a:off x="1524000" y="2057400"/>
+            <a:ext cx="0" cy="1003570"/>
+          </a:xfrm>
+          <a:prstGeom prst="straightConnector1">
+            <a:avLst/>
+          </a:prstGeom>
+          <a:ln w="28575">
+            <a:solidFill>
+              <a:schemeClr val="tx1"/>
+            </a:solidFill>
+            <a:tailEnd type="arrow"/>
+          </a:ln>
+        </p:spPr>
+        <p:style>
+          <a:lnRef idx="1">
+            <a:schemeClr val="accent1"/>
+          </a:lnRef>
+          <a:fillRef idx="0">
+            <a:schemeClr val="accent1"/>
+          </a:fillRef>
+          <a:effectRef idx="0">
+            <a:schemeClr val="accent1"/>
+          </a:effectRef>
+          <a:fontRef idx="minor">
+            <a:schemeClr val="tx1"/>
+          </a:fontRef>
+        </p:style>
+      </p:cxnSp>
+      <p:cxnSp>
+        <p:nvCxnSpPr>
+          <p:cNvPr id="19" name="Straight Arrow Connector 18"/>
+          <p:cNvCxnSpPr>
+            <a:cxnSpLocks/>
+            <a:stCxn id="6" idx="2"/>
+            <a:endCxn id="10" idx="0"/>
+          </p:cNvCxnSpPr>
+          <p:nvPr/>
+        </p:nvCxnSpPr>
+        <p:spPr>
+          <a:xfrm>
+            <a:off x="1524000" y="3670570"/>
+            <a:ext cx="0" cy="840339"/>
+          </a:xfrm>
+          <a:prstGeom prst="straightConnector1">
+            <a:avLst/>
+          </a:prstGeom>
+          <a:ln w="28575">
+            <a:solidFill>
+              <a:schemeClr val="tx1"/>
+            </a:solidFill>
+            <a:tailEnd type="arrow"/>
+          </a:ln>
+        </p:spPr>
+        <p:style>
+          <a:lnRef idx="1">
+            <a:schemeClr val="accent1"/>
+          </a:lnRef>
+          <a:fillRef idx="0">
+            <a:schemeClr val="accent1"/>
+          </a:fillRef>
+          <a:effectRef idx="0">
+            <a:schemeClr val="accent1"/>
+          </a:effectRef>
+          <a:fontRef idx="minor">
+            <a:schemeClr val="tx1"/>
+          </a:fontRef>
+        </p:style>
+      </p:cxnSp>
+      <p:sp>
+        <p:nvSpPr>
+          <p:cNvPr id="23" name="TextBox 22"/>
+          <p:cNvSpPr txBox="1"/>
+          <p:nvPr/>
+        </p:nvSpPr>
+        <p:spPr>
+          <a:xfrm>
+            <a:off x="990600" y="2590800"/>
+            <a:ext cx="1143000" cy="261610"/>
+          </a:xfrm>
+          <a:prstGeom prst="rect">
+            <a:avLst/>
+          </a:prstGeom>
+          <a:solidFill>
+            <a:schemeClr val="bg1"/>
+          </a:solidFill>
+        </p:spPr>
+        <p:txBody>
+          <a:bodyPr wrap="square" rtlCol="0">
+            <a:spAutoFit/>
+          </a:bodyPr>
+          <a:lstStyle/>
+          <a:p>
+            <a:pPr algn="ctr"/>
+            <a:r>
+              <a:rPr lang="en-US" sz="1100" b="1" dirty="0"/>
+              <a:t>measure</a:t>
+            </a:r>
+          </a:p>
+        </p:txBody>
+      </p:sp>
+      <p:cxnSp>
+        <p:nvCxnSpPr>
+          <p:cNvPr id="26" name="Straight Arrow Connector 25"/>
+          <p:cNvCxnSpPr>
+            <a:stCxn id="6" idx="3"/>
+            <a:endCxn id="14" idx="1"/>
+          </p:cNvCxnSpPr>
+          <p:nvPr/>
+        </p:nvCxnSpPr>
+        <p:spPr>
+          <a:xfrm flipV="1">
+            <a:off x="2286000" y="2286000"/>
+            <a:ext cx="2223180" cy="1079770"/>
+          </a:xfrm>
+          <a:prstGeom prst="straightConnector1">
+            <a:avLst/>
+          </a:prstGeom>
+          <a:ln w="28575">
+            <a:solidFill>
+              <a:schemeClr val="tx1"/>
+            </a:solidFill>
+            <a:tailEnd type="arrow"/>
+          </a:ln>
+        </p:spPr>
+        <p:style>
+          <a:lnRef idx="1">
+            <a:schemeClr val="accent1"/>
+          </a:lnRef>
+          <a:fillRef idx="0">
+            <a:schemeClr val="accent1"/>
+          </a:fillRef>
+          <a:effectRef idx="0">
+            <a:schemeClr val="accent1"/>
+          </a:effectRef>
+          <a:fontRef idx="minor">
+            <a:schemeClr val="tx1"/>
+          </a:fontRef>
+        </p:style>
+      </p:cxnSp>
+      <p:cxnSp>
+        <p:nvCxnSpPr>
+          <p:cNvPr id="30" name="Straight Arrow Connector 29"/>
+          <p:cNvCxnSpPr>
+            <a:stCxn id="6" idx="3"/>
+            <a:endCxn id="15" idx="1"/>
+          </p:cNvCxnSpPr>
+          <p:nvPr/>
+        </p:nvCxnSpPr>
+        <p:spPr>
+          <a:xfrm>
+            <a:off x="2286000" y="3365770"/>
+            <a:ext cx="2223180" cy="431261"/>
+          </a:xfrm>
+          <a:prstGeom prst="straightConnector1">
+            <a:avLst/>
+          </a:prstGeom>
+          <a:ln w="28575">
+            <a:solidFill>
+              <a:schemeClr val="tx1"/>
+            </a:solidFill>
+            <a:tailEnd type="arrow"/>
+          </a:ln>
+        </p:spPr>
+        <p:style>
+          <a:lnRef idx="1">
+            <a:schemeClr val="accent1"/>
+          </a:lnRef>
+          <a:fillRef idx="0">
+            <a:schemeClr val="accent1"/>
+          </a:fillRef>
+          <a:effectRef idx="0">
+            <a:schemeClr val="accent1"/>
+          </a:effectRef>
+          <a:fontRef idx="minor">
+            <a:schemeClr val="tx1"/>
+          </a:fontRef>
+        </p:style>
+      </p:cxnSp>
+      <p:sp>
+        <p:nvSpPr>
+          <p:cNvPr id="32" name="TextBox 31"/>
+          <p:cNvSpPr txBox="1"/>
+          <p:nvPr/>
+        </p:nvSpPr>
+        <p:spPr>
+          <a:xfrm>
+            <a:off x="2865119" y="2670907"/>
+            <a:ext cx="1210687" cy="261610"/>
+          </a:xfrm>
+          <a:prstGeom prst="rect">
+            <a:avLst/>
+          </a:prstGeom>
+          <a:solidFill>
+            <a:schemeClr val="bg1"/>
+          </a:solidFill>
+        </p:spPr>
+        <p:txBody>
+          <a:bodyPr wrap="square" rtlCol="0">
+            <a:spAutoFit/>
+          </a:bodyPr>
+          <a:lstStyle/>
+          <a:p>
+            <a:pPr algn="ctr"/>
+            <a:r>
+              <a:rPr lang="en-US" sz="1100" b="1" dirty="0"/>
+              <a:t>reporter</a:t>
+            </a:r>
+          </a:p>
+        </p:txBody>
+      </p:sp>
+      <p:sp>
+        <p:nvSpPr>
+          <p:cNvPr id="34" name="TextBox 33"/>
+          <p:cNvSpPr txBox="1"/>
+          <p:nvPr/>
+        </p:nvSpPr>
+        <p:spPr>
+          <a:xfrm>
+            <a:off x="721063" y="3944273"/>
+            <a:ext cx="1638300" cy="261610"/>
+          </a:xfrm>
+          <a:prstGeom prst="rect">
+            <a:avLst/>
+          </a:prstGeom>
+          <a:solidFill>
+            <a:schemeClr val="bg1"/>
+          </a:solidFill>
+        </p:spPr>
+        <p:txBody>
+          <a:bodyPr wrap="square" rtlCol="0">
+            <a:spAutoFit/>
+          </a:bodyPr>
+          <a:lstStyle/>
+          <a:p>
+            <a:pPr algn="ctr"/>
+            <a:r>
+              <a:rPr lang="en-US" sz="1100" b="1" dirty="0"/>
+              <a:t>evaluatedResources</a:t>
+            </a:r>
+          </a:p>
+        </p:txBody>
+      </p:sp>
+      <p:sp>
+        <p:nvSpPr>
+          <p:cNvPr id="35" name="TextBox 34"/>
+          <p:cNvSpPr txBox="1"/>
+          <p:nvPr/>
+        </p:nvSpPr>
+        <p:spPr>
+          <a:xfrm>
+            <a:off x="2985180" y="3459221"/>
+            <a:ext cx="762001" cy="261610"/>
+          </a:xfrm>
+          <a:prstGeom prst="rect">
+            <a:avLst/>
+          </a:prstGeom>
+          <a:solidFill>
+            <a:schemeClr val="bg1"/>
+          </a:solidFill>
+        </p:spPr>
+        <p:txBody>
+          <a:bodyPr wrap="square" rtlCol="0">
+            <a:spAutoFit/>
+          </a:bodyPr>
+          <a:lstStyle/>
+          <a:p>
+            <a:pPr algn="ctr"/>
+            <a:r>
+              <a:rPr lang="en-US" sz="1100" b="1" dirty="0"/>
+              <a:t>subject</a:t>
+            </a:r>
+          </a:p>
+        </p:txBody>
+      </p:sp>
+      <p:cxnSp>
+        <p:nvCxnSpPr>
+          <p:cNvPr id="40" name="Straight Arrow Connector 39"/>
+          <p:cNvCxnSpPr>
+            <a:stCxn id="10" idx="3"/>
+            <a:endCxn id="15" idx="1"/>
+          </p:cNvCxnSpPr>
+          <p:nvPr/>
+        </p:nvCxnSpPr>
+        <p:spPr>
+          <a:xfrm flipV="1">
+            <a:off x="2286000" y="3797031"/>
+            <a:ext cx="2223180" cy="1018678"/>
+          </a:xfrm>
+          <a:prstGeom prst="straightConnector1">
+            <a:avLst/>
+          </a:prstGeom>
+          <a:ln w="28575">
+            <a:solidFill>
+              <a:schemeClr val="tx1"/>
+            </a:solidFill>
+            <a:tailEnd type="arrow"/>
+          </a:ln>
+        </p:spPr>
+        <p:style>
+          <a:lnRef idx="1">
+            <a:schemeClr val="accent1"/>
+          </a:lnRef>
+          <a:fillRef idx="0">
+            <a:schemeClr val="accent1"/>
+          </a:fillRef>
+          <a:effectRef idx="0">
+            <a:schemeClr val="accent1"/>
+          </a:effectRef>
+          <a:fontRef idx="minor">
+            <a:schemeClr val="tx1"/>
+          </a:fontRef>
+        </p:style>
+      </p:cxnSp>
+      <p:sp>
+        <p:nvSpPr>
+          <p:cNvPr id="38" name="TextBox 37"/>
+          <p:cNvSpPr txBox="1"/>
+          <p:nvPr/>
+        </p:nvSpPr>
+        <p:spPr>
+          <a:xfrm>
+            <a:off x="2985179" y="4183930"/>
+            <a:ext cx="762001" cy="261610"/>
+          </a:xfrm>
+          <a:prstGeom prst="rect">
+            <a:avLst/>
+          </a:prstGeom>
+          <a:solidFill>
+            <a:schemeClr val="bg1"/>
+          </a:solidFill>
+        </p:spPr>
+        <p:txBody>
+          <a:bodyPr wrap="square" rtlCol="0">
+            <a:spAutoFit/>
+          </a:bodyPr>
+          <a:lstStyle/>
+          <a:p>
+            <a:pPr algn="ctr"/>
+            <a:r>
+              <a:rPr lang="en-US" sz="1100" b="1" dirty="0"/>
+              <a:t>subject</a:t>
+            </a:r>
+          </a:p>
+        </p:txBody>
+      </p:sp>
+      <p:sp>
+        <p:nvSpPr>
+          <p:cNvPr id="20" name="Flowchart: Alternate Process 19"/>
+          <p:cNvSpPr/>
+          <p:nvPr/>
+        </p:nvSpPr>
+        <p:spPr>
+          <a:xfrm>
+            <a:off x="4509180" y="5355584"/>
+            <a:ext cx="1524000" cy="609600"/>
+          </a:xfrm>
+          <a:prstGeom prst="flowChartAlternateProcess">
+            <a:avLst/>
+          </a:prstGeom>
+          <a:ln w="12700">
+            <a:solidFill>
+              <a:schemeClr val="tx2"/>
+            </a:solidFill>
+          </a:ln>
+        </p:spPr>
+        <p:style>
+          <a:lnRef idx="2">
+            <a:schemeClr val="accent1">
+              <a:shade val="50000"/>
+            </a:schemeClr>
+          </a:lnRef>
+          <a:fillRef idx="1">
+            <a:schemeClr val="accent1"/>
+          </a:fillRef>
+          <a:effectRef idx="0">
+            <a:schemeClr val="accent1"/>
+          </a:effectRef>
+          <a:fontRef idx="minor">
+            <a:schemeClr val="lt1"/>
+          </a:fontRef>
+        </p:style>
+        <p:txBody>
+          <a:bodyPr rtlCol="0" anchor="ctr"/>
+          <a:lstStyle/>
+          <a:p>
+            <a:pPr algn="ctr"/>
+            <a:r>
+              <a:rPr lang="en-US" sz="1400" dirty="0">
+                <a:solidFill>
+                  <a:schemeClr val="bg1"/>
+                </a:solidFill>
+              </a:rPr>
+              <a:t>Practitioner</a:t>
+            </a:r>
+          </a:p>
+        </p:txBody>
+      </p:sp>
+      <p:sp>
+        <p:nvSpPr>
+          <p:cNvPr id="21" name="Flowchart: Alternate Process 20"/>
+          <p:cNvSpPr/>
+          <p:nvPr/>
+        </p:nvSpPr>
+        <p:spPr>
+          <a:xfrm>
+            <a:off x="4533899" y="4480719"/>
+            <a:ext cx="1524000" cy="609600"/>
+          </a:xfrm>
+          <a:prstGeom prst="flowChartAlternateProcess">
+            <a:avLst/>
+          </a:prstGeom>
+          <a:ln w="12700">
+            <a:solidFill>
+              <a:schemeClr val="tx2"/>
+            </a:solidFill>
+          </a:ln>
+        </p:spPr>
+        <p:style>
+          <a:lnRef idx="2">
+            <a:schemeClr val="accent1">
+              <a:shade val="50000"/>
+            </a:schemeClr>
+          </a:lnRef>
+          <a:fillRef idx="1">
+            <a:schemeClr val="accent1"/>
+          </a:fillRef>
+          <a:effectRef idx="0">
+            <a:schemeClr val="accent1"/>
+          </a:effectRef>
+          <a:fontRef idx="minor">
+            <a:schemeClr val="lt1"/>
+          </a:fontRef>
+        </p:style>
+        <p:txBody>
+          <a:bodyPr rtlCol="0" anchor="ctr"/>
+          <a:lstStyle/>
+          <a:p>
+            <a:pPr algn="ctr"/>
+            <a:r>
+              <a:rPr lang="en-US" sz="1400" dirty="0">
+                <a:solidFill>
+                  <a:schemeClr val="bg1"/>
+                </a:solidFill>
+              </a:rPr>
+              <a:t>Encounter</a:t>
+            </a:r>
+          </a:p>
+        </p:txBody>
+      </p:sp>
+      <p:cxnSp>
+        <p:nvCxnSpPr>
+          <p:cNvPr id="7" name="Straight Arrow Connector 6"/>
+          <p:cNvCxnSpPr>
+            <a:stCxn id="10" idx="3"/>
+            <a:endCxn id="21" idx="1"/>
+          </p:cNvCxnSpPr>
+          <p:nvPr/>
+        </p:nvCxnSpPr>
+        <p:spPr>
+          <a:xfrm flipV="1">
+            <a:off x="2286000" y="4785519"/>
+            <a:ext cx="2247899" cy="30190"/>
+          </a:xfrm>
+          <a:prstGeom prst="straightConnector1">
+            <a:avLst/>
+          </a:prstGeom>
+          <a:ln w="28575">
+            <a:solidFill>
+              <a:schemeClr val="tx1"/>
+            </a:solidFill>
+            <a:prstDash val="dash"/>
+            <a:tailEnd type="arrow"/>
+          </a:ln>
+        </p:spPr>
+        <p:style>
+          <a:lnRef idx="1">
+            <a:schemeClr val="accent1"/>
+          </a:lnRef>
+          <a:fillRef idx="0">
+            <a:schemeClr val="accent1"/>
+          </a:fillRef>
+          <a:effectRef idx="0">
+            <a:schemeClr val="accent1"/>
+          </a:effectRef>
+          <a:fontRef idx="minor">
+            <a:schemeClr val="tx1"/>
+          </a:fontRef>
+        </p:style>
+      </p:cxnSp>
+      <p:cxnSp>
+        <p:nvCxnSpPr>
+          <p:cNvPr id="9" name="Straight Arrow Connector 8"/>
+          <p:cNvCxnSpPr>
+            <a:stCxn id="10" idx="3"/>
+            <a:endCxn id="20" idx="1"/>
+          </p:cNvCxnSpPr>
+          <p:nvPr/>
+        </p:nvCxnSpPr>
+        <p:spPr>
+          <a:xfrm>
+            <a:off x="2286000" y="4815709"/>
+            <a:ext cx="2223180" cy="844675"/>
+          </a:xfrm>
+          <a:prstGeom prst="straightConnector1">
+            <a:avLst/>
+          </a:prstGeom>
+          <a:ln w="28575">
+            <a:solidFill>
+              <a:schemeClr val="tx1"/>
+            </a:solidFill>
+            <a:prstDash val="dash"/>
+            <a:tailEnd type="arrow"/>
+          </a:ln>
+        </p:spPr>
+        <p:style>
+          <a:lnRef idx="1">
+            <a:schemeClr val="accent1"/>
+          </a:lnRef>
+          <a:fillRef idx="0">
+            <a:schemeClr val="accent1"/>
+          </a:fillRef>
+          <a:effectRef idx="0">
+            <a:schemeClr val="accent1"/>
+          </a:effectRef>
+          <a:fontRef idx="minor">
+            <a:schemeClr val="tx1"/>
+          </a:fontRef>
+        </p:style>
+      </p:cxnSp>
+      <p:sp>
+        <p:nvSpPr>
+          <p:cNvPr id="27" name="TextBox 26"/>
+          <p:cNvSpPr txBox="1"/>
+          <p:nvPr/>
+        </p:nvSpPr>
+        <p:spPr>
+          <a:xfrm>
+            <a:off x="2886242" y="5129228"/>
+            <a:ext cx="1143000" cy="261610"/>
+          </a:xfrm>
+          <a:prstGeom prst="rect">
+            <a:avLst/>
+          </a:prstGeom>
+          <a:solidFill>
+            <a:schemeClr val="bg1"/>
+          </a:solidFill>
+        </p:spPr>
+        <p:txBody>
+          <a:bodyPr wrap="square" rtlCol="0">
+            <a:spAutoFit/>
+          </a:bodyPr>
+          <a:lstStyle/>
+          <a:p>
+            <a:pPr algn="ctr"/>
+            <a:r>
+              <a:rPr lang="en-US" sz="1100" b="1" dirty="0"/>
+              <a:t>performer</a:t>
+            </a:r>
+          </a:p>
+        </p:txBody>
+      </p:sp>
+      <p:sp>
+        <p:nvSpPr>
+          <p:cNvPr id="28" name="TextBox 27"/>
+          <p:cNvSpPr txBox="1"/>
+          <p:nvPr/>
+        </p:nvSpPr>
+        <p:spPr>
+          <a:xfrm>
+            <a:off x="3047999" y="4642719"/>
+            <a:ext cx="699181" cy="261610"/>
+          </a:xfrm>
+          <a:prstGeom prst="rect">
+            <a:avLst/>
+          </a:prstGeom>
+          <a:solidFill>
+            <a:schemeClr val="bg1"/>
+          </a:solidFill>
+        </p:spPr>
+        <p:txBody>
+          <a:bodyPr wrap="square" rtlCol="0">
+            <a:spAutoFit/>
+          </a:bodyPr>
+          <a:lstStyle/>
+          <a:p>
+            <a:pPr algn="ctr"/>
+            <a:r>
+              <a:rPr lang="en-US" sz="1100" b="1" dirty="0"/>
+              <a:t>context</a:t>
+            </a:r>
+          </a:p>
+        </p:txBody>
+      </p:sp>
+      <p:sp>
+        <p:nvSpPr>
+          <p:cNvPr id="29" name="Flowchart: Alternate Process 28"/>
+          <p:cNvSpPr/>
+          <p:nvPr/>
+        </p:nvSpPr>
+        <p:spPr>
+          <a:xfrm>
+            <a:off x="7427382" y="4468724"/>
+            <a:ext cx="1524000" cy="609600"/>
+          </a:xfrm>
+          <a:prstGeom prst="flowChartAlternateProcess">
+            <a:avLst/>
+          </a:prstGeom>
+          <a:ln w="12700">
+            <a:solidFill>
+              <a:schemeClr val="tx2"/>
+            </a:solidFill>
+          </a:ln>
+        </p:spPr>
+        <p:style>
+          <a:lnRef idx="2">
+            <a:schemeClr val="accent1">
+              <a:shade val="50000"/>
+            </a:schemeClr>
+          </a:lnRef>
+          <a:fillRef idx="1">
+            <a:schemeClr val="accent1"/>
+          </a:fillRef>
+          <a:effectRef idx="0">
+            <a:schemeClr val="accent1"/>
+          </a:effectRef>
+          <a:fontRef idx="minor">
+            <a:schemeClr val="lt1"/>
+          </a:fontRef>
+        </p:style>
+        <p:txBody>
+          <a:bodyPr rtlCol="0" anchor="ctr"/>
+          <a:lstStyle/>
+          <a:p>
+            <a:pPr algn="ctr"/>
+            <a:r>
+              <a:rPr lang="en-US" sz="1400" dirty="0">
+                <a:solidFill>
+                  <a:schemeClr val="bg1"/>
+                </a:solidFill>
+              </a:rPr>
+              <a:t>Location</a:t>
+            </a:r>
+          </a:p>
+        </p:txBody>
+      </p:sp>
+      <p:sp>
+        <p:nvSpPr>
+          <p:cNvPr id="31" name="TextBox 30"/>
+          <p:cNvSpPr txBox="1"/>
+          <p:nvPr/>
+        </p:nvSpPr>
+        <p:spPr>
+          <a:xfrm>
+            <a:off x="6307375" y="4570075"/>
+            <a:ext cx="796047" cy="430887"/>
+          </a:xfrm>
+          <a:prstGeom prst="rect">
+            <a:avLst/>
+          </a:prstGeom>
+          <a:solidFill>
+            <a:schemeClr val="bg1"/>
+          </a:solidFill>
+        </p:spPr>
+        <p:txBody>
+          <a:bodyPr wrap="square" rtlCol="0">
+            <a:spAutoFit/>
+          </a:bodyPr>
+          <a:lstStyle/>
+          <a:p>
+            <a:pPr algn="ctr"/>
+            <a:r>
+              <a:rPr lang="en-US" sz="1100" b="1" dirty="0"/>
+              <a:t>location&gt;</a:t>
+            </a:r>
+          </a:p>
+          <a:p>
+            <a:pPr algn="ctr"/>
+            <a:r>
+              <a:rPr lang="en-US" sz="1100" b="1" dirty="0"/>
+              <a:t>location</a:t>
+            </a:r>
+          </a:p>
+        </p:txBody>
+      </p:sp>
+      <p:cxnSp>
+        <p:nvCxnSpPr>
+          <p:cNvPr id="16" name="Straight Arrow Connector 15"/>
+          <p:cNvCxnSpPr>
+            <a:cxnSpLocks/>
+            <a:stCxn id="21" idx="3"/>
+            <a:endCxn id="29" idx="1"/>
+          </p:cNvCxnSpPr>
+          <p:nvPr/>
+        </p:nvCxnSpPr>
+        <p:spPr>
+          <a:xfrm flipV="1">
+            <a:off x="6057899" y="4773524"/>
+            <a:ext cx="1369483" cy="11995"/>
+          </a:xfrm>
+          <a:prstGeom prst="straightConnector1">
+            <a:avLst/>
+          </a:prstGeom>
+          <a:ln w="28575">
+            <a:solidFill>
+              <a:schemeClr val="tx1"/>
+            </a:solidFill>
+            <a:prstDash val="dash"/>
+            <a:tailEnd type="arrow"/>
+          </a:ln>
+        </p:spPr>
+        <p:style>
+          <a:lnRef idx="1">
+            <a:schemeClr val="accent1"/>
+          </a:lnRef>
+          <a:fillRef idx="0">
+            <a:schemeClr val="accent1"/>
+          </a:fillRef>
+          <a:effectRef idx="0">
+            <a:schemeClr val="accent1"/>
+          </a:effectRef>
+          <a:fontRef idx="minor">
+            <a:schemeClr val="tx1"/>
+          </a:fontRef>
+        </p:style>
+      </p:cxnSp>
+      <p:sp>
+        <p:nvSpPr>
+          <p:cNvPr id="48" name="Flowchart: Alternate Process 47"/>
+          <p:cNvSpPr/>
+          <p:nvPr/>
+        </p:nvSpPr>
+        <p:spPr>
+          <a:xfrm>
+            <a:off x="7427382" y="3463553"/>
+            <a:ext cx="1524000" cy="609600"/>
+          </a:xfrm>
+          <a:prstGeom prst="flowChartAlternateProcess">
+            <a:avLst/>
+          </a:prstGeom>
+          <a:ln w="12700">
+            <a:solidFill>
+              <a:schemeClr val="tx2"/>
+            </a:solidFill>
+          </a:ln>
+        </p:spPr>
+        <p:style>
+          <a:lnRef idx="2">
+            <a:schemeClr val="accent1">
+              <a:shade val="50000"/>
+            </a:schemeClr>
+          </a:lnRef>
+          <a:fillRef idx="1">
+            <a:schemeClr val="accent1"/>
+          </a:fillRef>
+          <a:effectRef idx="0">
+            <a:schemeClr val="accent1"/>
+          </a:effectRef>
+          <a:fontRef idx="minor">
+            <a:schemeClr val="lt1"/>
+          </a:fontRef>
+        </p:style>
+        <p:txBody>
+          <a:bodyPr rtlCol="0" anchor="ctr"/>
+          <a:lstStyle/>
+          <a:p>
+            <a:pPr algn="ctr"/>
+            <a:r>
+              <a:rPr lang="en-US" sz="1400" dirty="0">
+                <a:solidFill>
+                  <a:schemeClr val="bg1"/>
+                </a:solidFill>
+              </a:rPr>
+              <a:t>Coverage</a:t>
+            </a:r>
+          </a:p>
+        </p:txBody>
+      </p:sp>
+      <p:cxnSp>
+        <p:nvCxnSpPr>
+          <p:cNvPr id="50" name="Straight Arrow Connector 49"/>
+          <p:cNvCxnSpPr>
+            <a:cxnSpLocks/>
+            <a:stCxn id="48" idx="1"/>
+            <a:endCxn id="15" idx="3"/>
+          </p:cNvCxnSpPr>
+          <p:nvPr/>
+        </p:nvCxnSpPr>
+        <p:spPr>
+          <a:xfrm flipH="1">
+            <a:off x="6033180" y="3768353"/>
+            <a:ext cx="1394202" cy="28678"/>
+          </a:xfrm>
+          <a:prstGeom prst="straightConnector1">
+            <a:avLst/>
+          </a:prstGeom>
+          <a:ln w="28575">
+            <a:solidFill>
+              <a:schemeClr val="tx1"/>
+            </a:solidFill>
+            <a:prstDash val="dash"/>
+            <a:tailEnd type="arrow"/>
+          </a:ln>
+        </p:spPr>
+        <p:style>
+          <a:lnRef idx="1">
+            <a:schemeClr val="accent1"/>
+          </a:lnRef>
+          <a:fillRef idx="0">
+            <a:schemeClr val="accent1"/>
+          </a:fillRef>
+          <a:effectRef idx="0">
+            <a:schemeClr val="accent1"/>
+          </a:effectRef>
+          <a:fontRef idx="minor">
+            <a:schemeClr val="tx1"/>
+          </a:fontRef>
+        </p:style>
+      </p:cxnSp>
+      <p:sp>
+        <p:nvSpPr>
+          <p:cNvPr id="51" name="TextBox 50"/>
+          <p:cNvSpPr txBox="1"/>
+          <p:nvPr/>
+        </p:nvSpPr>
+        <p:spPr>
+          <a:xfrm>
+            <a:off x="6335331" y="3637548"/>
+            <a:ext cx="834964" cy="261610"/>
+          </a:xfrm>
+          <a:prstGeom prst="rect">
+            <a:avLst/>
+          </a:prstGeom>
+          <a:solidFill>
+            <a:schemeClr val="bg1"/>
+          </a:solidFill>
+        </p:spPr>
+        <p:txBody>
+          <a:bodyPr wrap="square" rtlCol="0">
+            <a:spAutoFit/>
+          </a:bodyPr>
+          <a:lstStyle/>
+          <a:p>
+            <a:pPr algn="ctr"/>
+            <a:r>
+              <a:rPr lang="en-US" sz="1100" b="1" dirty="0"/>
+              <a:t>beneficiary</a:t>
+            </a:r>
+          </a:p>
+        </p:txBody>
+      </p:sp>
+      <p:sp>
+        <p:nvSpPr>
+          <p:cNvPr id="33" name="Flowchart: Alternate Process 32"/>
+          <p:cNvSpPr/>
+          <p:nvPr/>
+        </p:nvSpPr>
+        <p:spPr>
+          <a:xfrm>
+            <a:off x="5835990" y="5597053"/>
+            <a:ext cx="1524000" cy="609600"/>
+          </a:xfrm>
+          <a:prstGeom prst="flowChartAlternateProcess">
+            <a:avLst/>
+          </a:prstGeom>
+          <a:ln w="12700">
+            <a:solidFill>
+              <a:schemeClr val="tx2"/>
+            </a:solidFill>
+          </a:ln>
+        </p:spPr>
+        <p:style>
+          <a:lnRef idx="2">
+            <a:schemeClr val="accent1">
+              <a:shade val="50000"/>
+            </a:schemeClr>
+          </a:lnRef>
+          <a:fillRef idx="1">
+            <a:schemeClr val="accent1"/>
+          </a:fillRef>
+          <a:effectRef idx="0">
+            <a:schemeClr val="accent1"/>
+          </a:effectRef>
+          <a:fontRef idx="minor">
+            <a:schemeClr val="lt1"/>
+          </a:fontRef>
+        </p:style>
+        <p:txBody>
+          <a:bodyPr rtlCol="0" anchor="ctr"/>
+          <a:lstStyle/>
+          <a:p>
+            <a:pPr algn="ctr"/>
+            <a:r>
+              <a:rPr lang="en-US" sz="1400" dirty="0">
+                <a:solidFill>
+                  <a:schemeClr val="bg1"/>
+                </a:solidFill>
+              </a:rPr>
+              <a:t>Organization</a:t>
+            </a:r>
+          </a:p>
+        </p:txBody>
+      </p:sp>
+      <p:sp>
+        <p:nvSpPr>
+          <p:cNvPr id="36" name="TextBox 35"/>
+          <p:cNvSpPr txBox="1"/>
+          <p:nvPr/>
+        </p:nvSpPr>
+        <p:spPr>
+          <a:xfrm>
+            <a:off x="6308387" y="1394856"/>
+            <a:ext cx="2683213" cy="584775"/>
+          </a:xfrm>
+          <a:prstGeom prst="rect">
+            <a:avLst/>
+          </a:prstGeom>
+          <a:noFill/>
+          <a:ln w="28575">
+            <a:solidFill>
+              <a:schemeClr val="tx1"/>
+            </a:solidFill>
+          </a:ln>
+        </p:spPr>
+        <p:txBody>
+          <a:bodyPr wrap="square" rtlCol="0">
+            <a:spAutoFit/>
+          </a:bodyPr>
+          <a:lstStyle/>
+          <a:p>
+            <a:r>
+              <a:rPr lang="en-US" sz="1600" dirty="0"/>
+              <a:t>                  Required Resource</a:t>
+            </a:r>
+          </a:p>
+          <a:p>
+            <a:r>
+              <a:rPr lang="en-US" sz="1600" dirty="0"/>
+              <a:t>                  Optional Resource</a:t>
+            </a:r>
+          </a:p>
+        </p:txBody>
+      </p:sp>
+      <p:cxnSp>
+        <p:nvCxnSpPr>
+          <p:cNvPr id="37" name="Straight Arrow Connector 36"/>
+          <p:cNvCxnSpPr/>
+          <p:nvPr/>
+        </p:nvCxnSpPr>
+        <p:spPr>
+          <a:xfrm>
+            <a:off x="6484495" y="1600200"/>
+            <a:ext cx="685800" cy="0"/>
+          </a:xfrm>
+          <a:prstGeom prst="straightConnector1">
+            <a:avLst/>
+          </a:prstGeom>
+          <a:ln w="28575">
+            <a:solidFill>
+              <a:schemeClr val="tx1"/>
+            </a:solidFill>
+            <a:tailEnd type="arrow"/>
+          </a:ln>
+        </p:spPr>
+        <p:style>
+          <a:lnRef idx="1">
+            <a:schemeClr val="accent1"/>
+          </a:lnRef>
+          <a:fillRef idx="0">
+            <a:schemeClr val="accent1"/>
+          </a:fillRef>
+          <a:effectRef idx="0">
+            <a:schemeClr val="accent1"/>
+          </a:effectRef>
+          <a:fontRef idx="minor">
+            <a:schemeClr val="tx1"/>
+          </a:fontRef>
+        </p:style>
+      </p:cxnSp>
+      <p:cxnSp>
+        <p:nvCxnSpPr>
+          <p:cNvPr id="39" name="Straight Arrow Connector 38"/>
+          <p:cNvCxnSpPr/>
+          <p:nvPr/>
+        </p:nvCxnSpPr>
+        <p:spPr>
+          <a:xfrm>
+            <a:off x="6484495" y="1828800"/>
+            <a:ext cx="685800" cy="0"/>
+          </a:xfrm>
+          <a:prstGeom prst="straightConnector1">
+            <a:avLst/>
+          </a:prstGeom>
+          <a:ln w="28575">
+            <a:solidFill>
+              <a:schemeClr val="tx1"/>
+            </a:solidFill>
+            <a:prstDash val="dash"/>
+            <a:tailEnd type="arrow"/>
+          </a:ln>
+        </p:spPr>
+        <p:style>
+          <a:lnRef idx="1">
+            <a:schemeClr val="accent1"/>
+          </a:lnRef>
+          <a:fillRef idx="0">
+            <a:schemeClr val="accent1"/>
+          </a:fillRef>
+          <a:effectRef idx="0">
+            <a:schemeClr val="accent1"/>
+          </a:effectRef>
+          <a:fontRef idx="minor">
+            <a:schemeClr val="tx1"/>
+          </a:fontRef>
+        </p:style>
+      </p:cxnSp>
     </p:spTree>
     <p:extLst>
       <p:ext uri="{BB962C8B-B14F-4D97-AF65-F5344CB8AC3E}">
-        <p14:creationId xmlns:p14="http://schemas.microsoft.com/office/powerpoint/2010/main" val="1282088772"/>
+        <p14:creationId xmlns:p14="http://schemas.microsoft.com/office/powerpoint/2010/main" val="2222641632"/>
       </p:ext>
     </p:extLst>
   </p:cSld>
@@ -6787,14 +11923,21 @@
         <p:spPr/>
         <p:txBody>
           <a:bodyPr>
-            <a:normAutofit fontScale="90000"/>
+            <a:noAutofit/>
           </a:bodyPr>
           <a:lstStyle/>
           <a:p>
             <a:pPr algn="l"/>
             <a:r>
-              <a:rPr lang="en-US" dirty="0"/>
-              <a:t>MeasureReport using Diagnostic Report</a:t>
+              <a:rPr lang="en-US" sz="3600" b="1" dirty="0"/>
+              <a:t>Option 2</a:t>
+            </a:r>
+            <a:br>
+              <a:rPr lang="en-US" sz="3600" b="1" dirty="0"/>
+            </a:br>
+            <a:r>
+              <a:rPr lang="en-US" sz="3600" b="1" dirty="0"/>
+              <a:t>MeasureReport using DiagnosticReport</a:t>
             </a:r>
           </a:p>
         </p:txBody>
@@ -6811,7 +11954,9 @@
         </p:nvSpPr>
         <p:spPr/>
         <p:txBody>
-          <a:bodyPr/>
+          <a:bodyPr>
+            <a:normAutofit lnSpcReduction="10000"/>
+          </a:bodyPr>
           <a:lstStyle/>
           <a:p>
             <a:pPr marL="0" indent="0">
@@ -6819,1120 +11964,29 @@
             </a:pPr>
             <a:r>
               <a:rPr lang="en-US" dirty="0"/>
-              <a:t>  </a:t>
-            </a:r>
-          </a:p>
-        </p:txBody>
-      </p:sp>
-      <p:sp>
-        <p:nvSpPr>
-          <p:cNvPr id="4" name="Flowchart: Alternate Process 3"/>
-          <p:cNvSpPr/>
-          <p:nvPr/>
-        </p:nvSpPr>
-        <p:spPr>
-          <a:xfrm>
-            <a:off x="762000" y="1447800"/>
-            <a:ext cx="1524000" cy="609600"/>
-          </a:xfrm>
-          <a:prstGeom prst="flowChartAlternateProcess">
-            <a:avLst/>
-          </a:prstGeom>
-          <a:ln w="12700">
-            <a:solidFill>
-              <a:schemeClr val="tx2"/>
-            </a:solidFill>
-          </a:ln>
-        </p:spPr>
-        <p:style>
-          <a:lnRef idx="2">
-            <a:schemeClr val="accent1">
-              <a:shade val="50000"/>
-            </a:schemeClr>
-          </a:lnRef>
-          <a:fillRef idx="1">
-            <a:schemeClr val="accent1"/>
-          </a:fillRef>
-          <a:effectRef idx="0">
-            <a:schemeClr val="accent1"/>
-          </a:effectRef>
-          <a:fontRef idx="minor">
-            <a:schemeClr val="lt1"/>
-          </a:fontRef>
-        </p:style>
-        <p:txBody>
-          <a:bodyPr rtlCol="0" anchor="ctr"/>
-          <a:lstStyle/>
-          <a:p>
-            <a:pPr algn="ctr"/>
-            <a:r>
-              <a:rPr lang="en-US" sz="1400" dirty="0">
-                <a:solidFill>
-                  <a:schemeClr val="bg1"/>
-                </a:solidFill>
-              </a:rPr>
-              <a:t>Measure</a:t>
-            </a:r>
-          </a:p>
-        </p:txBody>
-      </p:sp>
-      <p:sp>
-        <p:nvSpPr>
-          <p:cNvPr id="6" name="Flowchart: Alternate Process 5"/>
-          <p:cNvSpPr/>
-          <p:nvPr/>
-        </p:nvSpPr>
-        <p:spPr>
-          <a:xfrm>
-            <a:off x="762000" y="3060970"/>
-            <a:ext cx="1524000" cy="609600"/>
-          </a:xfrm>
-          <a:prstGeom prst="flowChartAlternateProcess">
-            <a:avLst/>
-          </a:prstGeom>
-          <a:ln w="12700">
-            <a:solidFill>
-              <a:schemeClr val="tx2"/>
-            </a:solidFill>
-          </a:ln>
-        </p:spPr>
-        <p:style>
-          <a:lnRef idx="2">
-            <a:schemeClr val="accent1">
-              <a:shade val="50000"/>
-            </a:schemeClr>
-          </a:lnRef>
-          <a:fillRef idx="1">
-            <a:schemeClr val="accent1"/>
-          </a:fillRef>
-          <a:effectRef idx="0">
-            <a:schemeClr val="accent1"/>
-          </a:effectRef>
-          <a:fontRef idx="minor">
-            <a:schemeClr val="lt1"/>
-          </a:fontRef>
-        </p:style>
-        <p:txBody>
-          <a:bodyPr rtlCol="0" anchor="ctr"/>
-          <a:lstStyle/>
-          <a:p>
-            <a:pPr algn="ctr"/>
-            <a:r>
-              <a:rPr lang="en-US" sz="1400" dirty="0">
-                <a:solidFill>
-                  <a:schemeClr val="bg1"/>
-                </a:solidFill>
-              </a:rPr>
-              <a:t>MeasureReport</a:t>
-            </a:r>
-          </a:p>
-        </p:txBody>
-      </p:sp>
-      <p:sp>
-        <p:nvSpPr>
-          <p:cNvPr id="10" name="Flowchart: Alternate Process 9"/>
-          <p:cNvSpPr/>
-          <p:nvPr/>
-        </p:nvSpPr>
-        <p:spPr>
-          <a:xfrm>
-            <a:off x="762000" y="4572000"/>
-            <a:ext cx="1524000" cy="609600"/>
-          </a:xfrm>
-          <a:prstGeom prst="flowChartAlternateProcess">
-            <a:avLst/>
-          </a:prstGeom>
-          <a:ln w="12700">
-            <a:solidFill>
-              <a:schemeClr val="tx2"/>
-            </a:solidFill>
-          </a:ln>
-        </p:spPr>
-        <p:style>
-          <a:lnRef idx="2">
-            <a:schemeClr val="accent1">
-              <a:shade val="50000"/>
-            </a:schemeClr>
-          </a:lnRef>
-          <a:fillRef idx="1">
-            <a:schemeClr val="accent1"/>
-          </a:fillRef>
-          <a:effectRef idx="0">
-            <a:schemeClr val="accent1"/>
-          </a:effectRef>
-          <a:fontRef idx="minor">
-            <a:schemeClr val="lt1"/>
-          </a:fontRef>
-        </p:style>
-        <p:txBody>
-          <a:bodyPr rtlCol="0" anchor="ctr"/>
-          <a:lstStyle/>
-          <a:p>
-            <a:pPr algn="ctr"/>
-            <a:r>
-              <a:rPr lang="en-US" sz="1400" dirty="0" err="1">
-                <a:solidFill>
-                  <a:schemeClr val="bg1"/>
-                </a:solidFill>
-              </a:rPr>
-              <a:t>DiagnosticReport</a:t>
-            </a:r>
-            <a:endParaRPr lang="en-US" sz="1400" dirty="0">
-              <a:solidFill>
-                <a:schemeClr val="bg1"/>
-              </a:solidFill>
-            </a:endParaRPr>
-          </a:p>
-        </p:txBody>
-      </p:sp>
-      <p:sp>
-        <p:nvSpPr>
-          <p:cNvPr id="14" name="Flowchart: Alternate Process 13"/>
-          <p:cNvSpPr/>
-          <p:nvPr/>
-        </p:nvSpPr>
-        <p:spPr>
-          <a:xfrm>
-            <a:off x="4724400" y="1981200"/>
-            <a:ext cx="1524000" cy="609600"/>
-          </a:xfrm>
-          <a:prstGeom prst="flowChartAlternateProcess">
-            <a:avLst/>
-          </a:prstGeom>
-          <a:ln w="12700">
-            <a:solidFill>
-              <a:schemeClr val="tx2"/>
-            </a:solidFill>
-          </a:ln>
-        </p:spPr>
-        <p:style>
-          <a:lnRef idx="2">
-            <a:schemeClr val="accent1">
-              <a:shade val="50000"/>
-            </a:schemeClr>
-          </a:lnRef>
-          <a:fillRef idx="1">
-            <a:schemeClr val="accent1"/>
-          </a:fillRef>
-          <a:effectRef idx="0">
-            <a:schemeClr val="accent1"/>
-          </a:effectRef>
-          <a:fontRef idx="minor">
-            <a:schemeClr val="lt1"/>
-          </a:fontRef>
-        </p:style>
-        <p:txBody>
-          <a:bodyPr rtlCol="0" anchor="ctr"/>
-          <a:lstStyle/>
-          <a:p>
-            <a:pPr algn="ctr"/>
-            <a:r>
-              <a:rPr lang="en-US" sz="1400" dirty="0">
-                <a:solidFill>
-                  <a:schemeClr val="bg1"/>
-                </a:solidFill>
-              </a:rPr>
-              <a:t>Organization</a:t>
-            </a:r>
-          </a:p>
-        </p:txBody>
-      </p:sp>
-      <p:sp>
-        <p:nvSpPr>
-          <p:cNvPr id="15" name="Flowchart: Alternate Process 14"/>
-          <p:cNvSpPr/>
-          <p:nvPr/>
-        </p:nvSpPr>
-        <p:spPr>
-          <a:xfrm>
-            <a:off x="4732506" y="3859634"/>
-            <a:ext cx="1524000" cy="609600"/>
-          </a:xfrm>
-          <a:prstGeom prst="flowChartAlternateProcess">
-            <a:avLst/>
-          </a:prstGeom>
-          <a:ln w="12700">
-            <a:solidFill>
-              <a:schemeClr val="tx2"/>
-            </a:solidFill>
-          </a:ln>
-        </p:spPr>
-        <p:style>
-          <a:lnRef idx="2">
-            <a:schemeClr val="accent1">
-              <a:shade val="50000"/>
-            </a:schemeClr>
-          </a:lnRef>
-          <a:fillRef idx="1">
-            <a:schemeClr val="accent1"/>
-          </a:fillRef>
-          <a:effectRef idx="0">
-            <a:schemeClr val="accent1"/>
-          </a:effectRef>
-          <a:fontRef idx="minor">
-            <a:schemeClr val="lt1"/>
-          </a:fontRef>
-        </p:style>
-        <p:txBody>
-          <a:bodyPr rtlCol="0" anchor="ctr"/>
-          <a:lstStyle/>
-          <a:p>
-            <a:pPr algn="ctr"/>
-            <a:r>
-              <a:rPr lang="en-US" sz="1400" dirty="0">
-                <a:solidFill>
-                  <a:schemeClr val="bg1"/>
-                </a:solidFill>
-              </a:rPr>
-              <a:t>Patient</a:t>
-            </a:r>
-          </a:p>
-        </p:txBody>
-      </p:sp>
-      <p:cxnSp>
-        <p:nvCxnSpPr>
-          <p:cNvPr id="17" name="Straight Arrow Connector 16"/>
-          <p:cNvCxnSpPr>
-            <a:stCxn id="6" idx="0"/>
-            <a:endCxn id="4" idx="2"/>
-          </p:cNvCxnSpPr>
-          <p:nvPr/>
-        </p:nvCxnSpPr>
-        <p:spPr>
-          <a:xfrm flipV="1">
-            <a:off x="1524000" y="2057400"/>
-            <a:ext cx="0" cy="1003570"/>
-          </a:xfrm>
-          <a:prstGeom prst="straightConnector1">
-            <a:avLst/>
-          </a:prstGeom>
-          <a:ln w="28575">
-            <a:solidFill>
-              <a:schemeClr val="tx1"/>
-            </a:solidFill>
-            <a:tailEnd type="arrow"/>
-          </a:ln>
-        </p:spPr>
-        <p:style>
-          <a:lnRef idx="1">
-            <a:schemeClr val="accent1"/>
-          </a:lnRef>
-          <a:fillRef idx="0">
-            <a:schemeClr val="accent1"/>
-          </a:fillRef>
-          <a:effectRef idx="0">
-            <a:schemeClr val="accent1"/>
-          </a:effectRef>
-          <a:fontRef idx="minor">
-            <a:schemeClr val="tx1"/>
-          </a:fontRef>
-        </p:style>
-      </p:cxnSp>
-      <p:cxnSp>
-        <p:nvCxnSpPr>
-          <p:cNvPr id="19" name="Straight Arrow Connector 18"/>
-          <p:cNvCxnSpPr/>
-          <p:nvPr/>
-        </p:nvCxnSpPr>
-        <p:spPr>
-          <a:xfrm>
-            <a:off x="1540213" y="3578157"/>
-            <a:ext cx="0" cy="993843"/>
-          </a:xfrm>
-          <a:prstGeom prst="straightConnector1">
-            <a:avLst/>
-          </a:prstGeom>
-          <a:ln w="28575">
-            <a:solidFill>
-              <a:schemeClr val="tx1"/>
-            </a:solidFill>
-            <a:tailEnd type="arrow"/>
-          </a:ln>
-        </p:spPr>
-        <p:style>
-          <a:lnRef idx="1">
-            <a:schemeClr val="accent1"/>
-          </a:lnRef>
-          <a:fillRef idx="0">
-            <a:schemeClr val="accent1"/>
-          </a:fillRef>
-          <a:effectRef idx="0">
-            <a:schemeClr val="accent1"/>
-          </a:effectRef>
-          <a:fontRef idx="minor">
-            <a:schemeClr val="tx1"/>
-          </a:fontRef>
-        </p:style>
-      </p:cxnSp>
-      <p:sp>
-        <p:nvSpPr>
-          <p:cNvPr id="23" name="TextBox 22"/>
-          <p:cNvSpPr txBox="1"/>
-          <p:nvPr/>
-        </p:nvSpPr>
-        <p:spPr>
-          <a:xfrm>
-            <a:off x="990600" y="2590800"/>
-            <a:ext cx="1143000" cy="261610"/>
-          </a:xfrm>
-          <a:prstGeom prst="rect">
-            <a:avLst/>
-          </a:prstGeom>
-          <a:solidFill>
-            <a:schemeClr val="bg1"/>
-          </a:solidFill>
-        </p:spPr>
-        <p:txBody>
-          <a:bodyPr wrap="square" rtlCol="0">
-            <a:spAutoFit/>
-          </a:bodyPr>
-          <a:lstStyle/>
-          <a:p>
-            <a:pPr algn="ctr"/>
-            <a:r>
-              <a:rPr lang="en-US" sz="1100" b="1" dirty="0"/>
-              <a:t>measure</a:t>
-            </a:r>
-          </a:p>
-        </p:txBody>
-      </p:sp>
-      <p:cxnSp>
-        <p:nvCxnSpPr>
-          <p:cNvPr id="26" name="Straight Arrow Connector 25"/>
-          <p:cNvCxnSpPr>
-            <a:stCxn id="6" idx="3"/>
-            <a:endCxn id="14" idx="1"/>
-          </p:cNvCxnSpPr>
-          <p:nvPr/>
-        </p:nvCxnSpPr>
-        <p:spPr>
-          <a:xfrm flipV="1">
-            <a:off x="2286000" y="2286000"/>
-            <a:ext cx="2438400" cy="1079770"/>
-          </a:xfrm>
-          <a:prstGeom prst="straightConnector1">
-            <a:avLst/>
-          </a:prstGeom>
-          <a:ln w="28575">
-            <a:solidFill>
-              <a:schemeClr val="tx1"/>
-            </a:solidFill>
-            <a:tailEnd type="arrow"/>
-          </a:ln>
-        </p:spPr>
-        <p:style>
-          <a:lnRef idx="1">
-            <a:schemeClr val="accent1"/>
-          </a:lnRef>
-          <a:fillRef idx="0">
-            <a:schemeClr val="accent1"/>
-          </a:fillRef>
-          <a:effectRef idx="0">
-            <a:schemeClr val="accent1"/>
-          </a:effectRef>
-          <a:fontRef idx="minor">
-            <a:schemeClr val="tx1"/>
-          </a:fontRef>
-        </p:style>
-      </p:cxnSp>
-      <p:cxnSp>
-        <p:nvCxnSpPr>
-          <p:cNvPr id="30" name="Straight Arrow Connector 29"/>
-          <p:cNvCxnSpPr>
-            <a:stCxn id="6" idx="3"/>
-            <a:endCxn id="15" idx="1"/>
-          </p:cNvCxnSpPr>
-          <p:nvPr/>
-        </p:nvCxnSpPr>
-        <p:spPr>
-          <a:xfrm>
-            <a:off x="2286000" y="3365770"/>
-            <a:ext cx="2446506" cy="798664"/>
-          </a:xfrm>
-          <a:prstGeom prst="straightConnector1">
-            <a:avLst/>
-          </a:prstGeom>
-          <a:ln w="28575">
-            <a:solidFill>
-              <a:schemeClr val="tx1"/>
-            </a:solidFill>
-            <a:tailEnd type="arrow"/>
-          </a:ln>
-        </p:spPr>
-        <p:style>
-          <a:lnRef idx="1">
-            <a:schemeClr val="accent1"/>
-          </a:lnRef>
-          <a:fillRef idx="0">
-            <a:schemeClr val="accent1"/>
-          </a:fillRef>
-          <a:effectRef idx="0">
-            <a:schemeClr val="accent1"/>
-          </a:effectRef>
-          <a:fontRef idx="minor">
-            <a:schemeClr val="tx1"/>
-          </a:fontRef>
-        </p:style>
-      </p:cxnSp>
-      <p:sp>
-        <p:nvSpPr>
-          <p:cNvPr id="32" name="TextBox 31"/>
-          <p:cNvSpPr txBox="1"/>
-          <p:nvPr/>
-        </p:nvSpPr>
-        <p:spPr>
-          <a:xfrm>
-            <a:off x="3124200" y="2559185"/>
-            <a:ext cx="1676400" cy="261610"/>
-          </a:xfrm>
-          <a:prstGeom prst="rect">
-            <a:avLst/>
-          </a:prstGeom>
-          <a:solidFill>
-            <a:schemeClr val="bg1"/>
-          </a:solidFill>
-        </p:spPr>
-        <p:txBody>
-          <a:bodyPr wrap="square" rtlCol="0">
-            <a:spAutoFit/>
-          </a:bodyPr>
-          <a:lstStyle/>
-          <a:p>
-            <a:pPr algn="ctr"/>
-            <a:r>
-              <a:rPr lang="en-US" sz="1100" b="1" dirty="0"/>
-              <a:t>reporter</a:t>
-            </a:r>
-          </a:p>
-        </p:txBody>
-      </p:sp>
-      <p:sp>
-        <p:nvSpPr>
-          <p:cNvPr id="34" name="TextBox 33"/>
-          <p:cNvSpPr txBox="1"/>
-          <p:nvPr/>
-        </p:nvSpPr>
-        <p:spPr>
-          <a:xfrm>
-            <a:off x="721063" y="3944273"/>
-            <a:ext cx="1638300" cy="261610"/>
-          </a:xfrm>
-          <a:prstGeom prst="rect">
-            <a:avLst/>
-          </a:prstGeom>
-          <a:solidFill>
-            <a:schemeClr val="bg1"/>
-          </a:solidFill>
-        </p:spPr>
-        <p:txBody>
-          <a:bodyPr wrap="square" rtlCol="0">
-            <a:spAutoFit/>
-          </a:bodyPr>
-          <a:lstStyle/>
-          <a:p>
-            <a:pPr algn="ctr"/>
-            <a:r>
-              <a:rPr lang="en-US" sz="1100" b="1" dirty="0"/>
-              <a:t>evaluatedResources</a:t>
-            </a:r>
-          </a:p>
-        </p:txBody>
-      </p:sp>
-      <p:sp>
-        <p:nvSpPr>
-          <p:cNvPr id="35" name="TextBox 34"/>
-          <p:cNvSpPr txBox="1"/>
-          <p:nvPr/>
-        </p:nvSpPr>
-        <p:spPr>
-          <a:xfrm>
-            <a:off x="2729822" y="3588794"/>
-            <a:ext cx="1143000" cy="261610"/>
-          </a:xfrm>
-          <a:prstGeom prst="rect">
-            <a:avLst/>
-          </a:prstGeom>
-          <a:solidFill>
-            <a:schemeClr val="bg1"/>
-          </a:solidFill>
-        </p:spPr>
-        <p:txBody>
-          <a:bodyPr wrap="square" rtlCol="0">
-            <a:spAutoFit/>
-          </a:bodyPr>
-          <a:lstStyle/>
-          <a:p>
-            <a:pPr algn="ctr"/>
-            <a:r>
-              <a:rPr lang="en-US" sz="1100" b="1" dirty="0"/>
-              <a:t>subject</a:t>
-            </a:r>
-          </a:p>
-        </p:txBody>
-      </p:sp>
-      <p:cxnSp>
-        <p:nvCxnSpPr>
-          <p:cNvPr id="40" name="Straight Arrow Connector 39"/>
-          <p:cNvCxnSpPr>
-            <a:stCxn id="10" idx="3"/>
-            <a:endCxn id="15" idx="1"/>
-          </p:cNvCxnSpPr>
-          <p:nvPr/>
-        </p:nvCxnSpPr>
-        <p:spPr>
-          <a:xfrm flipV="1">
-            <a:off x="2286000" y="4164434"/>
-            <a:ext cx="2446506" cy="712366"/>
-          </a:xfrm>
-          <a:prstGeom prst="straightConnector1">
-            <a:avLst/>
-          </a:prstGeom>
-          <a:ln w="28575">
-            <a:solidFill>
-              <a:schemeClr val="tx1"/>
-            </a:solidFill>
-            <a:tailEnd type="arrow"/>
-          </a:ln>
-        </p:spPr>
-        <p:style>
-          <a:lnRef idx="1">
-            <a:schemeClr val="accent1"/>
-          </a:lnRef>
-          <a:fillRef idx="0">
-            <a:schemeClr val="accent1"/>
-          </a:fillRef>
-          <a:effectRef idx="0">
-            <a:schemeClr val="accent1"/>
-          </a:effectRef>
-          <a:fontRef idx="minor">
-            <a:schemeClr val="tx1"/>
-          </a:fontRef>
-        </p:style>
-      </p:cxnSp>
-      <p:sp>
-        <p:nvSpPr>
-          <p:cNvPr id="38" name="TextBox 37"/>
-          <p:cNvSpPr txBox="1"/>
-          <p:nvPr/>
-        </p:nvSpPr>
-        <p:spPr>
-          <a:xfrm>
-            <a:off x="3191887" y="4338429"/>
-            <a:ext cx="1143000" cy="261610"/>
-          </a:xfrm>
-          <a:prstGeom prst="rect">
-            <a:avLst/>
-          </a:prstGeom>
-          <a:solidFill>
-            <a:schemeClr val="bg1"/>
-          </a:solidFill>
-        </p:spPr>
-        <p:txBody>
-          <a:bodyPr wrap="square" rtlCol="0">
-            <a:spAutoFit/>
-          </a:bodyPr>
-          <a:lstStyle/>
-          <a:p>
-            <a:pPr algn="ctr"/>
-            <a:r>
-              <a:rPr lang="en-US" sz="1100" b="1" dirty="0"/>
-              <a:t>subject</a:t>
-            </a:r>
-          </a:p>
-        </p:txBody>
-      </p:sp>
-      <p:sp>
-        <p:nvSpPr>
-          <p:cNvPr id="20" name="Flowchart: Alternate Process 19"/>
-          <p:cNvSpPr/>
-          <p:nvPr/>
-        </p:nvSpPr>
-        <p:spPr>
-          <a:xfrm>
-            <a:off x="5257800" y="5791200"/>
-            <a:ext cx="1524000" cy="609600"/>
-          </a:xfrm>
-          <a:prstGeom prst="flowChartAlternateProcess">
-            <a:avLst/>
-          </a:prstGeom>
-          <a:ln w="12700">
-            <a:solidFill>
-              <a:schemeClr val="tx2"/>
-            </a:solidFill>
-          </a:ln>
-        </p:spPr>
-        <p:style>
-          <a:lnRef idx="2">
-            <a:schemeClr val="accent1">
-              <a:shade val="50000"/>
-            </a:schemeClr>
-          </a:lnRef>
-          <a:fillRef idx="1">
-            <a:schemeClr val="accent1"/>
-          </a:fillRef>
-          <a:effectRef idx="0">
-            <a:schemeClr val="accent1"/>
-          </a:effectRef>
-          <a:fontRef idx="minor">
-            <a:schemeClr val="lt1"/>
-          </a:fontRef>
-        </p:style>
-        <p:txBody>
-          <a:bodyPr rtlCol="0" anchor="ctr"/>
-          <a:lstStyle/>
-          <a:p>
-            <a:pPr algn="ctr"/>
-            <a:r>
-              <a:rPr lang="en-US" sz="1400" dirty="0">
-                <a:solidFill>
-                  <a:schemeClr val="bg1"/>
-                </a:solidFill>
-              </a:rPr>
-              <a:t>Practitioner</a:t>
-            </a:r>
-          </a:p>
-        </p:txBody>
-      </p:sp>
-      <p:sp>
-        <p:nvSpPr>
-          <p:cNvPr id="21" name="Flowchart: Alternate Process 20"/>
-          <p:cNvSpPr/>
-          <p:nvPr/>
-        </p:nvSpPr>
-        <p:spPr>
-          <a:xfrm>
-            <a:off x="4753583" y="4725978"/>
-            <a:ext cx="1524000" cy="609600"/>
-          </a:xfrm>
-          <a:prstGeom prst="flowChartAlternateProcess">
-            <a:avLst/>
-          </a:prstGeom>
-          <a:ln w="12700">
-            <a:solidFill>
-              <a:schemeClr val="tx2"/>
-            </a:solidFill>
-          </a:ln>
-        </p:spPr>
-        <p:style>
-          <a:lnRef idx="2">
-            <a:schemeClr val="accent1">
-              <a:shade val="50000"/>
-            </a:schemeClr>
-          </a:lnRef>
-          <a:fillRef idx="1">
-            <a:schemeClr val="accent1"/>
-          </a:fillRef>
-          <a:effectRef idx="0">
-            <a:schemeClr val="accent1"/>
-          </a:effectRef>
-          <a:fontRef idx="minor">
-            <a:schemeClr val="lt1"/>
-          </a:fontRef>
-        </p:style>
-        <p:txBody>
-          <a:bodyPr rtlCol="0" anchor="ctr"/>
-          <a:lstStyle/>
-          <a:p>
-            <a:pPr algn="ctr"/>
-            <a:r>
-              <a:rPr lang="en-US" sz="1400" dirty="0">
-                <a:solidFill>
-                  <a:schemeClr val="bg1"/>
-                </a:solidFill>
-              </a:rPr>
-              <a:t>Encounter</a:t>
-            </a:r>
-          </a:p>
-        </p:txBody>
-      </p:sp>
-      <p:cxnSp>
-        <p:nvCxnSpPr>
-          <p:cNvPr id="7" name="Straight Arrow Connector 6"/>
-          <p:cNvCxnSpPr>
-            <a:stCxn id="10" idx="3"/>
-            <a:endCxn id="21" idx="1"/>
-          </p:cNvCxnSpPr>
-          <p:nvPr/>
-        </p:nvCxnSpPr>
-        <p:spPr>
-          <a:xfrm>
-            <a:off x="2286000" y="4876800"/>
-            <a:ext cx="2467583" cy="153978"/>
-          </a:xfrm>
-          <a:prstGeom prst="straightConnector1">
-            <a:avLst/>
-          </a:prstGeom>
-          <a:ln w="28575">
-            <a:solidFill>
-              <a:schemeClr val="tx1"/>
-            </a:solidFill>
-            <a:prstDash val="dash"/>
-            <a:tailEnd type="arrow"/>
-          </a:ln>
-        </p:spPr>
-        <p:style>
-          <a:lnRef idx="1">
-            <a:schemeClr val="accent1"/>
-          </a:lnRef>
-          <a:fillRef idx="0">
-            <a:schemeClr val="accent1"/>
-          </a:fillRef>
-          <a:effectRef idx="0">
-            <a:schemeClr val="accent1"/>
-          </a:effectRef>
-          <a:fontRef idx="minor">
-            <a:schemeClr val="tx1"/>
-          </a:fontRef>
-        </p:style>
-      </p:cxnSp>
-      <p:cxnSp>
-        <p:nvCxnSpPr>
-          <p:cNvPr id="9" name="Straight Arrow Connector 8"/>
-          <p:cNvCxnSpPr>
-            <a:stCxn id="10" idx="3"/>
-            <a:endCxn id="20" idx="1"/>
-          </p:cNvCxnSpPr>
-          <p:nvPr/>
-        </p:nvCxnSpPr>
-        <p:spPr>
-          <a:xfrm>
-            <a:off x="2286000" y="4876800"/>
-            <a:ext cx="2971800" cy="1219200"/>
-          </a:xfrm>
-          <a:prstGeom prst="straightConnector1">
-            <a:avLst/>
-          </a:prstGeom>
-          <a:ln w="28575">
-            <a:solidFill>
-              <a:schemeClr val="tx1"/>
-            </a:solidFill>
-            <a:prstDash val="dash"/>
-            <a:tailEnd type="arrow"/>
-          </a:ln>
-        </p:spPr>
-        <p:style>
-          <a:lnRef idx="1">
-            <a:schemeClr val="accent1"/>
-          </a:lnRef>
-          <a:fillRef idx="0">
-            <a:schemeClr val="accent1"/>
-          </a:fillRef>
-          <a:effectRef idx="0">
-            <a:schemeClr val="accent1"/>
-          </a:effectRef>
-          <a:fontRef idx="minor">
-            <a:schemeClr val="tx1"/>
-          </a:fontRef>
-        </p:style>
-      </p:cxnSp>
-      <p:sp>
-        <p:nvSpPr>
-          <p:cNvPr id="27" name="TextBox 26"/>
-          <p:cNvSpPr txBox="1"/>
-          <p:nvPr/>
-        </p:nvSpPr>
-        <p:spPr>
-          <a:xfrm>
-            <a:off x="3105149" y="5284611"/>
-            <a:ext cx="1238249" cy="261610"/>
-          </a:xfrm>
-          <a:prstGeom prst="rect">
-            <a:avLst/>
-          </a:prstGeom>
-          <a:solidFill>
-            <a:schemeClr val="bg1"/>
-          </a:solidFill>
-        </p:spPr>
-        <p:txBody>
-          <a:bodyPr wrap="square" rtlCol="0">
-            <a:spAutoFit/>
-          </a:bodyPr>
-          <a:lstStyle/>
-          <a:p>
-            <a:pPr algn="ctr"/>
-            <a:r>
-              <a:rPr lang="en-US" sz="1100" b="1" dirty="0"/>
-              <a:t>performer</a:t>
-            </a:r>
-          </a:p>
-        </p:txBody>
-      </p:sp>
-      <p:sp>
-        <p:nvSpPr>
-          <p:cNvPr id="28" name="TextBox 27"/>
-          <p:cNvSpPr txBox="1"/>
-          <p:nvPr/>
-        </p:nvSpPr>
-        <p:spPr>
-          <a:xfrm>
-            <a:off x="3105149" y="4841958"/>
-            <a:ext cx="1207515" cy="261610"/>
-          </a:xfrm>
-          <a:prstGeom prst="rect">
-            <a:avLst/>
-          </a:prstGeom>
-          <a:solidFill>
-            <a:schemeClr val="bg1"/>
-          </a:solidFill>
-        </p:spPr>
-        <p:txBody>
-          <a:bodyPr wrap="square" rtlCol="0">
-            <a:spAutoFit/>
-          </a:bodyPr>
-          <a:lstStyle/>
-          <a:p>
-            <a:pPr algn="ctr"/>
-            <a:r>
-              <a:rPr lang="en-US" sz="1100" b="1" dirty="0"/>
-              <a:t>encounter</a:t>
-            </a:r>
-          </a:p>
-        </p:txBody>
-      </p:sp>
-      <p:sp>
-        <p:nvSpPr>
-          <p:cNvPr id="48" name="Flowchart: Alternate Process 47"/>
-          <p:cNvSpPr/>
-          <p:nvPr/>
-        </p:nvSpPr>
-        <p:spPr>
-          <a:xfrm>
-            <a:off x="6865856" y="2859480"/>
-            <a:ext cx="1524000" cy="609600"/>
-          </a:xfrm>
-          <a:prstGeom prst="flowChartAlternateProcess">
-            <a:avLst/>
-          </a:prstGeom>
-          <a:ln w="12700">
-            <a:solidFill>
-              <a:schemeClr val="tx2"/>
-            </a:solidFill>
-          </a:ln>
-        </p:spPr>
-        <p:style>
-          <a:lnRef idx="2">
-            <a:schemeClr val="accent1">
-              <a:shade val="50000"/>
-            </a:schemeClr>
-          </a:lnRef>
-          <a:fillRef idx="1">
-            <a:schemeClr val="accent1"/>
-          </a:fillRef>
-          <a:effectRef idx="0">
-            <a:schemeClr val="accent1"/>
-          </a:effectRef>
-          <a:fontRef idx="minor">
-            <a:schemeClr val="lt1"/>
-          </a:fontRef>
-        </p:style>
-        <p:txBody>
-          <a:bodyPr rtlCol="0" anchor="ctr"/>
-          <a:lstStyle/>
-          <a:p>
-            <a:pPr algn="ctr"/>
-            <a:r>
-              <a:rPr lang="en-US" sz="1400" dirty="0">
-                <a:solidFill>
-                  <a:schemeClr val="bg1"/>
-                </a:solidFill>
-              </a:rPr>
-              <a:t>Coverage</a:t>
-            </a:r>
-          </a:p>
-        </p:txBody>
-      </p:sp>
-      <p:cxnSp>
-        <p:nvCxnSpPr>
-          <p:cNvPr id="50" name="Straight Arrow Connector 49"/>
-          <p:cNvCxnSpPr>
-            <a:stCxn id="48" idx="1"/>
-            <a:endCxn id="15" idx="3"/>
-          </p:cNvCxnSpPr>
-          <p:nvPr/>
-        </p:nvCxnSpPr>
-        <p:spPr>
-          <a:xfrm flipH="1">
-            <a:off x="6256506" y="3164280"/>
-            <a:ext cx="609350" cy="1000154"/>
-          </a:xfrm>
-          <a:prstGeom prst="straightConnector1">
-            <a:avLst/>
-          </a:prstGeom>
-          <a:ln w="28575">
-            <a:solidFill>
-              <a:schemeClr val="tx1"/>
-            </a:solidFill>
-            <a:prstDash val="dash"/>
-            <a:tailEnd type="arrow"/>
-          </a:ln>
-        </p:spPr>
-        <p:style>
-          <a:lnRef idx="1">
-            <a:schemeClr val="accent1"/>
-          </a:lnRef>
-          <a:fillRef idx="0">
-            <a:schemeClr val="accent1"/>
-          </a:fillRef>
-          <a:effectRef idx="0">
-            <a:schemeClr val="accent1"/>
-          </a:effectRef>
-          <a:fontRef idx="minor">
-            <a:schemeClr val="tx1"/>
-          </a:fontRef>
-        </p:style>
-      </p:cxnSp>
-      <p:sp>
-        <p:nvSpPr>
-          <p:cNvPr id="51" name="TextBox 50"/>
-          <p:cNvSpPr txBox="1"/>
-          <p:nvPr/>
-        </p:nvSpPr>
-        <p:spPr>
-          <a:xfrm>
-            <a:off x="6248400" y="3498834"/>
-            <a:ext cx="901837" cy="261610"/>
-          </a:xfrm>
-          <a:prstGeom prst="rect">
-            <a:avLst/>
-          </a:prstGeom>
-          <a:solidFill>
-            <a:schemeClr val="bg1"/>
-          </a:solidFill>
-        </p:spPr>
-        <p:txBody>
-          <a:bodyPr wrap="square" rtlCol="0">
-            <a:spAutoFit/>
-          </a:bodyPr>
-          <a:lstStyle/>
-          <a:p>
-            <a:pPr algn="ctr"/>
-            <a:r>
-              <a:rPr lang="en-US" sz="1100" b="1" dirty="0"/>
-              <a:t>beneficiary</a:t>
-            </a:r>
-          </a:p>
-        </p:txBody>
-      </p:sp>
-      <p:sp>
-        <p:nvSpPr>
-          <p:cNvPr id="33" name="Flowchart: Alternate Process 32"/>
-          <p:cNvSpPr/>
-          <p:nvPr/>
-        </p:nvSpPr>
-        <p:spPr>
-          <a:xfrm>
-            <a:off x="2362200" y="5697006"/>
-            <a:ext cx="1524000" cy="609600"/>
-          </a:xfrm>
-          <a:prstGeom prst="flowChartAlternateProcess">
-            <a:avLst/>
-          </a:prstGeom>
-          <a:ln w="12700">
-            <a:solidFill>
-              <a:schemeClr val="tx2"/>
-            </a:solidFill>
-          </a:ln>
-        </p:spPr>
-        <p:style>
-          <a:lnRef idx="2">
-            <a:schemeClr val="accent1">
-              <a:shade val="50000"/>
-            </a:schemeClr>
-          </a:lnRef>
-          <a:fillRef idx="1">
-            <a:schemeClr val="accent1"/>
-          </a:fillRef>
-          <a:effectRef idx="0">
-            <a:schemeClr val="accent1"/>
-          </a:effectRef>
-          <a:fontRef idx="minor">
-            <a:schemeClr val="lt1"/>
-          </a:fontRef>
-        </p:style>
-        <p:txBody>
-          <a:bodyPr rtlCol="0" anchor="ctr"/>
-          <a:lstStyle/>
-          <a:p>
-            <a:pPr algn="ctr"/>
-            <a:r>
-              <a:rPr lang="en-US" sz="1400" dirty="0">
-                <a:solidFill>
-                  <a:schemeClr val="bg1"/>
-                </a:solidFill>
-              </a:rPr>
-              <a:t>Observation</a:t>
-            </a:r>
-          </a:p>
-        </p:txBody>
-      </p:sp>
-      <p:cxnSp>
-        <p:nvCxnSpPr>
-          <p:cNvPr id="11" name="Straight Arrow Connector 10"/>
-          <p:cNvCxnSpPr>
-            <a:stCxn id="10" idx="2"/>
-            <a:endCxn id="33" idx="0"/>
-          </p:cNvCxnSpPr>
-          <p:nvPr/>
-        </p:nvCxnSpPr>
-        <p:spPr>
-          <a:xfrm>
-            <a:off x="1524000" y="5181600"/>
-            <a:ext cx="1600200" cy="515406"/>
-          </a:xfrm>
-          <a:prstGeom prst="straightConnector1">
-            <a:avLst/>
-          </a:prstGeom>
-          <a:ln w="19050">
-            <a:solidFill>
-              <a:schemeClr val="tx1"/>
-            </a:solidFill>
-            <a:prstDash val="dash"/>
-            <a:tailEnd type="arrow"/>
-          </a:ln>
-        </p:spPr>
-        <p:style>
-          <a:lnRef idx="1">
-            <a:schemeClr val="accent1"/>
-          </a:lnRef>
-          <a:fillRef idx="0">
-            <a:schemeClr val="accent1"/>
-          </a:fillRef>
-          <a:effectRef idx="0">
-            <a:schemeClr val="accent1"/>
-          </a:effectRef>
-          <a:fontRef idx="minor">
-            <a:schemeClr val="tx1"/>
-          </a:fontRef>
-        </p:style>
-      </p:cxnSp>
-      <p:sp>
-        <p:nvSpPr>
-          <p:cNvPr id="42" name="TextBox 41"/>
-          <p:cNvSpPr txBox="1"/>
-          <p:nvPr/>
-        </p:nvSpPr>
-        <p:spPr>
-          <a:xfrm>
-            <a:off x="1638297" y="5301779"/>
-            <a:ext cx="1104900" cy="261610"/>
-          </a:xfrm>
-          <a:prstGeom prst="rect">
-            <a:avLst/>
-          </a:prstGeom>
-          <a:solidFill>
-            <a:schemeClr val="bg1"/>
-          </a:solidFill>
-        </p:spPr>
-        <p:txBody>
-          <a:bodyPr wrap="square" rtlCol="0">
-            <a:spAutoFit/>
-          </a:bodyPr>
-          <a:lstStyle/>
-          <a:p>
-            <a:pPr algn="ctr"/>
-            <a:r>
-              <a:rPr lang="en-US" sz="1100" b="1" dirty="0"/>
-              <a:t>result</a:t>
+              <a:t>Another way a member can meet a screening measure is when certain procedures are performed and a report generated.  In FHIR, the report is documented in a DiagnosticReport.  The measure indicates what </a:t>
+            </a:r>
+            <a:r>
+              <a:rPr lang="en-US" dirty="0" err="1"/>
+              <a:t>ValueSets</a:t>
+            </a:r>
+            <a:r>
+              <a:rPr lang="en-US" dirty="0"/>
+              <a:t>/Codes can be used to report this </a:t>
+            </a:r>
+            <a:r>
+              <a:rPr lang="en-US" dirty="0" err="1"/>
+              <a:t>meaure</a:t>
+            </a:r>
+            <a:endParaRPr lang="en-US" dirty="0"/>
+          </a:p>
+          <a:p>
+            <a:pPr marL="0" indent="0">
+              <a:buNone/>
+            </a:pPr>
+            <a:r>
+              <a:rPr lang="en-US" dirty="0"/>
+              <a:t>The following diagram shows how that would be represented in a DEQM Individual MeasureReport with associated resources</a:t>
             </a:r>
           </a:p>
         </p:txBody>
@@ -7940,7 +11994,7 @@
     </p:spTree>
     <p:extLst>
       <p:ext uri="{BB962C8B-B14F-4D97-AF65-F5344CB8AC3E}">
-        <p14:creationId xmlns:p14="http://schemas.microsoft.com/office/powerpoint/2010/main" val="437957880"/>
+        <p14:creationId xmlns:p14="http://schemas.microsoft.com/office/powerpoint/2010/main" val="1282088772"/>
       </p:ext>
     </p:extLst>
   </p:cSld>
@@ -7987,14 +12041,7 @@
             <a:pPr algn="l"/>
             <a:r>
               <a:rPr lang="en-US" dirty="0"/>
-              <a:t>Option 3</a:t>
-            </a:r>
-            <a:br>
-              <a:rPr lang="en-US" dirty="0"/>
-            </a:br>
-            <a:r>
-              <a:rPr lang="en-US" dirty="0"/>
-              <a:t>MeasureReport using Procedure</a:t>
+              <a:t>MeasureReport using Diagnostic Report</a:t>
             </a:r>
           </a:p>
         </p:txBody>
@@ -8011,9 +12058,7 @@
         </p:nvSpPr>
         <p:spPr/>
         <p:txBody>
-          <a:bodyPr>
-            <a:normAutofit fontScale="92500" lnSpcReduction="20000"/>
-          </a:bodyPr>
+          <a:bodyPr/>
           <a:lstStyle/>
           <a:p>
             <a:pPr marL="0" indent="0">
@@ -8021,33 +12066,1115 @@
             </a:pPr>
             <a:r>
               <a:rPr lang="en-US" dirty="0"/>
-              <a:t>There are often times exclusions in a screening measure.  An exclusion is something that removes the requirement for a screening measure.</a:t>
-            </a:r>
-          </a:p>
-          <a:p>
-            <a:pPr marL="0" indent="0">
-              <a:buNone/>
-            </a:pPr>
-            <a:r>
-              <a:rPr lang="en-US" dirty="0"/>
-              <a:t>In Option 3, we show an example of where a certain procedure removes the requirement for Colorectal Cancer Screening.  As with the other options, the measure defines the </a:t>
-            </a:r>
-            <a:r>
-              <a:rPr lang="en-US" dirty="0" err="1"/>
-              <a:t>valueset</a:t>
-            </a:r>
-            <a:r>
-              <a:rPr lang="en-US" dirty="0"/>
-              <a:t>/codes that constitute a qualifying procedure</a:t>
-            </a:r>
-          </a:p>
-          <a:p>
-            <a:pPr marL="0" indent="0">
-              <a:buNone/>
-            </a:pPr>
-            <a:r>
-              <a:rPr lang="en-US" dirty="0"/>
-              <a:t>The following diagram shows how you would use a DEQM Individual MeasureReport and associated resources to report a procedure</a:t>
+              <a:t>  </a:t>
+            </a:r>
+          </a:p>
+        </p:txBody>
+      </p:sp>
+      <p:sp>
+        <p:nvSpPr>
+          <p:cNvPr id="4" name="Flowchart: Alternate Process 3"/>
+          <p:cNvSpPr/>
+          <p:nvPr/>
+        </p:nvSpPr>
+        <p:spPr>
+          <a:xfrm>
+            <a:off x="762000" y="1447800"/>
+            <a:ext cx="1524000" cy="609600"/>
+          </a:xfrm>
+          <a:prstGeom prst="flowChartAlternateProcess">
+            <a:avLst/>
+          </a:prstGeom>
+          <a:ln w="12700">
+            <a:solidFill>
+              <a:schemeClr val="tx2"/>
+            </a:solidFill>
+          </a:ln>
+        </p:spPr>
+        <p:style>
+          <a:lnRef idx="2">
+            <a:schemeClr val="accent1">
+              <a:shade val="50000"/>
+            </a:schemeClr>
+          </a:lnRef>
+          <a:fillRef idx="1">
+            <a:schemeClr val="accent1"/>
+          </a:fillRef>
+          <a:effectRef idx="0">
+            <a:schemeClr val="accent1"/>
+          </a:effectRef>
+          <a:fontRef idx="minor">
+            <a:schemeClr val="lt1"/>
+          </a:fontRef>
+        </p:style>
+        <p:txBody>
+          <a:bodyPr rtlCol="0" anchor="ctr"/>
+          <a:lstStyle/>
+          <a:p>
+            <a:pPr algn="ctr"/>
+            <a:r>
+              <a:rPr lang="en-US" sz="1400" dirty="0">
+                <a:solidFill>
+                  <a:schemeClr val="bg1"/>
+                </a:solidFill>
+              </a:rPr>
+              <a:t>Measure</a:t>
+            </a:r>
+          </a:p>
+        </p:txBody>
+      </p:sp>
+      <p:sp>
+        <p:nvSpPr>
+          <p:cNvPr id="6" name="Flowchart: Alternate Process 5"/>
+          <p:cNvSpPr/>
+          <p:nvPr/>
+        </p:nvSpPr>
+        <p:spPr>
+          <a:xfrm>
+            <a:off x="762000" y="3060970"/>
+            <a:ext cx="1524000" cy="609600"/>
+          </a:xfrm>
+          <a:prstGeom prst="flowChartAlternateProcess">
+            <a:avLst/>
+          </a:prstGeom>
+          <a:ln w="12700">
+            <a:solidFill>
+              <a:schemeClr val="tx2"/>
+            </a:solidFill>
+          </a:ln>
+        </p:spPr>
+        <p:style>
+          <a:lnRef idx="2">
+            <a:schemeClr val="accent1">
+              <a:shade val="50000"/>
+            </a:schemeClr>
+          </a:lnRef>
+          <a:fillRef idx="1">
+            <a:schemeClr val="accent1"/>
+          </a:fillRef>
+          <a:effectRef idx="0">
+            <a:schemeClr val="accent1"/>
+          </a:effectRef>
+          <a:fontRef idx="minor">
+            <a:schemeClr val="lt1"/>
+          </a:fontRef>
+        </p:style>
+        <p:txBody>
+          <a:bodyPr rtlCol="0" anchor="ctr"/>
+          <a:lstStyle/>
+          <a:p>
+            <a:pPr algn="ctr"/>
+            <a:r>
+              <a:rPr lang="en-US" sz="1400" dirty="0">
+                <a:solidFill>
+                  <a:schemeClr val="bg1"/>
+                </a:solidFill>
+              </a:rPr>
+              <a:t>MeasureReport</a:t>
+            </a:r>
+          </a:p>
+        </p:txBody>
+      </p:sp>
+      <p:sp>
+        <p:nvSpPr>
+          <p:cNvPr id="10" name="Flowchart: Alternate Process 9"/>
+          <p:cNvSpPr/>
+          <p:nvPr/>
+        </p:nvSpPr>
+        <p:spPr>
+          <a:xfrm>
+            <a:off x="762000" y="4572000"/>
+            <a:ext cx="1524000" cy="609600"/>
+          </a:xfrm>
+          <a:prstGeom prst="flowChartAlternateProcess">
+            <a:avLst/>
+          </a:prstGeom>
+          <a:ln w="12700">
+            <a:solidFill>
+              <a:schemeClr val="tx2"/>
+            </a:solidFill>
+          </a:ln>
+        </p:spPr>
+        <p:style>
+          <a:lnRef idx="2">
+            <a:schemeClr val="accent1">
+              <a:shade val="50000"/>
+            </a:schemeClr>
+          </a:lnRef>
+          <a:fillRef idx="1">
+            <a:schemeClr val="accent1"/>
+          </a:fillRef>
+          <a:effectRef idx="0">
+            <a:schemeClr val="accent1"/>
+          </a:effectRef>
+          <a:fontRef idx="minor">
+            <a:schemeClr val="lt1"/>
+          </a:fontRef>
+        </p:style>
+        <p:txBody>
+          <a:bodyPr rtlCol="0" anchor="ctr"/>
+          <a:lstStyle/>
+          <a:p>
+            <a:pPr algn="ctr"/>
+            <a:r>
+              <a:rPr lang="en-US" sz="1400" dirty="0">
+                <a:solidFill>
+                  <a:schemeClr val="bg1"/>
+                </a:solidFill>
+              </a:rPr>
+              <a:t>DiagnosticReport</a:t>
+            </a:r>
+          </a:p>
+        </p:txBody>
+      </p:sp>
+      <p:sp>
+        <p:nvSpPr>
+          <p:cNvPr id="14" name="Flowchart: Alternate Process 13"/>
+          <p:cNvSpPr/>
+          <p:nvPr/>
+        </p:nvSpPr>
+        <p:spPr>
+          <a:xfrm>
+            <a:off x="4724400" y="1981200"/>
+            <a:ext cx="1524000" cy="609600"/>
+          </a:xfrm>
+          <a:prstGeom prst="flowChartAlternateProcess">
+            <a:avLst/>
+          </a:prstGeom>
+          <a:ln w="12700">
+            <a:solidFill>
+              <a:schemeClr val="tx2"/>
+            </a:solidFill>
+          </a:ln>
+        </p:spPr>
+        <p:style>
+          <a:lnRef idx="2">
+            <a:schemeClr val="accent1">
+              <a:shade val="50000"/>
+            </a:schemeClr>
+          </a:lnRef>
+          <a:fillRef idx="1">
+            <a:schemeClr val="accent1"/>
+          </a:fillRef>
+          <a:effectRef idx="0">
+            <a:schemeClr val="accent1"/>
+          </a:effectRef>
+          <a:fontRef idx="minor">
+            <a:schemeClr val="lt1"/>
+          </a:fontRef>
+        </p:style>
+        <p:txBody>
+          <a:bodyPr rtlCol="0" anchor="ctr"/>
+          <a:lstStyle/>
+          <a:p>
+            <a:pPr algn="ctr"/>
+            <a:r>
+              <a:rPr lang="en-US" sz="1400" dirty="0">
+                <a:solidFill>
+                  <a:schemeClr val="bg1"/>
+                </a:solidFill>
+              </a:rPr>
+              <a:t>Organization</a:t>
+            </a:r>
+          </a:p>
+        </p:txBody>
+      </p:sp>
+      <p:sp>
+        <p:nvSpPr>
+          <p:cNvPr id="15" name="Flowchart: Alternate Process 14"/>
+          <p:cNvSpPr/>
+          <p:nvPr/>
+        </p:nvSpPr>
+        <p:spPr>
+          <a:xfrm>
+            <a:off x="4732506" y="3859634"/>
+            <a:ext cx="1524000" cy="609600"/>
+          </a:xfrm>
+          <a:prstGeom prst="flowChartAlternateProcess">
+            <a:avLst/>
+          </a:prstGeom>
+          <a:ln w="12700">
+            <a:solidFill>
+              <a:schemeClr val="tx2"/>
+            </a:solidFill>
+          </a:ln>
+        </p:spPr>
+        <p:style>
+          <a:lnRef idx="2">
+            <a:schemeClr val="accent1">
+              <a:shade val="50000"/>
+            </a:schemeClr>
+          </a:lnRef>
+          <a:fillRef idx="1">
+            <a:schemeClr val="accent1"/>
+          </a:fillRef>
+          <a:effectRef idx="0">
+            <a:schemeClr val="accent1"/>
+          </a:effectRef>
+          <a:fontRef idx="minor">
+            <a:schemeClr val="lt1"/>
+          </a:fontRef>
+        </p:style>
+        <p:txBody>
+          <a:bodyPr rtlCol="0" anchor="ctr"/>
+          <a:lstStyle/>
+          <a:p>
+            <a:pPr algn="ctr"/>
+            <a:r>
+              <a:rPr lang="en-US" sz="1400" dirty="0">
+                <a:solidFill>
+                  <a:schemeClr val="bg1"/>
+                </a:solidFill>
+              </a:rPr>
+              <a:t>Patient</a:t>
+            </a:r>
+          </a:p>
+        </p:txBody>
+      </p:sp>
+      <p:cxnSp>
+        <p:nvCxnSpPr>
+          <p:cNvPr id="17" name="Straight Arrow Connector 16"/>
+          <p:cNvCxnSpPr>
+            <a:stCxn id="6" idx="0"/>
+            <a:endCxn id="4" idx="2"/>
+          </p:cNvCxnSpPr>
+          <p:nvPr/>
+        </p:nvCxnSpPr>
+        <p:spPr>
+          <a:xfrm flipV="1">
+            <a:off x="1524000" y="2057400"/>
+            <a:ext cx="0" cy="1003570"/>
+          </a:xfrm>
+          <a:prstGeom prst="straightConnector1">
+            <a:avLst/>
+          </a:prstGeom>
+          <a:ln w="28575">
+            <a:solidFill>
+              <a:schemeClr val="tx1"/>
+            </a:solidFill>
+            <a:tailEnd type="arrow"/>
+          </a:ln>
+        </p:spPr>
+        <p:style>
+          <a:lnRef idx="1">
+            <a:schemeClr val="accent1"/>
+          </a:lnRef>
+          <a:fillRef idx="0">
+            <a:schemeClr val="accent1"/>
+          </a:fillRef>
+          <a:effectRef idx="0">
+            <a:schemeClr val="accent1"/>
+          </a:effectRef>
+          <a:fontRef idx="minor">
+            <a:schemeClr val="tx1"/>
+          </a:fontRef>
+        </p:style>
+      </p:cxnSp>
+      <p:cxnSp>
+        <p:nvCxnSpPr>
+          <p:cNvPr id="19" name="Straight Arrow Connector 18"/>
+          <p:cNvCxnSpPr/>
+          <p:nvPr/>
+        </p:nvCxnSpPr>
+        <p:spPr>
+          <a:xfrm>
+            <a:off x="1540213" y="3578157"/>
+            <a:ext cx="0" cy="993843"/>
+          </a:xfrm>
+          <a:prstGeom prst="straightConnector1">
+            <a:avLst/>
+          </a:prstGeom>
+          <a:ln w="28575">
+            <a:solidFill>
+              <a:schemeClr val="tx1"/>
+            </a:solidFill>
+            <a:tailEnd type="arrow"/>
+          </a:ln>
+        </p:spPr>
+        <p:style>
+          <a:lnRef idx="1">
+            <a:schemeClr val="accent1"/>
+          </a:lnRef>
+          <a:fillRef idx="0">
+            <a:schemeClr val="accent1"/>
+          </a:fillRef>
+          <a:effectRef idx="0">
+            <a:schemeClr val="accent1"/>
+          </a:effectRef>
+          <a:fontRef idx="minor">
+            <a:schemeClr val="tx1"/>
+          </a:fontRef>
+        </p:style>
+      </p:cxnSp>
+      <p:sp>
+        <p:nvSpPr>
+          <p:cNvPr id="23" name="TextBox 22"/>
+          <p:cNvSpPr txBox="1"/>
+          <p:nvPr/>
+        </p:nvSpPr>
+        <p:spPr>
+          <a:xfrm>
+            <a:off x="990600" y="2590800"/>
+            <a:ext cx="1143000" cy="261610"/>
+          </a:xfrm>
+          <a:prstGeom prst="rect">
+            <a:avLst/>
+          </a:prstGeom>
+          <a:solidFill>
+            <a:schemeClr val="bg1"/>
+          </a:solidFill>
+        </p:spPr>
+        <p:txBody>
+          <a:bodyPr wrap="square" rtlCol="0">
+            <a:spAutoFit/>
+          </a:bodyPr>
+          <a:lstStyle/>
+          <a:p>
+            <a:pPr algn="ctr"/>
+            <a:r>
+              <a:rPr lang="en-US" sz="1100" b="1" dirty="0"/>
+              <a:t>measure</a:t>
+            </a:r>
+          </a:p>
+        </p:txBody>
+      </p:sp>
+      <p:cxnSp>
+        <p:nvCxnSpPr>
+          <p:cNvPr id="26" name="Straight Arrow Connector 25"/>
+          <p:cNvCxnSpPr>
+            <a:stCxn id="6" idx="3"/>
+            <a:endCxn id="14" idx="1"/>
+          </p:cNvCxnSpPr>
+          <p:nvPr/>
+        </p:nvCxnSpPr>
+        <p:spPr>
+          <a:xfrm flipV="1">
+            <a:off x="2286000" y="2286000"/>
+            <a:ext cx="2438400" cy="1079770"/>
+          </a:xfrm>
+          <a:prstGeom prst="straightConnector1">
+            <a:avLst/>
+          </a:prstGeom>
+          <a:ln w="28575">
+            <a:solidFill>
+              <a:schemeClr val="tx1"/>
+            </a:solidFill>
+            <a:tailEnd type="arrow"/>
+          </a:ln>
+        </p:spPr>
+        <p:style>
+          <a:lnRef idx="1">
+            <a:schemeClr val="accent1"/>
+          </a:lnRef>
+          <a:fillRef idx="0">
+            <a:schemeClr val="accent1"/>
+          </a:fillRef>
+          <a:effectRef idx="0">
+            <a:schemeClr val="accent1"/>
+          </a:effectRef>
+          <a:fontRef idx="minor">
+            <a:schemeClr val="tx1"/>
+          </a:fontRef>
+        </p:style>
+      </p:cxnSp>
+      <p:cxnSp>
+        <p:nvCxnSpPr>
+          <p:cNvPr id="30" name="Straight Arrow Connector 29"/>
+          <p:cNvCxnSpPr>
+            <a:stCxn id="6" idx="3"/>
+            <a:endCxn id="15" idx="1"/>
+          </p:cNvCxnSpPr>
+          <p:nvPr/>
+        </p:nvCxnSpPr>
+        <p:spPr>
+          <a:xfrm>
+            <a:off x="2286000" y="3365770"/>
+            <a:ext cx="2446506" cy="798664"/>
+          </a:xfrm>
+          <a:prstGeom prst="straightConnector1">
+            <a:avLst/>
+          </a:prstGeom>
+          <a:ln w="28575">
+            <a:solidFill>
+              <a:schemeClr val="tx1"/>
+            </a:solidFill>
+            <a:tailEnd type="arrow"/>
+          </a:ln>
+        </p:spPr>
+        <p:style>
+          <a:lnRef idx="1">
+            <a:schemeClr val="accent1"/>
+          </a:lnRef>
+          <a:fillRef idx="0">
+            <a:schemeClr val="accent1"/>
+          </a:fillRef>
+          <a:effectRef idx="0">
+            <a:schemeClr val="accent1"/>
+          </a:effectRef>
+          <a:fontRef idx="minor">
+            <a:schemeClr val="tx1"/>
+          </a:fontRef>
+        </p:style>
+      </p:cxnSp>
+      <p:sp>
+        <p:nvSpPr>
+          <p:cNvPr id="32" name="TextBox 31"/>
+          <p:cNvSpPr txBox="1"/>
+          <p:nvPr/>
+        </p:nvSpPr>
+        <p:spPr>
+          <a:xfrm>
+            <a:off x="3124200" y="2559185"/>
+            <a:ext cx="1676400" cy="261610"/>
+          </a:xfrm>
+          <a:prstGeom prst="rect">
+            <a:avLst/>
+          </a:prstGeom>
+          <a:solidFill>
+            <a:schemeClr val="bg1"/>
+          </a:solidFill>
+        </p:spPr>
+        <p:txBody>
+          <a:bodyPr wrap="square" rtlCol="0">
+            <a:spAutoFit/>
+          </a:bodyPr>
+          <a:lstStyle/>
+          <a:p>
+            <a:pPr algn="ctr"/>
+            <a:r>
+              <a:rPr lang="en-US" sz="1100" b="1" dirty="0"/>
+              <a:t>reporter</a:t>
+            </a:r>
+          </a:p>
+        </p:txBody>
+      </p:sp>
+      <p:sp>
+        <p:nvSpPr>
+          <p:cNvPr id="34" name="TextBox 33"/>
+          <p:cNvSpPr txBox="1"/>
+          <p:nvPr/>
+        </p:nvSpPr>
+        <p:spPr>
+          <a:xfrm>
+            <a:off x="721063" y="3944273"/>
+            <a:ext cx="1638300" cy="261610"/>
+          </a:xfrm>
+          <a:prstGeom prst="rect">
+            <a:avLst/>
+          </a:prstGeom>
+          <a:solidFill>
+            <a:schemeClr val="bg1"/>
+          </a:solidFill>
+        </p:spPr>
+        <p:txBody>
+          <a:bodyPr wrap="square" rtlCol="0">
+            <a:spAutoFit/>
+          </a:bodyPr>
+          <a:lstStyle/>
+          <a:p>
+            <a:pPr algn="ctr"/>
+            <a:r>
+              <a:rPr lang="en-US" sz="1100" b="1" dirty="0"/>
+              <a:t>evaluatedResources</a:t>
+            </a:r>
+          </a:p>
+        </p:txBody>
+      </p:sp>
+      <p:sp>
+        <p:nvSpPr>
+          <p:cNvPr id="35" name="TextBox 34"/>
+          <p:cNvSpPr txBox="1"/>
+          <p:nvPr/>
+        </p:nvSpPr>
+        <p:spPr>
+          <a:xfrm>
+            <a:off x="2729822" y="3588794"/>
+            <a:ext cx="1143000" cy="261610"/>
+          </a:xfrm>
+          <a:prstGeom prst="rect">
+            <a:avLst/>
+          </a:prstGeom>
+          <a:solidFill>
+            <a:schemeClr val="bg1"/>
+          </a:solidFill>
+        </p:spPr>
+        <p:txBody>
+          <a:bodyPr wrap="square" rtlCol="0">
+            <a:spAutoFit/>
+          </a:bodyPr>
+          <a:lstStyle/>
+          <a:p>
+            <a:pPr algn="ctr"/>
+            <a:r>
+              <a:rPr lang="en-US" sz="1100" b="1" dirty="0"/>
+              <a:t>subject</a:t>
+            </a:r>
+          </a:p>
+        </p:txBody>
+      </p:sp>
+      <p:cxnSp>
+        <p:nvCxnSpPr>
+          <p:cNvPr id="40" name="Straight Arrow Connector 39"/>
+          <p:cNvCxnSpPr>
+            <a:stCxn id="10" idx="3"/>
+            <a:endCxn id="15" idx="1"/>
+          </p:cNvCxnSpPr>
+          <p:nvPr/>
+        </p:nvCxnSpPr>
+        <p:spPr>
+          <a:xfrm flipV="1">
+            <a:off x="2286000" y="4164434"/>
+            <a:ext cx="2446506" cy="712366"/>
+          </a:xfrm>
+          <a:prstGeom prst="straightConnector1">
+            <a:avLst/>
+          </a:prstGeom>
+          <a:ln w="28575">
+            <a:solidFill>
+              <a:schemeClr val="tx1"/>
+            </a:solidFill>
+            <a:tailEnd type="arrow"/>
+          </a:ln>
+        </p:spPr>
+        <p:style>
+          <a:lnRef idx="1">
+            <a:schemeClr val="accent1"/>
+          </a:lnRef>
+          <a:fillRef idx="0">
+            <a:schemeClr val="accent1"/>
+          </a:fillRef>
+          <a:effectRef idx="0">
+            <a:schemeClr val="accent1"/>
+          </a:effectRef>
+          <a:fontRef idx="minor">
+            <a:schemeClr val="tx1"/>
+          </a:fontRef>
+        </p:style>
+      </p:cxnSp>
+      <p:sp>
+        <p:nvSpPr>
+          <p:cNvPr id="38" name="TextBox 37"/>
+          <p:cNvSpPr txBox="1"/>
+          <p:nvPr/>
+        </p:nvSpPr>
+        <p:spPr>
+          <a:xfrm>
+            <a:off x="3191887" y="4338429"/>
+            <a:ext cx="1143000" cy="261610"/>
+          </a:xfrm>
+          <a:prstGeom prst="rect">
+            <a:avLst/>
+          </a:prstGeom>
+          <a:solidFill>
+            <a:schemeClr val="bg1"/>
+          </a:solidFill>
+        </p:spPr>
+        <p:txBody>
+          <a:bodyPr wrap="square" rtlCol="0">
+            <a:spAutoFit/>
+          </a:bodyPr>
+          <a:lstStyle/>
+          <a:p>
+            <a:pPr algn="ctr"/>
+            <a:r>
+              <a:rPr lang="en-US" sz="1100" b="1" dirty="0"/>
+              <a:t>subject</a:t>
+            </a:r>
+          </a:p>
+        </p:txBody>
+      </p:sp>
+      <p:sp>
+        <p:nvSpPr>
+          <p:cNvPr id="20" name="Flowchart: Alternate Process 19"/>
+          <p:cNvSpPr/>
+          <p:nvPr/>
+        </p:nvSpPr>
+        <p:spPr>
+          <a:xfrm>
+            <a:off x="5257800" y="5791200"/>
+            <a:ext cx="1524000" cy="609600"/>
+          </a:xfrm>
+          <a:prstGeom prst="flowChartAlternateProcess">
+            <a:avLst/>
+          </a:prstGeom>
+          <a:ln w="12700">
+            <a:solidFill>
+              <a:schemeClr val="tx2"/>
+            </a:solidFill>
+          </a:ln>
+        </p:spPr>
+        <p:style>
+          <a:lnRef idx="2">
+            <a:schemeClr val="accent1">
+              <a:shade val="50000"/>
+            </a:schemeClr>
+          </a:lnRef>
+          <a:fillRef idx="1">
+            <a:schemeClr val="accent1"/>
+          </a:fillRef>
+          <a:effectRef idx="0">
+            <a:schemeClr val="accent1"/>
+          </a:effectRef>
+          <a:fontRef idx="minor">
+            <a:schemeClr val="lt1"/>
+          </a:fontRef>
+        </p:style>
+        <p:txBody>
+          <a:bodyPr rtlCol="0" anchor="ctr"/>
+          <a:lstStyle/>
+          <a:p>
+            <a:pPr algn="ctr"/>
+            <a:r>
+              <a:rPr lang="en-US" sz="1400" dirty="0">
+                <a:solidFill>
+                  <a:schemeClr val="bg1"/>
+                </a:solidFill>
+              </a:rPr>
+              <a:t>Practitioner</a:t>
+            </a:r>
+          </a:p>
+        </p:txBody>
+      </p:sp>
+      <p:sp>
+        <p:nvSpPr>
+          <p:cNvPr id="21" name="Flowchart: Alternate Process 20"/>
+          <p:cNvSpPr/>
+          <p:nvPr/>
+        </p:nvSpPr>
+        <p:spPr>
+          <a:xfrm>
+            <a:off x="4753583" y="4725978"/>
+            <a:ext cx="1524000" cy="609600"/>
+          </a:xfrm>
+          <a:prstGeom prst="flowChartAlternateProcess">
+            <a:avLst/>
+          </a:prstGeom>
+          <a:ln w="12700">
+            <a:solidFill>
+              <a:schemeClr val="tx2"/>
+            </a:solidFill>
+          </a:ln>
+        </p:spPr>
+        <p:style>
+          <a:lnRef idx="2">
+            <a:schemeClr val="accent1">
+              <a:shade val="50000"/>
+            </a:schemeClr>
+          </a:lnRef>
+          <a:fillRef idx="1">
+            <a:schemeClr val="accent1"/>
+          </a:fillRef>
+          <a:effectRef idx="0">
+            <a:schemeClr val="accent1"/>
+          </a:effectRef>
+          <a:fontRef idx="minor">
+            <a:schemeClr val="lt1"/>
+          </a:fontRef>
+        </p:style>
+        <p:txBody>
+          <a:bodyPr rtlCol="0" anchor="ctr"/>
+          <a:lstStyle/>
+          <a:p>
+            <a:pPr algn="ctr"/>
+            <a:r>
+              <a:rPr lang="en-US" sz="1400" dirty="0">
+                <a:solidFill>
+                  <a:schemeClr val="bg1"/>
+                </a:solidFill>
+              </a:rPr>
+              <a:t>Encounter</a:t>
+            </a:r>
+          </a:p>
+        </p:txBody>
+      </p:sp>
+      <p:cxnSp>
+        <p:nvCxnSpPr>
+          <p:cNvPr id="7" name="Straight Arrow Connector 6"/>
+          <p:cNvCxnSpPr>
+            <a:stCxn id="10" idx="3"/>
+            <a:endCxn id="21" idx="1"/>
+          </p:cNvCxnSpPr>
+          <p:nvPr/>
+        </p:nvCxnSpPr>
+        <p:spPr>
+          <a:xfrm>
+            <a:off x="2286000" y="4876800"/>
+            <a:ext cx="2467583" cy="153978"/>
+          </a:xfrm>
+          <a:prstGeom prst="straightConnector1">
+            <a:avLst/>
+          </a:prstGeom>
+          <a:ln w="28575">
+            <a:solidFill>
+              <a:schemeClr val="tx1"/>
+            </a:solidFill>
+            <a:prstDash val="dash"/>
+            <a:tailEnd type="arrow"/>
+          </a:ln>
+        </p:spPr>
+        <p:style>
+          <a:lnRef idx="1">
+            <a:schemeClr val="accent1"/>
+          </a:lnRef>
+          <a:fillRef idx="0">
+            <a:schemeClr val="accent1"/>
+          </a:fillRef>
+          <a:effectRef idx="0">
+            <a:schemeClr val="accent1"/>
+          </a:effectRef>
+          <a:fontRef idx="minor">
+            <a:schemeClr val="tx1"/>
+          </a:fontRef>
+        </p:style>
+      </p:cxnSp>
+      <p:cxnSp>
+        <p:nvCxnSpPr>
+          <p:cNvPr id="9" name="Straight Arrow Connector 8"/>
+          <p:cNvCxnSpPr>
+            <a:stCxn id="10" idx="3"/>
+            <a:endCxn id="20" idx="1"/>
+          </p:cNvCxnSpPr>
+          <p:nvPr/>
+        </p:nvCxnSpPr>
+        <p:spPr>
+          <a:xfrm>
+            <a:off x="2286000" y="4876800"/>
+            <a:ext cx="2971800" cy="1219200"/>
+          </a:xfrm>
+          <a:prstGeom prst="straightConnector1">
+            <a:avLst/>
+          </a:prstGeom>
+          <a:ln w="28575">
+            <a:solidFill>
+              <a:schemeClr val="tx1"/>
+            </a:solidFill>
+            <a:prstDash val="dash"/>
+            <a:tailEnd type="arrow"/>
+          </a:ln>
+        </p:spPr>
+        <p:style>
+          <a:lnRef idx="1">
+            <a:schemeClr val="accent1"/>
+          </a:lnRef>
+          <a:fillRef idx="0">
+            <a:schemeClr val="accent1"/>
+          </a:fillRef>
+          <a:effectRef idx="0">
+            <a:schemeClr val="accent1"/>
+          </a:effectRef>
+          <a:fontRef idx="minor">
+            <a:schemeClr val="tx1"/>
+          </a:fontRef>
+        </p:style>
+      </p:cxnSp>
+      <p:sp>
+        <p:nvSpPr>
+          <p:cNvPr id="27" name="TextBox 26"/>
+          <p:cNvSpPr txBox="1"/>
+          <p:nvPr/>
+        </p:nvSpPr>
+        <p:spPr>
+          <a:xfrm>
+            <a:off x="3105149" y="5284611"/>
+            <a:ext cx="1238249" cy="261610"/>
+          </a:xfrm>
+          <a:prstGeom prst="rect">
+            <a:avLst/>
+          </a:prstGeom>
+          <a:solidFill>
+            <a:schemeClr val="bg1"/>
+          </a:solidFill>
+        </p:spPr>
+        <p:txBody>
+          <a:bodyPr wrap="square" rtlCol="0">
+            <a:spAutoFit/>
+          </a:bodyPr>
+          <a:lstStyle/>
+          <a:p>
+            <a:pPr algn="ctr"/>
+            <a:r>
+              <a:rPr lang="en-US" sz="1100" b="1" dirty="0"/>
+              <a:t>performer</a:t>
+            </a:r>
+          </a:p>
+        </p:txBody>
+      </p:sp>
+      <p:sp>
+        <p:nvSpPr>
+          <p:cNvPr id="28" name="TextBox 27"/>
+          <p:cNvSpPr txBox="1"/>
+          <p:nvPr/>
+        </p:nvSpPr>
+        <p:spPr>
+          <a:xfrm>
+            <a:off x="3105149" y="4841958"/>
+            <a:ext cx="1207515" cy="261610"/>
+          </a:xfrm>
+          <a:prstGeom prst="rect">
+            <a:avLst/>
+          </a:prstGeom>
+          <a:solidFill>
+            <a:schemeClr val="bg1"/>
+          </a:solidFill>
+        </p:spPr>
+        <p:txBody>
+          <a:bodyPr wrap="square" rtlCol="0">
+            <a:spAutoFit/>
+          </a:bodyPr>
+          <a:lstStyle/>
+          <a:p>
+            <a:pPr algn="ctr"/>
+            <a:r>
+              <a:rPr lang="en-US" sz="1100" b="1" dirty="0"/>
+              <a:t>encounter</a:t>
+            </a:r>
+          </a:p>
+        </p:txBody>
+      </p:sp>
+      <p:sp>
+        <p:nvSpPr>
+          <p:cNvPr id="48" name="Flowchart: Alternate Process 47"/>
+          <p:cNvSpPr/>
+          <p:nvPr/>
+        </p:nvSpPr>
+        <p:spPr>
+          <a:xfrm>
+            <a:off x="6865856" y="2859480"/>
+            <a:ext cx="1524000" cy="609600"/>
+          </a:xfrm>
+          <a:prstGeom prst="flowChartAlternateProcess">
+            <a:avLst/>
+          </a:prstGeom>
+          <a:ln w="12700">
+            <a:solidFill>
+              <a:schemeClr val="tx2"/>
+            </a:solidFill>
+          </a:ln>
+        </p:spPr>
+        <p:style>
+          <a:lnRef idx="2">
+            <a:schemeClr val="accent1">
+              <a:shade val="50000"/>
+            </a:schemeClr>
+          </a:lnRef>
+          <a:fillRef idx="1">
+            <a:schemeClr val="accent1"/>
+          </a:fillRef>
+          <a:effectRef idx="0">
+            <a:schemeClr val="accent1"/>
+          </a:effectRef>
+          <a:fontRef idx="minor">
+            <a:schemeClr val="lt1"/>
+          </a:fontRef>
+        </p:style>
+        <p:txBody>
+          <a:bodyPr rtlCol="0" anchor="ctr"/>
+          <a:lstStyle/>
+          <a:p>
+            <a:pPr algn="ctr"/>
+            <a:r>
+              <a:rPr lang="en-US" sz="1400" dirty="0">
+                <a:solidFill>
+                  <a:schemeClr val="bg1"/>
+                </a:solidFill>
+              </a:rPr>
+              <a:t>Coverage</a:t>
+            </a:r>
+          </a:p>
+        </p:txBody>
+      </p:sp>
+      <p:cxnSp>
+        <p:nvCxnSpPr>
+          <p:cNvPr id="50" name="Straight Arrow Connector 49"/>
+          <p:cNvCxnSpPr>
+            <a:stCxn id="48" idx="1"/>
+            <a:endCxn id="15" idx="3"/>
+          </p:cNvCxnSpPr>
+          <p:nvPr/>
+        </p:nvCxnSpPr>
+        <p:spPr>
+          <a:xfrm flipH="1">
+            <a:off x="6256506" y="3164280"/>
+            <a:ext cx="609350" cy="1000154"/>
+          </a:xfrm>
+          <a:prstGeom prst="straightConnector1">
+            <a:avLst/>
+          </a:prstGeom>
+          <a:ln w="28575">
+            <a:solidFill>
+              <a:schemeClr val="tx1"/>
+            </a:solidFill>
+            <a:prstDash val="dash"/>
+            <a:tailEnd type="arrow"/>
+          </a:ln>
+        </p:spPr>
+        <p:style>
+          <a:lnRef idx="1">
+            <a:schemeClr val="accent1"/>
+          </a:lnRef>
+          <a:fillRef idx="0">
+            <a:schemeClr val="accent1"/>
+          </a:fillRef>
+          <a:effectRef idx="0">
+            <a:schemeClr val="accent1"/>
+          </a:effectRef>
+          <a:fontRef idx="minor">
+            <a:schemeClr val="tx1"/>
+          </a:fontRef>
+        </p:style>
+      </p:cxnSp>
+      <p:sp>
+        <p:nvSpPr>
+          <p:cNvPr id="51" name="TextBox 50"/>
+          <p:cNvSpPr txBox="1"/>
+          <p:nvPr/>
+        </p:nvSpPr>
+        <p:spPr>
+          <a:xfrm>
+            <a:off x="6248400" y="3498834"/>
+            <a:ext cx="901837" cy="261610"/>
+          </a:xfrm>
+          <a:prstGeom prst="rect">
+            <a:avLst/>
+          </a:prstGeom>
+          <a:solidFill>
+            <a:schemeClr val="bg1"/>
+          </a:solidFill>
+        </p:spPr>
+        <p:txBody>
+          <a:bodyPr wrap="square" rtlCol="0">
+            <a:spAutoFit/>
+          </a:bodyPr>
+          <a:lstStyle/>
+          <a:p>
+            <a:pPr algn="ctr"/>
+            <a:r>
+              <a:rPr lang="en-US" sz="1100" b="1" dirty="0"/>
+              <a:t>beneficiary</a:t>
+            </a:r>
+          </a:p>
+        </p:txBody>
+      </p:sp>
+      <p:sp>
+        <p:nvSpPr>
+          <p:cNvPr id="33" name="Flowchart: Alternate Process 32"/>
+          <p:cNvSpPr/>
+          <p:nvPr/>
+        </p:nvSpPr>
+        <p:spPr>
+          <a:xfrm>
+            <a:off x="2362200" y="5697006"/>
+            <a:ext cx="1524000" cy="609600"/>
+          </a:xfrm>
+          <a:prstGeom prst="flowChartAlternateProcess">
+            <a:avLst/>
+          </a:prstGeom>
+          <a:ln w="12700">
+            <a:solidFill>
+              <a:schemeClr val="tx2"/>
+            </a:solidFill>
+          </a:ln>
+        </p:spPr>
+        <p:style>
+          <a:lnRef idx="2">
+            <a:schemeClr val="accent1">
+              <a:shade val="50000"/>
+            </a:schemeClr>
+          </a:lnRef>
+          <a:fillRef idx="1">
+            <a:schemeClr val="accent1"/>
+          </a:fillRef>
+          <a:effectRef idx="0">
+            <a:schemeClr val="accent1"/>
+          </a:effectRef>
+          <a:fontRef idx="minor">
+            <a:schemeClr val="lt1"/>
+          </a:fontRef>
+        </p:style>
+        <p:txBody>
+          <a:bodyPr rtlCol="0" anchor="ctr"/>
+          <a:lstStyle/>
+          <a:p>
+            <a:pPr algn="ctr"/>
+            <a:r>
+              <a:rPr lang="en-US" sz="1400" dirty="0">
+                <a:solidFill>
+                  <a:schemeClr val="bg1"/>
+                </a:solidFill>
+              </a:rPr>
+              <a:t>Observation</a:t>
+            </a:r>
+          </a:p>
+        </p:txBody>
+      </p:sp>
+      <p:cxnSp>
+        <p:nvCxnSpPr>
+          <p:cNvPr id="11" name="Straight Arrow Connector 10"/>
+          <p:cNvCxnSpPr>
+            <a:stCxn id="10" idx="2"/>
+            <a:endCxn id="33" idx="0"/>
+          </p:cNvCxnSpPr>
+          <p:nvPr/>
+        </p:nvCxnSpPr>
+        <p:spPr>
+          <a:xfrm>
+            <a:off x="1524000" y="5181600"/>
+            <a:ext cx="1600200" cy="515406"/>
+          </a:xfrm>
+          <a:prstGeom prst="straightConnector1">
+            <a:avLst/>
+          </a:prstGeom>
+          <a:ln w="19050">
+            <a:solidFill>
+              <a:schemeClr val="tx1"/>
+            </a:solidFill>
+            <a:prstDash val="dash"/>
+            <a:tailEnd type="arrow"/>
+          </a:ln>
+        </p:spPr>
+        <p:style>
+          <a:lnRef idx="1">
+            <a:schemeClr val="accent1"/>
+          </a:lnRef>
+          <a:fillRef idx="0">
+            <a:schemeClr val="accent1"/>
+          </a:fillRef>
+          <a:effectRef idx="0">
+            <a:schemeClr val="accent1"/>
+          </a:effectRef>
+          <a:fontRef idx="minor">
+            <a:schemeClr val="tx1"/>
+          </a:fontRef>
+        </p:style>
+      </p:cxnSp>
+      <p:sp>
+        <p:nvSpPr>
+          <p:cNvPr id="42" name="TextBox 41"/>
+          <p:cNvSpPr txBox="1"/>
+          <p:nvPr/>
+        </p:nvSpPr>
+        <p:spPr>
+          <a:xfrm>
+            <a:off x="1638297" y="5301779"/>
+            <a:ext cx="1104900" cy="261610"/>
+          </a:xfrm>
+          <a:prstGeom prst="rect">
+            <a:avLst/>
+          </a:prstGeom>
+          <a:solidFill>
+            <a:schemeClr val="bg1"/>
+          </a:solidFill>
+        </p:spPr>
+        <p:txBody>
+          <a:bodyPr wrap="square" rtlCol="0">
+            <a:spAutoFit/>
+          </a:bodyPr>
+          <a:lstStyle/>
+          <a:p>
+            <a:pPr algn="ctr"/>
+            <a:r>
+              <a:rPr lang="en-US" sz="1100" b="1" dirty="0"/>
+              <a:t>result</a:t>
             </a:r>
           </a:p>
         </p:txBody>
@@ -8055,7 +13182,7 @@
     </p:spTree>
     <p:extLst>
       <p:ext uri="{BB962C8B-B14F-4D97-AF65-F5344CB8AC3E}">
-        <p14:creationId xmlns:p14="http://schemas.microsoft.com/office/powerpoint/2010/main" val="2981240969"/>
+        <p14:creationId xmlns:p14="http://schemas.microsoft.com/office/powerpoint/2010/main" val="437957880"/>
       </p:ext>
     </p:extLst>
   </p:cSld>
@@ -8095,15 +13222,45 @@
         <p:spPr/>
         <p:txBody>
           <a:bodyPr>
-            <a:normAutofit/>
+            <a:noAutofit/>
           </a:bodyPr>
           <a:lstStyle/>
           <a:p>
             <a:pPr algn="l"/>
             <a:r>
-              <a:rPr lang="en-US" dirty="0"/>
-              <a:t>MeasureReport using Procedure</a:t>
-            </a:r>
+              <a:rPr lang="en-US" sz="1200" dirty="0"/>
+              <a:t>MeasureReport using Diagnostic Report</a:t>
+            </a:r>
+            <a:br>
+              <a:rPr lang="en-US" sz="1200" dirty="0"/>
+            </a:br>
+            <a:r>
+              <a:rPr lang="en-US" sz="1200" dirty="0"/>
+              <a:t>Figure 3-6: copied slide 9 and made a few updates: repositioned the boxes/lines/texts. Changed </a:t>
+            </a:r>
+            <a:r>
+              <a:rPr lang="en-US" sz="1200" dirty="0" err="1"/>
+              <a:t>evaluatedResources</a:t>
+            </a:r>
+            <a:r>
+              <a:rPr lang="en-US" sz="1200" dirty="0"/>
+              <a:t> to evaluatedResource </a:t>
+            </a:r>
+            <a:br>
+              <a:rPr lang="en-US" sz="1200" dirty="0"/>
+            </a:br>
+            <a:r>
+              <a:rPr lang="pt-BR" sz="1200" dirty="0"/>
+              <a:t>DEQM Resource Diagram – COL2.jpg </a:t>
+            </a:r>
+            <a:br>
+              <a:rPr lang="pt-BR" sz="1200" dirty="0"/>
+            </a:br>
+            <a:r>
+              <a:rPr lang="pt-BR" sz="1200" dirty="0"/>
+              <a:t>now col-option2-using-diagnostic-report.png</a:t>
+            </a:r>
+            <a:endParaRPr lang="en-US" sz="3200" dirty="0"/>
           </a:p>
         </p:txBody>
       </p:sp>
@@ -8140,7 +13297,7 @@
         </p:nvSpPr>
         <p:spPr>
           <a:xfrm>
-            <a:off x="762000" y="1447800"/>
+            <a:off x="754380" y="1760895"/>
             <a:ext cx="1524000" cy="609600"/>
           </a:xfrm>
           <a:prstGeom prst="flowChartAlternateProcess">
@@ -8244,7 +13401,7 @@
         </p:nvSpPr>
         <p:spPr>
           <a:xfrm>
-            <a:off x="726332" y="4516338"/>
+            <a:off x="762000" y="4572000"/>
             <a:ext cx="1524000" cy="609600"/>
           </a:xfrm>
           <a:prstGeom prst="flowChartAlternateProcess">
@@ -8283,7 +13440,7 @@
                   <a:schemeClr val="bg1"/>
                 </a:solidFill>
               </a:rPr>
-              <a:t>Procedure</a:t>
+              <a:t>DiagnosticReport</a:t>
             </a:r>
           </a:p>
         </p:txBody>
@@ -8296,7 +13453,7 @@
         </p:nvSpPr>
         <p:spPr>
           <a:xfrm>
-            <a:off x="4724400" y="1981200"/>
+            <a:off x="4369090" y="1942078"/>
             <a:ext cx="1524000" cy="609600"/>
           </a:xfrm>
           <a:prstGeom prst="flowChartAlternateProcess">
@@ -8348,7 +13505,7 @@
         </p:nvSpPr>
         <p:spPr>
           <a:xfrm>
-            <a:off x="4732506" y="3859634"/>
+            <a:off x="4369090" y="3040435"/>
             <a:ext cx="1524000" cy="609600"/>
           </a:xfrm>
           <a:prstGeom prst="flowChartAlternateProcess">
@@ -8402,9 +13559,9 @@
           <p:nvPr/>
         </p:nvCxnSpPr>
         <p:spPr>
-          <a:xfrm flipV="1">
-            <a:off x="1524000" y="2057400"/>
-            <a:ext cx="0" cy="1003570"/>
+          <a:xfrm flipH="1" flipV="1">
+            <a:off x="1516380" y="2370495"/>
+            <a:ext cx="7620" cy="690475"/>
           </a:xfrm>
           <a:prstGeom prst="straightConnector1">
             <a:avLst/>
@@ -8434,13 +13591,17 @@
       <p:cxnSp>
         <p:nvCxnSpPr>
           <p:cNvPr id="19" name="Straight Arrow Connector 18"/>
-          <p:cNvCxnSpPr/>
+          <p:cNvCxnSpPr>
+            <a:cxnSpLocks/>
+            <a:stCxn id="6" idx="2"/>
+            <a:endCxn id="10" idx="0"/>
+          </p:cNvCxnSpPr>
           <p:nvPr/>
         </p:nvCxnSpPr>
         <p:spPr>
           <a:xfrm>
-            <a:off x="1540213" y="3578157"/>
-            <a:ext cx="0" cy="993843"/>
+            <a:off x="1524000" y="3670570"/>
+            <a:ext cx="0" cy="901430"/>
           </a:xfrm>
           <a:prstGeom prst="straightConnector1">
             <a:avLst/>
@@ -8475,7 +13636,7 @@
         </p:nvSpPr>
         <p:spPr>
           <a:xfrm>
-            <a:off x="990600" y="2590800"/>
+            <a:off x="968713" y="2564048"/>
             <a:ext cx="1143000" cy="261610"/>
           </a:xfrm>
           <a:prstGeom prst="rect">
@@ -8510,8 +13671,8 @@
         </p:nvCxnSpPr>
         <p:spPr>
           <a:xfrm flipV="1">
-            <a:off x="2286000" y="2286000"/>
-            <a:ext cx="2438400" cy="1079770"/>
+            <a:off x="2286000" y="2246878"/>
+            <a:ext cx="2083090" cy="1118892"/>
           </a:xfrm>
           <a:prstGeom prst="straightConnector1">
             <a:avLst/>
@@ -8548,9 +13709,9 @@
           <p:nvPr/>
         </p:nvCxnSpPr>
         <p:spPr>
-          <a:xfrm>
-            <a:off x="2286000" y="3365770"/>
-            <a:ext cx="2446506" cy="798664"/>
+          <a:xfrm flipV="1">
+            <a:off x="2286000" y="3345235"/>
+            <a:ext cx="2083090" cy="20535"/>
           </a:xfrm>
           <a:prstGeom prst="straightConnector1">
             <a:avLst/>
@@ -8585,8 +13746,8 @@
         </p:nvSpPr>
         <p:spPr>
           <a:xfrm>
-            <a:off x="3124200" y="2559185"/>
-            <a:ext cx="1676400" cy="261610"/>
+            <a:off x="2925559" y="2534447"/>
+            <a:ext cx="1188464" cy="261610"/>
           </a:xfrm>
           <a:prstGeom prst="rect">
             <a:avLst/>
@@ -8604,7 +13765,7 @@
             <a:pPr algn="ctr"/>
             <a:r>
               <a:rPr lang="en-US" sz="1100" b="1" dirty="0"/>
-              <a:t>supportingOrganization</a:t>
+              <a:t>reporter</a:t>
             </a:r>
           </a:p>
         </p:txBody>
@@ -8636,7 +13797,7 @@
             <a:pPr algn="ctr"/>
             <a:r>
               <a:rPr lang="en-US" sz="1100" b="1" dirty="0"/>
-              <a:t>evaluatedResources</a:t>
+              <a:t>evaluatedResource</a:t>
             </a:r>
           </a:p>
         </p:txBody>
@@ -8649,7 +13810,7 @@
         </p:nvSpPr>
         <p:spPr>
           <a:xfrm>
-            <a:off x="2729822" y="3588794"/>
+            <a:off x="2707416" y="3197863"/>
             <a:ext cx="1143000" cy="261610"/>
           </a:xfrm>
           <a:prstGeom prst="rect">
@@ -8668,7 +13829,7 @@
             <a:pPr algn="ctr"/>
             <a:r>
               <a:rPr lang="en-US" sz="1100" b="1" dirty="0"/>
-              <a:t>patient</a:t>
+              <a:t>subject</a:t>
             </a:r>
           </a:p>
         </p:txBody>
@@ -8684,8 +13845,8 @@
         </p:nvCxnSpPr>
         <p:spPr>
           <a:xfrm flipV="1">
-            <a:off x="2250332" y="4164434"/>
-            <a:ext cx="2482174" cy="656704"/>
+            <a:off x="2286000" y="3345235"/>
+            <a:ext cx="2083090" cy="1531565"/>
           </a:xfrm>
           <a:prstGeom prst="straightConnector1">
             <a:avLst/>
@@ -8720,7 +13881,7 @@
         </p:nvSpPr>
         <p:spPr>
           <a:xfrm>
-            <a:off x="3191887" y="4338429"/>
+            <a:off x="2859034" y="3905882"/>
             <a:ext cx="1143000" cy="261610"/>
           </a:xfrm>
           <a:prstGeom prst="rect">
@@ -8752,7 +13913,7 @@
         </p:nvSpPr>
         <p:spPr>
           <a:xfrm>
-            <a:off x="4732506" y="5604301"/>
+            <a:off x="4376710" y="5516563"/>
             <a:ext cx="1524000" cy="609600"/>
           </a:xfrm>
           <a:prstGeom prst="flowChartAlternateProcess">
@@ -8804,7 +13965,7 @@
         </p:nvSpPr>
         <p:spPr>
           <a:xfrm>
-            <a:off x="4753583" y="4725978"/>
+            <a:off x="4373878" y="4551465"/>
             <a:ext cx="1524000" cy="609600"/>
           </a:xfrm>
           <a:prstGeom prst="flowChartAlternateProcess">
@@ -8858,9 +14019,9 @@
           <p:nvPr/>
         </p:nvCxnSpPr>
         <p:spPr>
-          <a:xfrm>
-            <a:off x="2250332" y="4821138"/>
-            <a:ext cx="2503251" cy="209640"/>
+          <a:xfrm flipV="1">
+            <a:off x="2286000" y="4856265"/>
+            <a:ext cx="2087878" cy="20535"/>
           </a:xfrm>
           <a:prstGeom prst="straightConnector1">
             <a:avLst/>
@@ -8899,8 +14060,8 @@
         </p:nvCxnSpPr>
         <p:spPr>
           <a:xfrm>
-            <a:off x="2250332" y="4821138"/>
-            <a:ext cx="2482174" cy="1087963"/>
+            <a:off x="2286000" y="4876800"/>
+            <a:ext cx="2090710" cy="944563"/>
           </a:xfrm>
           <a:prstGeom prst="straightConnector1">
             <a:avLst/>
@@ -8936,8 +14097,8 @@
         </p:nvSpPr>
         <p:spPr>
           <a:xfrm>
-            <a:off x="3046379" y="5290879"/>
-            <a:ext cx="1314449" cy="261610"/>
+            <a:off x="2925559" y="5178457"/>
+            <a:ext cx="964601" cy="261610"/>
           </a:xfrm>
           <a:prstGeom prst="rect">
             <a:avLst/>
@@ -8968,8 +14129,8 @@
         </p:nvSpPr>
         <p:spPr>
           <a:xfrm>
-            <a:off x="3352799" y="4870315"/>
-            <a:ext cx="876301" cy="261610"/>
+            <a:off x="3047999" y="4712985"/>
+            <a:ext cx="902713" cy="261610"/>
           </a:xfrm>
           <a:prstGeom prst="rect">
             <a:avLst/>
@@ -8994,105 +14155,13 @@
       </p:sp>
       <p:sp>
         <p:nvSpPr>
-          <p:cNvPr id="29" name="Flowchart: Alternate Process 28"/>
-          <p:cNvSpPr/>
-          <p:nvPr/>
-        </p:nvSpPr>
-        <p:spPr>
-          <a:xfrm>
-            <a:off x="1967419" y="5684036"/>
-            <a:ext cx="1524000" cy="609600"/>
-          </a:xfrm>
-          <a:prstGeom prst="flowChartAlternateProcess">
-            <a:avLst/>
-          </a:prstGeom>
-          <a:ln w="12700">
-            <a:solidFill>
-              <a:schemeClr val="tx2"/>
-            </a:solidFill>
-          </a:ln>
-        </p:spPr>
-        <p:style>
-          <a:lnRef idx="2">
-            <a:schemeClr val="accent1">
-              <a:shade val="50000"/>
-            </a:schemeClr>
-          </a:lnRef>
-          <a:fillRef idx="1">
-            <a:schemeClr val="accent1"/>
-          </a:fillRef>
-          <a:effectRef idx="0">
-            <a:schemeClr val="accent1"/>
-          </a:effectRef>
-          <a:fontRef idx="minor">
-            <a:schemeClr val="lt1"/>
-          </a:fontRef>
-        </p:style>
-        <p:txBody>
-          <a:bodyPr rtlCol="0" anchor="ctr"/>
-          <a:lstStyle/>
-          <a:p>
-            <a:pPr algn="ctr"/>
-            <a:r>
-              <a:rPr lang="en-US" sz="1400" dirty="0">
-                <a:solidFill>
-                  <a:schemeClr val="bg1"/>
-                </a:solidFill>
-              </a:rPr>
-              <a:t>Location</a:t>
-            </a:r>
-          </a:p>
-        </p:txBody>
-      </p:sp>
-      <p:cxnSp>
-        <p:nvCxnSpPr>
-          <p:cNvPr id="16" name="Straight Arrow Connector 15"/>
-          <p:cNvCxnSpPr>
-            <a:stCxn id="10" idx="2"/>
-            <a:endCxn id="29" idx="0"/>
-          </p:cNvCxnSpPr>
-          <p:nvPr/>
-        </p:nvCxnSpPr>
-        <p:spPr>
-          <a:xfrm>
-            <a:off x="1488332" y="5125938"/>
-            <a:ext cx="1241087" cy="558098"/>
-          </a:xfrm>
-          <a:prstGeom prst="straightConnector1">
-            <a:avLst/>
-          </a:prstGeom>
-          <a:ln w="28575">
-            <a:solidFill>
-              <a:schemeClr val="tx1"/>
-            </a:solidFill>
-            <a:prstDash val="dash"/>
-            <a:tailEnd type="arrow"/>
-          </a:ln>
-        </p:spPr>
-        <p:style>
-          <a:lnRef idx="1">
-            <a:schemeClr val="accent1"/>
-          </a:lnRef>
-          <a:fillRef idx="0">
-            <a:schemeClr val="accent1"/>
-          </a:fillRef>
-          <a:effectRef idx="0">
-            <a:schemeClr val="accent1"/>
-          </a:effectRef>
-          <a:fontRef idx="minor">
-            <a:schemeClr val="tx1"/>
-          </a:fontRef>
-        </p:style>
-      </p:cxnSp>
-      <p:sp>
-        <p:nvSpPr>
           <p:cNvPr id="48" name="Flowchart: Alternate Process 47"/>
           <p:cNvSpPr/>
           <p:nvPr/>
         </p:nvSpPr>
         <p:spPr>
           <a:xfrm>
-            <a:off x="7010400" y="2937690"/>
+            <a:off x="7247550" y="3032815"/>
             <a:ext cx="1524000" cy="609600"/>
           </a:xfrm>
           <a:prstGeom prst="flowChartAlternateProcess">
@@ -9147,8 +14216,8 @@
         </p:nvCxnSpPr>
         <p:spPr>
           <a:xfrm flipH="1">
-            <a:off x="6256506" y="3242490"/>
-            <a:ext cx="753894" cy="921944"/>
+            <a:off x="5893090" y="3337615"/>
+            <a:ext cx="1354460" cy="7620"/>
           </a:xfrm>
           <a:prstGeom prst="straightConnector1">
             <a:avLst/>
@@ -9184,7 +14253,7 @@
         </p:nvSpPr>
         <p:spPr>
           <a:xfrm>
-            <a:off x="6248400" y="3506743"/>
+            <a:off x="6256166" y="3203968"/>
             <a:ext cx="901837" cy="261610"/>
           </a:xfrm>
           <a:prstGeom prst="rect">
@@ -9210,14 +14279,106 @@
       </p:sp>
       <p:sp>
         <p:nvSpPr>
-          <p:cNvPr id="36" name="TextBox 35"/>
+          <p:cNvPr id="33" name="Flowchart: Alternate Process 32"/>
+          <p:cNvSpPr/>
+          <p:nvPr/>
+        </p:nvSpPr>
+        <p:spPr>
+          <a:xfrm>
+            <a:off x="2234900" y="5621728"/>
+            <a:ext cx="1524000" cy="609600"/>
+          </a:xfrm>
+          <a:prstGeom prst="flowChartAlternateProcess">
+            <a:avLst/>
+          </a:prstGeom>
+          <a:ln w="12700">
+            <a:solidFill>
+              <a:schemeClr val="tx2"/>
+            </a:solidFill>
+          </a:ln>
+        </p:spPr>
+        <p:style>
+          <a:lnRef idx="2">
+            <a:schemeClr val="accent1">
+              <a:shade val="50000"/>
+            </a:schemeClr>
+          </a:lnRef>
+          <a:fillRef idx="1">
+            <a:schemeClr val="accent1"/>
+          </a:fillRef>
+          <a:effectRef idx="0">
+            <a:schemeClr val="accent1"/>
+          </a:effectRef>
+          <a:fontRef idx="minor">
+            <a:schemeClr val="lt1"/>
+          </a:fontRef>
+        </p:style>
+        <p:txBody>
+          <a:bodyPr rtlCol="0" anchor="ctr"/>
+          <a:lstStyle/>
+          <a:p>
+            <a:pPr algn="ctr"/>
+            <a:r>
+              <a:rPr lang="en-US" sz="1400" dirty="0">
+                <a:solidFill>
+                  <a:schemeClr val="bg1"/>
+                </a:solidFill>
+              </a:rPr>
+              <a:t>Observation</a:t>
+            </a:r>
+          </a:p>
+        </p:txBody>
+      </p:sp>
+      <p:cxnSp>
+        <p:nvCxnSpPr>
+          <p:cNvPr id="11" name="Straight Arrow Connector 10"/>
+          <p:cNvCxnSpPr>
+            <a:stCxn id="10" idx="2"/>
+            <a:endCxn id="33" idx="0"/>
+          </p:cNvCxnSpPr>
+          <p:nvPr/>
+        </p:nvCxnSpPr>
+        <p:spPr>
+          <a:xfrm>
+            <a:off x="1524000" y="5181600"/>
+            <a:ext cx="1472900" cy="440128"/>
+          </a:xfrm>
+          <a:prstGeom prst="straightConnector1">
+            <a:avLst/>
+          </a:prstGeom>
+          <a:ln w="19050">
+            <a:solidFill>
+              <a:schemeClr val="tx1"/>
+            </a:solidFill>
+            <a:prstDash val="dash"/>
+            <a:tailEnd type="arrow"/>
+          </a:ln>
+        </p:spPr>
+        <p:style>
+          <a:lnRef idx="1">
+            <a:schemeClr val="accent1"/>
+          </a:lnRef>
+          <a:fillRef idx="0">
+            <a:schemeClr val="accent1"/>
+          </a:fillRef>
+          <a:effectRef idx="0">
+            <a:schemeClr val="accent1"/>
+          </a:effectRef>
+          <a:fontRef idx="minor">
+            <a:schemeClr val="tx1"/>
+          </a:fontRef>
+        </p:style>
+      </p:cxnSp>
+      <p:sp>
+        <p:nvSpPr>
+          <p:cNvPr id="42" name="TextBox 41"/>
           <p:cNvSpPr txBox="1"/>
           <p:nvPr/>
         </p:nvSpPr>
         <p:spPr>
           <a:xfrm>
-            <a:off x="1735576" y="5274182"/>
-            <a:ext cx="796047" cy="261610"/>
+            <a:off x="1896280" y="5279395"/>
+            <a:ext cx="761997" cy="261610"/>
           </a:xfrm>
           <a:prstGeom prst="rect">
             <a:avLst/>
@@ -9235,7 +14396,7 @@
             <a:pPr algn="ctr"/>
             <a:r>
               <a:rPr lang="en-US" sz="1100" b="1" dirty="0"/>
-              <a:t>location</a:t>
+              <a:t>result</a:t>
             </a:r>
           </a:p>
         </p:txBody>
@@ -9243,7 +14404,7 @@
     </p:spTree>
     <p:extLst>
       <p:ext uri="{BB962C8B-B14F-4D97-AF65-F5344CB8AC3E}">
-        <p14:creationId xmlns:p14="http://schemas.microsoft.com/office/powerpoint/2010/main" val="3224418504"/>
+        <p14:creationId xmlns:p14="http://schemas.microsoft.com/office/powerpoint/2010/main" val="385392023"/>
       </p:ext>
     </p:extLst>
   </p:cSld>
